--- a/002-Control-Flow/Control Flow - Slides.pptx
+++ b/002-Control-Flow/Control Flow - Slides.pptx
@@ -34075,7 +34075,7 @@
         <p:spPr>
           <a:xfrm>
             <a:off x="693418" y="1287703"/>
-            <a:ext cx="10805163" cy="3693319"/>
+            <a:ext cx="10805163" cy="3590727"/>
           </a:xfrm>
           <a:prstGeom prst="rect">
             <a:avLst/>
@@ -34236,7 +34236,7 @@
             </a:pPr>
             <a:r>
               <a:rPr lang="en" dirty="0"/>
-              <a:t>Use the Python interpreter to perform simple mathematical operations.</a:t>
+              <a:t>Compare values and logically combine comparison results</a:t>
             </a:r>
           </a:p>
           <a:p>
@@ -34252,7 +34252,7 @@
             </a:pPr>
             <a:r>
               <a:rPr lang="en" dirty="0"/>
-              <a:t>Output any text using Python.</a:t>
+              <a:t>Manipulate lists of objects with a new, powerful datatype</a:t>
             </a:r>
           </a:p>
           <a:p>
@@ -34268,7 +34268,7 @@
             </a:pPr>
             <a:r>
               <a:rPr lang="en" dirty="0"/>
-              <a:t>Capture text input from the user.</a:t>
+              <a:t>Conditionally execute or skip code</a:t>
             </a:r>
           </a:p>
           <a:p>
@@ -34284,7 +34284,7 @@
             </a:pPr>
             <a:r>
               <a:rPr lang="en" dirty="0"/>
-              <a:t>Store and retrieve information from variables.</a:t>
+              <a:t>Iterate over lists, strings and number sequences</a:t>
             </a:r>
           </a:p>
           <a:p>
@@ -34300,40 +34300,7 @@
             </a:pPr>
             <a:r>
               <a:rPr lang="en" dirty="0"/>
-              <a:t>Use numeric types </a:t>
-            </a:r>
-            <a:r>
-              <a:rPr lang="en" dirty="0" err="1">
-                <a:latin typeface="Consolas" panose="020B0609020204030204" pitchFamily="49" charset="0"/>
-                <a:cs typeface="Consolas" panose="020B0609020204030204" pitchFamily="49" charset="0"/>
-              </a:rPr>
-              <a:t>int</a:t>
-            </a:r>
-            <a:r>
-              <a:rPr lang="en" dirty="0"/>
-              <a:t>, </a:t>
-            </a:r>
-            <a:r>
-              <a:rPr lang="en" dirty="0">
-                <a:latin typeface="Consolas" panose="020B0609020204030204" pitchFamily="49" charset="0"/>
-                <a:cs typeface="Consolas" panose="020B0609020204030204" pitchFamily="49" charset="0"/>
-              </a:rPr>
-              <a:t>float</a:t>
-            </a:r>
-            <a:r>
-              <a:rPr lang="en" dirty="0"/>
-              <a:t> and </a:t>
-            </a:r>
-            <a:r>
-              <a:rPr lang="en" dirty="0">
-                <a:latin typeface="Consolas" panose="020B0609020204030204" pitchFamily="49" charset="0"/>
-                <a:cs typeface="Consolas" panose="020B0609020204030204" pitchFamily="49" charset="0"/>
-              </a:rPr>
-              <a:t>complex</a:t>
-            </a:r>
-            <a:r>
-              <a:rPr lang="en" dirty="0"/>
-              <a:t> and perform deeper math.</a:t>
+              <a:t>Loop over code until a condition is met</a:t>
             </a:r>
           </a:p>
           <a:p>
@@ -34349,34 +34316,7 @@
             </a:pPr>
             <a:r>
               <a:rPr lang="en" dirty="0"/>
-              <a:t>Manipulate text data using the </a:t>
-            </a:r>
-            <a:r>
-              <a:rPr lang="en" dirty="0" err="1">
-                <a:latin typeface="Consolas" panose="020B0609020204030204" pitchFamily="49" charset="0"/>
-                <a:cs typeface="Consolas" panose="020B0609020204030204" pitchFamily="49" charset="0"/>
-              </a:rPr>
-              <a:t>str</a:t>
-            </a:r>
-            <a:r>
-              <a:rPr lang="en" dirty="0"/>
-              <a:t> type.</a:t>
-            </a:r>
-          </a:p>
-          <a:p>
-            <a:pPr marL="1940560" marR="5080" indent="-287020">
-              <a:lnSpc>
-                <a:spcPct val="100000"/>
-              </a:lnSpc>
-              <a:spcBef>
-                <a:spcPts val="805"/>
-              </a:spcBef>
-              <a:buFont typeface="Zapf Dingbats"/>
-              <a:buChar char="➠"/>
-            </a:pPr>
-            <a:r>
-              <a:rPr lang="en" dirty="0"/>
-              <a:t>Start using the Python interpreter on your own.</a:t>
+              <a:t>Use some powerful built-in tools from the Python language to make iteration simple and expressive</a:t>
             </a:r>
           </a:p>
           <a:p>

--- a/002-Control-Flow/Control Flow - Slides.pptx
+++ b/002-Control-Flow/Control Flow - Slides.pptx
@@ -34075,7 +34075,7 @@
         <p:spPr>
           <a:xfrm>
             <a:off x="693418" y="1287703"/>
-            <a:ext cx="10805163" cy="3590727"/>
+            <a:ext cx="10805163" cy="1036181"/>
           </a:xfrm>
           <a:prstGeom prst="rect">
             <a:avLst/>
@@ -34222,102 +34222,6 @@
             <a:endParaRPr lang="en" dirty="0">
               <a:latin typeface="Wingdings 3"/>
             </a:endParaRPr>
-          </a:p>
-          <a:p>
-            <a:pPr marL="1940560" marR="5080" indent="-287020">
-              <a:lnSpc>
-                <a:spcPct val="100000"/>
-              </a:lnSpc>
-              <a:spcBef>
-                <a:spcPts val="805"/>
-              </a:spcBef>
-              <a:buFont typeface="Zapf Dingbats"/>
-              <a:buChar char="➠"/>
-            </a:pPr>
-            <a:r>
-              <a:rPr lang="en" dirty="0"/>
-              <a:t>Compare values and logically combine comparison results</a:t>
-            </a:r>
-          </a:p>
-          <a:p>
-            <a:pPr marL="1940560" marR="5080" indent="-287020">
-              <a:lnSpc>
-                <a:spcPct val="100000"/>
-              </a:lnSpc>
-              <a:spcBef>
-                <a:spcPts val="805"/>
-              </a:spcBef>
-              <a:buFont typeface="Zapf Dingbats"/>
-              <a:buChar char="➠"/>
-            </a:pPr>
-            <a:r>
-              <a:rPr lang="en" dirty="0"/>
-              <a:t>Manipulate lists of objects with a new, powerful datatype</a:t>
-            </a:r>
-          </a:p>
-          <a:p>
-            <a:pPr marL="1940560" marR="5080" indent="-287020">
-              <a:lnSpc>
-                <a:spcPct val="100000"/>
-              </a:lnSpc>
-              <a:spcBef>
-                <a:spcPts val="805"/>
-              </a:spcBef>
-              <a:buFont typeface="Zapf Dingbats"/>
-              <a:buChar char="➠"/>
-            </a:pPr>
-            <a:r>
-              <a:rPr lang="en" dirty="0"/>
-              <a:t>Conditionally execute or skip code</a:t>
-            </a:r>
-          </a:p>
-          <a:p>
-            <a:pPr marL="1940560" marR="5080" indent="-287020">
-              <a:lnSpc>
-                <a:spcPct val="100000"/>
-              </a:lnSpc>
-              <a:spcBef>
-                <a:spcPts val="805"/>
-              </a:spcBef>
-              <a:buFont typeface="Zapf Dingbats"/>
-              <a:buChar char="➠"/>
-            </a:pPr>
-            <a:r>
-              <a:rPr lang="en" dirty="0"/>
-              <a:t>Iterate over lists, strings and number sequences</a:t>
-            </a:r>
-          </a:p>
-          <a:p>
-            <a:pPr marL="1940560" marR="5080" indent="-287020">
-              <a:lnSpc>
-                <a:spcPct val="100000"/>
-              </a:lnSpc>
-              <a:spcBef>
-                <a:spcPts val="805"/>
-              </a:spcBef>
-              <a:buFont typeface="Zapf Dingbats"/>
-              <a:buChar char="➠"/>
-            </a:pPr>
-            <a:r>
-              <a:rPr lang="en" dirty="0"/>
-              <a:t>Loop over code until a condition is met</a:t>
-            </a:r>
-          </a:p>
-          <a:p>
-            <a:pPr marL="1940560" marR="5080" indent="-287020">
-              <a:lnSpc>
-                <a:spcPct val="100000"/>
-              </a:lnSpc>
-              <a:spcBef>
-                <a:spcPts val="805"/>
-              </a:spcBef>
-              <a:buFont typeface="Zapf Dingbats"/>
-              <a:buChar char="➠"/>
-            </a:pPr>
-            <a:r>
-              <a:rPr lang="en" dirty="0"/>
-              <a:t>Use some powerful built-in tools from the Python language to make iteration simple and expressive</a:t>
-            </a:r>
           </a:p>
           <a:p>
             <a:pPr marL="1940560" marR="5080" indent="-287020">
@@ -40404,14 +40308,14 @@
           <p:nvPr>
             <p:extLst>
               <p:ext uri="{D42A27DB-BD31-4B8C-83A1-F6EECF244321}">
-                <p14:modId xmlns:p14="http://schemas.microsoft.com/office/powerpoint/2010/main" val="3327052757"/>
+                <p14:modId xmlns:p14="http://schemas.microsoft.com/office/powerpoint/2010/main" val="749614720"/>
               </p:ext>
             </p:extLst>
           </p:nvPr>
         </p:nvGraphicFramePr>
         <p:xfrm>
           <a:off x="2400176" y="1212972"/>
-          <a:ext cx="8654021" cy="4449787"/>
+          <a:ext cx="8654021" cy="4097256"/>
         </p:xfrm>
         <a:graphic>
           <a:graphicData uri="http://schemas.openxmlformats.org/drawingml/2006/table">
@@ -41282,14 +41186,21 @@
                       </a:pPr>
                       <a:r>
                         <a:rPr lang="en-US" sz="1400" dirty="0">
-                          <a:latin typeface="Arial"/>
-                          <a:cs typeface="Arial"/>
+                          <a:latin typeface="Arial" panose="020B0604020202020204" pitchFamily="34" charset="0"/>
+                          <a:cs typeface="Arial" panose="020B0604020202020204" pitchFamily="34" charset="0"/>
                         </a:rPr>
-                        <a:t>Boolean type and comparison operators</a:t>
+                        <a:t>More about </a:t>
+                      </a:r>
+                      <a:r>
+                        <a:rPr lang="en-US" sz="1400" dirty="0">
+                          <a:latin typeface="Consolas" panose="020B0609020204030204" pitchFamily="49" charset="0"/>
+                          <a:cs typeface="Consolas" panose="020B0609020204030204" pitchFamily="49" charset="0"/>
+                        </a:rPr>
+                        <a:t>list</a:t>
                       </a:r>
                       <a:endParaRPr sz="1400" dirty="0">
-                        <a:latin typeface="Arial"/>
-                        <a:cs typeface="Arial"/>
+                        <a:latin typeface="Consolas" panose="020B0609020204030204" pitchFamily="49" charset="0"/>
+                        <a:cs typeface="Consolas" panose="020B0609020204030204" pitchFamily="49" charset="0"/>
                       </a:endParaRPr>
                     </a:p>
                   </a:txBody>
@@ -41408,7 +41319,7 @@
                           <a:latin typeface="Arial"/>
                           <a:cs typeface="Arial"/>
                         </a:rPr>
-                        <a:t>15:15</a:t>
+                        <a:t>15:00</a:t>
                       </a:r>
                       <a:endParaRPr sz="1400" dirty="0">
                         <a:latin typeface="Arial"/>
@@ -41475,7 +41386,7 @@
                           <a:latin typeface="Arial"/>
                           <a:cs typeface="Arial"/>
                         </a:rPr>
-                        <a:t>45</a:t>
+                        <a:t>30</a:t>
                       </a:r>
                       <a:endParaRPr sz="1400" dirty="0">
                         <a:latin typeface="Arial"/>
@@ -41590,22 +41501,22 @@
                       </a:pPr>
                       <a:r>
                         <a:rPr lang="en-US" sz="1400" dirty="0">
-                          <a:latin typeface="Arial"/>
-                          <a:cs typeface="Arial"/>
+                          <a:latin typeface="Arial" panose="020B0604020202020204" pitchFamily="34" charset="0"/>
+                          <a:cs typeface="Arial" panose="020B0604020202020204" pitchFamily="34" charset="0"/>
                         </a:rPr>
-                        <a:t>Conditionals: </a:t>
+                        <a:t>Other sequence types: </a:t>
+                      </a:r>
+                      <a:r>
+                        <a:rPr lang="en-US" sz="1400" dirty="0" err="1">
+                          <a:latin typeface="Consolas" panose="020B0609020204030204" pitchFamily="49" charset="0"/>
+                          <a:cs typeface="Consolas" panose="020B0609020204030204" pitchFamily="49" charset="0"/>
+                        </a:rPr>
+                        <a:t>str</a:t>
                       </a:r>
                       <a:r>
                         <a:rPr lang="en-US" sz="1400" dirty="0">
-                          <a:latin typeface="Consolas" panose="020B0609020204030204" pitchFamily="49" charset="0"/>
-                          <a:cs typeface="Consolas" panose="020B0609020204030204" pitchFamily="49" charset="0"/>
-                        </a:rPr>
-                        <a:t>if</a:t>
-                      </a:r>
-                      <a:r>
-                        <a:rPr lang="en-US" sz="1400" dirty="0">
-                          <a:latin typeface="Arial"/>
-                          <a:cs typeface="Arial"/>
+                          <a:latin typeface="Arial" panose="020B0604020202020204" pitchFamily="34" charset="0"/>
+                          <a:cs typeface="Arial" panose="020B0604020202020204" pitchFamily="34" charset="0"/>
                         </a:rPr>
                         <a:t> – </a:t>
                       </a:r>
@@ -41614,12 +41525,22 @@
                           <a:latin typeface="Consolas" panose="020B0609020204030204" pitchFamily="49" charset="0"/>
                           <a:cs typeface="Consolas" panose="020B0609020204030204" pitchFamily="49" charset="0"/>
                         </a:rPr>
-                        <a:t>else</a:t>
+                        <a:t>tuple</a:t>
                       </a:r>
-                      <a:endParaRPr sz="1400" dirty="0">
-                        <a:latin typeface="Consolas" panose="020B0609020204030204" pitchFamily="49" charset="0"/>
-                        <a:cs typeface="Consolas" panose="020B0609020204030204" pitchFamily="49" charset="0"/>
-                      </a:endParaRPr>
+                      <a:r>
+                        <a:rPr lang="en-US" sz="1400" dirty="0">
+                          <a:latin typeface="Arial" panose="020B0604020202020204" pitchFamily="34" charset="0"/>
+                          <a:cs typeface="Arial" panose="020B0604020202020204" pitchFamily="34" charset="0"/>
+                        </a:rPr>
+                        <a:t> – </a:t>
+                      </a:r>
+                      <a:r>
+                        <a:rPr lang="en-US" sz="1400" dirty="0">
+                          <a:latin typeface="Consolas" panose="020B0609020204030204" pitchFamily="49" charset="0"/>
+                          <a:cs typeface="Consolas" panose="020B0609020204030204" pitchFamily="49" charset="0"/>
+                        </a:rPr>
+                        <a:t>set</a:t>
+                      </a:r>
                     </a:p>
                   </a:txBody>
                   <a:tcPr marL="0" marR="0" marT="0" marB="0">
@@ -41679,7 +41600,7 @@
                           <a:latin typeface="Arial"/>
                           <a:cs typeface="Arial"/>
                         </a:rPr>
-                        <a:t>15:15</a:t>
+                        <a:t>15:00</a:t>
                       </a:r>
                       <a:endParaRPr sz="1400" dirty="0">
                         <a:latin typeface="Arial"/>
@@ -41809,7 +41730,7 @@
                           <a:latin typeface="Arial"/>
                           <a:cs typeface="Arial"/>
                         </a:rPr>
-                        <a:t>00:30</a:t>
+                        <a:t>00:45</a:t>
                       </a:r>
                       <a:endParaRPr sz="1400" dirty="0">
                         <a:latin typeface="Arial"/>
@@ -42287,45 +42208,17 @@
                       </a:pPr>
                       <a:r>
                         <a:rPr lang="en-US" sz="1400" dirty="0">
-                          <a:latin typeface="Arial"/>
-                          <a:cs typeface="Arial"/>
+                          <a:latin typeface="Arial" panose="020B0604020202020204" pitchFamily="34" charset="0"/>
+                          <a:cs typeface="Arial" panose="020B0604020202020204" pitchFamily="34" charset="0"/>
                         </a:rPr>
-                        <a:t>Loops Part I: Iteration / </a:t>
+                        <a:t>Associative container: </a:t>
                       </a:r>
                       <a:r>
-                        <a:rPr lang="en-US" sz="1400" dirty="0">
+                        <a:rPr lang="en-US" sz="1400" dirty="0" err="1">
                           <a:latin typeface="Consolas" panose="020B0609020204030204" pitchFamily="49" charset="0"/>
                           <a:cs typeface="Consolas" panose="020B0609020204030204" pitchFamily="49" charset="0"/>
                         </a:rPr>
-                        <a:t>list</a:t>
-                      </a:r>
-                      <a:r>
-                        <a:rPr lang="en-US" sz="1400" dirty="0">
-                          <a:latin typeface="Arial"/>
-                          <a:cs typeface="Arial"/>
-                        </a:rPr>
-                        <a:t> – </a:t>
-                      </a:r>
-                      <a:r>
-                        <a:rPr lang="en-US" sz="1400" dirty="0">
-                          <a:latin typeface="Consolas" panose="020B0609020204030204" pitchFamily="49" charset="0"/>
-                          <a:cs typeface="Consolas" panose="020B0609020204030204" pitchFamily="49" charset="0"/>
-                        </a:rPr>
-                        <a:t>for</a:t>
-                      </a:r>
-                      <a:r>
-                        <a:rPr lang="en-US" sz="1400" dirty="0">
-                          <a:latin typeface="Arial"/>
-                          <a:cs typeface="Arial"/>
-                        </a:rPr>
-                        <a:t> – </a:t>
-                      </a:r>
-                      <a:r>
-                        <a:rPr lang="en-US" sz="1400" dirty="0">
-                          <a:latin typeface="Consolas" panose="020B0609020204030204" pitchFamily="49" charset="0"/>
-                          <a:cs typeface="Consolas" panose="020B0609020204030204" pitchFamily="49" charset="0"/>
-                        </a:rPr>
-                        <a:t>range</a:t>
+                        <a:t>dict</a:t>
                       </a:r>
                       <a:endParaRPr sz="1400" dirty="0">
                         <a:latin typeface="Consolas" panose="020B0609020204030204" pitchFamily="49" charset="0"/>
@@ -42646,343 +42539,10 @@
                       </a:pPr>
                       <a:r>
                         <a:rPr lang="en-US" sz="1400" dirty="0">
-                          <a:latin typeface="Arial"/>
-                          <a:cs typeface="Arial"/>
-                        </a:rPr>
-                        <a:t>Loops Part II: Conditional / </a:t>
-                      </a:r>
-                      <a:r>
-                        <a:rPr lang="en-US" sz="1400" dirty="0">
-                          <a:latin typeface="Consolas" panose="020B0609020204030204" pitchFamily="49" charset="0"/>
-                          <a:cs typeface="Consolas" panose="020B0609020204030204" pitchFamily="49" charset="0"/>
-                        </a:rPr>
-                        <a:t>while</a:t>
-                      </a:r>
-                      <a:endParaRPr sz="1400" dirty="0">
-                        <a:latin typeface="Consolas" panose="020B0609020204030204" pitchFamily="49" charset="0"/>
-                        <a:cs typeface="Consolas" panose="020B0609020204030204" pitchFamily="49" charset="0"/>
-                      </a:endParaRPr>
-                    </a:p>
-                  </a:txBody>
-                  <a:tcPr marL="0" marR="0" marT="0" marB="0">
-                    <a:lnL w="12700" cap="flat" cmpd="sng" algn="ctr">
-                      <a:solidFill>
-                        <a:srgbClr val="FFFFFF"/>
-                      </a:solidFill>
-                      <a:prstDash val="solid"/>
-                      <a:round/>
-                      <a:headEnd type="none" w="med" len="med"/>
-                      <a:tailEnd type="none" w="med" len="med"/>
-                    </a:lnL>
-                    <a:lnR w="12700" cap="flat" cmpd="sng" algn="ctr">
-                      <a:solidFill>
-                        <a:srgbClr val="FFFFFF"/>
-                      </a:solidFill>
-                      <a:prstDash val="solid"/>
-                      <a:round/>
-                      <a:headEnd type="none" w="med" len="med"/>
-                      <a:tailEnd type="none" w="med" len="med"/>
-                    </a:lnR>
-                    <a:lnT w="12700" cap="flat" cmpd="sng" algn="ctr">
-                      <a:solidFill>
-                        <a:srgbClr val="FFFFFF"/>
-                      </a:solidFill>
-                      <a:prstDash val="solid"/>
-                      <a:round/>
-                      <a:headEnd type="none" w="med" len="med"/>
-                      <a:tailEnd type="none" w="med" len="med"/>
-                    </a:lnT>
-                    <a:lnB w="12700" cap="flat" cmpd="sng" algn="ctr">
-                      <a:solidFill>
-                        <a:srgbClr val="FFFFFF"/>
-                      </a:solidFill>
-                      <a:prstDash val="solid"/>
-                      <a:round/>
-                      <a:headEnd type="none" w="med" len="med"/>
-                      <a:tailEnd type="none" w="med" len="med"/>
-                    </a:lnB>
-                    <a:solidFill>
-                      <a:srgbClr val="E0EFF8"/>
-                    </a:solidFill>
-                  </a:tcPr>
-                </a:tc>
-                <a:tc>
-                  <a:txBody>
-                    <a:bodyPr/>
-                    <a:lstStyle/>
-                    <a:p>
-                      <a:pPr marL="133985">
-                        <a:lnSpc>
-                          <a:spcPct val="100000"/>
-                        </a:lnSpc>
-                      </a:pPr>
-                      <a:r>
-                        <a:rPr lang="en-US" sz="1400" dirty="0">
-                          <a:latin typeface="Arial"/>
-                          <a:cs typeface="Arial"/>
-                        </a:rPr>
-                        <a:t>16:30</a:t>
-                      </a:r>
-                      <a:endParaRPr sz="1400" dirty="0">
-                        <a:latin typeface="Arial"/>
-                        <a:cs typeface="Arial"/>
-                      </a:endParaRPr>
-                    </a:p>
-                  </a:txBody>
-                  <a:tcPr marL="0" marR="0" marT="0" marB="0">
-                    <a:lnL w="12700" cap="flat" cmpd="sng" algn="ctr">
-                      <a:solidFill>
-                        <a:srgbClr val="FFFFFF"/>
-                      </a:solidFill>
-                      <a:prstDash val="solid"/>
-                      <a:round/>
-                      <a:headEnd type="none" w="med" len="med"/>
-                      <a:tailEnd type="none" w="med" len="med"/>
-                    </a:lnL>
-                    <a:lnR w="12700" cap="flat" cmpd="sng" algn="ctr">
-                      <a:solidFill>
-                        <a:srgbClr val="FFFFFF"/>
-                      </a:solidFill>
-                      <a:prstDash val="solid"/>
-                      <a:round/>
-                      <a:headEnd type="none" w="med" len="med"/>
-                      <a:tailEnd type="none" w="med" len="med"/>
-                    </a:lnR>
-                    <a:lnT w="12700" cap="flat" cmpd="sng" algn="ctr">
-                      <a:solidFill>
-                        <a:srgbClr val="FFFFFF"/>
-                      </a:solidFill>
-                      <a:prstDash val="solid"/>
-                      <a:round/>
-                      <a:headEnd type="none" w="med" len="med"/>
-                      <a:tailEnd type="none" w="med" len="med"/>
-                    </a:lnT>
-                    <a:lnB w="12700" cap="flat" cmpd="sng" algn="ctr">
-                      <a:solidFill>
-                        <a:srgbClr val="FFFFFF"/>
-                      </a:solidFill>
-                      <a:prstDash val="solid"/>
-                      <a:round/>
-                      <a:headEnd type="none" w="med" len="med"/>
-                      <a:tailEnd type="none" w="med" len="med"/>
-                    </a:lnB>
-                    <a:solidFill>
-                      <a:srgbClr val="E0EFF8"/>
-                    </a:solidFill>
-                  </a:tcPr>
-                </a:tc>
-                <a:tc>
-                  <a:txBody>
-                    <a:bodyPr/>
-                    <a:lstStyle/>
-                    <a:p>
-                      <a:pPr marL="147955">
-                        <a:lnSpc>
-                          <a:spcPct val="100000"/>
-                        </a:lnSpc>
-                      </a:pPr>
-                      <a:r>
-                        <a:rPr lang="en-US" sz="1400" dirty="0">
-                          <a:latin typeface="Arial"/>
-                          <a:cs typeface="Arial"/>
-                        </a:rPr>
-                        <a:t>16:40</a:t>
-                      </a:r>
-                      <a:endParaRPr sz="1400" dirty="0">
-                        <a:latin typeface="Arial"/>
-                        <a:cs typeface="Arial"/>
-                      </a:endParaRPr>
-                    </a:p>
-                  </a:txBody>
-                  <a:tcPr marL="0" marR="0" marT="0" marB="0">
-                    <a:lnL w="12700" cap="flat" cmpd="sng" algn="ctr">
-                      <a:solidFill>
-                        <a:srgbClr val="FFFFFF"/>
-                      </a:solidFill>
-                      <a:prstDash val="solid"/>
-                      <a:round/>
-                      <a:headEnd type="none" w="med" len="med"/>
-                      <a:tailEnd type="none" w="med" len="med"/>
-                    </a:lnL>
-                    <a:lnR w="12700" cap="flat" cmpd="sng" algn="ctr">
-                      <a:solidFill>
-                        <a:srgbClr val="FFFFFF"/>
-                      </a:solidFill>
-                      <a:prstDash val="solid"/>
-                      <a:round/>
-                      <a:headEnd type="none" w="med" len="med"/>
-                      <a:tailEnd type="none" w="med" len="med"/>
-                    </a:lnR>
-                    <a:lnT w="12700" cap="flat" cmpd="sng" algn="ctr">
-                      <a:solidFill>
-                        <a:srgbClr val="FFFFFF"/>
-                      </a:solidFill>
-                      <a:prstDash val="solid"/>
-                      <a:round/>
-                      <a:headEnd type="none" w="med" len="med"/>
-                      <a:tailEnd type="none" w="med" len="med"/>
-                    </a:lnT>
-                    <a:lnB w="12700" cap="flat" cmpd="sng" algn="ctr">
-                      <a:solidFill>
-                        <a:srgbClr val="FFFFFF"/>
-                      </a:solidFill>
-                      <a:prstDash val="solid"/>
-                      <a:round/>
-                      <a:headEnd type="none" w="med" len="med"/>
-                      <a:tailEnd type="none" w="med" len="med"/>
-                    </a:lnB>
-                    <a:solidFill>
-                      <a:srgbClr val="E0EFF8"/>
-                    </a:solidFill>
-                  </a:tcPr>
-                </a:tc>
-                <a:tc>
-                  <a:txBody>
-                    <a:bodyPr/>
-                    <a:lstStyle/>
-                    <a:p>
-                      <a:pPr marL="317500">
-                        <a:lnSpc>
-                          <a:spcPct val="100000"/>
-                        </a:lnSpc>
-                      </a:pPr>
-                      <a:r>
-                        <a:rPr lang="en-US" sz="1400" dirty="0">
-                          <a:latin typeface="Arial"/>
-                          <a:cs typeface="Arial"/>
-                        </a:rPr>
-                        <a:t>00:10</a:t>
-                      </a:r>
-                      <a:endParaRPr sz="1400" dirty="0">
-                        <a:latin typeface="Arial"/>
-                        <a:cs typeface="Arial"/>
-                      </a:endParaRPr>
-                    </a:p>
-                  </a:txBody>
-                  <a:tcPr marL="0" marR="0" marT="0" marB="0">
-                    <a:lnL w="12700" cap="flat" cmpd="sng" algn="ctr">
-                      <a:solidFill>
-                        <a:srgbClr val="FFFFFF"/>
-                      </a:solidFill>
-                      <a:prstDash val="solid"/>
-                      <a:round/>
-                      <a:headEnd type="none" w="med" len="med"/>
-                      <a:tailEnd type="none" w="med" len="med"/>
-                    </a:lnL>
-                    <a:lnR w="12700">
-                      <a:solidFill>
-                        <a:srgbClr val="FFFFFF"/>
-                      </a:solidFill>
-                      <a:prstDash val="solid"/>
-                    </a:lnR>
-                    <a:lnT w="12700" cap="flat" cmpd="sng" algn="ctr">
-                      <a:solidFill>
-                        <a:srgbClr val="FFFFFF"/>
-                      </a:solidFill>
-                      <a:prstDash val="solid"/>
-                      <a:round/>
-                      <a:headEnd type="none" w="med" len="med"/>
-                      <a:tailEnd type="none" w="med" len="med"/>
-                    </a:lnT>
-                    <a:lnB w="12700" cap="flat" cmpd="sng" algn="ctr">
-                      <a:solidFill>
-                        <a:srgbClr val="FFFFFF"/>
-                      </a:solidFill>
-                      <a:prstDash val="solid"/>
-                      <a:round/>
-                      <a:headEnd type="none" w="med" len="med"/>
-                      <a:tailEnd type="none" w="med" len="med"/>
-                    </a:lnB>
-                    <a:solidFill>
-                      <a:srgbClr val="E0EFF8"/>
-                    </a:solidFill>
-                  </a:tcPr>
-                </a:tc>
-                <a:extLst>
-                  <a:ext uri="{0D108BD9-81ED-4DB2-BD59-A6C34878D82A}">
-                    <a16:rowId xmlns:a16="http://schemas.microsoft.com/office/drawing/2014/main" val="316831696"/>
-                  </a:ext>
-                </a:extLst>
-              </a:tr>
-              <a:tr h="352531">
-                <a:tc>
-                  <a:txBody>
-                    <a:bodyPr/>
-                    <a:lstStyle/>
-                    <a:p>
-                      <a:pPr marL="635" algn="ctr">
-                        <a:lnSpc>
-                          <a:spcPct val="100000"/>
-                        </a:lnSpc>
-                      </a:pPr>
-                      <a:r>
-                        <a:rPr lang="en-US" sz="1400" dirty="0">
-                          <a:latin typeface="Arial"/>
-                          <a:cs typeface="Arial"/>
-                        </a:rPr>
-                        <a:t>05</a:t>
-                      </a:r>
-                      <a:endParaRPr sz="1400" dirty="0">
-                        <a:latin typeface="Arial"/>
-                        <a:cs typeface="Arial"/>
-                      </a:endParaRPr>
-                    </a:p>
-                  </a:txBody>
-                  <a:tcPr marL="0" marR="0" marT="0" marB="0">
-                    <a:lnL w="12700">
-                      <a:solidFill>
-                        <a:srgbClr val="FFFFFF"/>
-                      </a:solidFill>
-                      <a:prstDash val="solid"/>
-                    </a:lnL>
-                    <a:lnR w="12700" cap="flat" cmpd="sng" algn="ctr">
-                      <a:solidFill>
-                        <a:srgbClr val="FFFFFF"/>
-                      </a:solidFill>
-                      <a:prstDash val="solid"/>
-                      <a:round/>
-                      <a:headEnd type="none" w="med" len="med"/>
-                      <a:tailEnd type="none" w="med" len="med"/>
-                    </a:lnR>
-                    <a:lnT w="12700" cap="flat" cmpd="sng" algn="ctr">
-                      <a:solidFill>
-                        <a:srgbClr val="FFFFFF"/>
-                      </a:solidFill>
-                      <a:prstDash val="solid"/>
-                      <a:round/>
-                      <a:headEnd type="none" w="med" len="med"/>
-                      <a:tailEnd type="none" w="med" len="med"/>
-                    </a:lnT>
-                    <a:lnB w="12700" cap="flat" cmpd="sng" algn="ctr">
-                      <a:solidFill>
-                        <a:srgbClr val="FFFFFF"/>
-                      </a:solidFill>
-                      <a:prstDash val="solid"/>
-                      <a:round/>
-                      <a:headEnd type="none" w="med" len="med"/>
-                      <a:tailEnd type="none" w="med" len="med"/>
-                    </a:lnB>
-                    <a:solidFill>
-                      <a:srgbClr val="E0EFF8"/>
-                    </a:solidFill>
-                  </a:tcPr>
-                </a:tc>
-                <a:tc>
-                  <a:txBody>
-                    <a:bodyPr/>
-                    <a:lstStyle/>
-                    <a:p>
-                      <a:pPr marL="85090">
-                        <a:lnSpc>
-                          <a:spcPct val="100000"/>
-                        </a:lnSpc>
-                      </a:pPr>
-                      <a:r>
-                        <a:rPr lang="en-US" sz="1400" dirty="0">
                           <a:latin typeface="Arial" panose="020B0604020202020204" pitchFamily="34" charset="0"/>
                           <a:cs typeface="Arial" panose="020B0604020202020204" pitchFamily="34" charset="0"/>
                         </a:rPr>
-                        <a:t>Mastering loops and control flow</a:t>
+                        <a:t>Mastering sequence types</a:t>
                       </a:r>
                       <a:endParaRPr sz="1400" dirty="0">
                         <a:latin typeface="Arial" panose="020B0604020202020204" pitchFamily="34" charset="0"/>
@@ -43047,7 +42607,7 @@
                           <a:latin typeface="Arial"/>
                           <a:cs typeface="Arial"/>
                         </a:rPr>
-                        <a:t>16:40</a:t>
+                        <a:t>16:30</a:t>
                       </a:r>
                       <a:endParaRPr sz="1400" dirty="0">
                         <a:latin typeface="Arial"/>
@@ -43177,7 +42737,7 @@
                           <a:latin typeface="Arial"/>
                           <a:cs typeface="Arial"/>
                         </a:rPr>
-                        <a:t>00:20</a:t>
+                        <a:t>00:30</a:t>
                       </a:r>
                       <a:endParaRPr sz="1400" dirty="0">
                         <a:latin typeface="Arial"/>
@@ -43226,7 +42786,7 @@
                 </a:tc>
                 <a:extLst>
                   <a:ext uri="{0D108BD9-81ED-4DB2-BD59-A6C34878D82A}">
-                    <a16:rowId xmlns:a16="http://schemas.microsoft.com/office/drawing/2014/main" val="1993961095"/>
+                    <a16:rowId xmlns:a16="http://schemas.microsoft.com/office/drawing/2014/main" val="316831696"/>
                   </a:ext>
                 </a:extLst>
               </a:tr>
@@ -43817,7 +43377,7 @@
                           <a:latin typeface="Arial"/>
                           <a:cs typeface="Arial"/>
                         </a:rPr>
-                        <a:t>01:00</a:t>
+                        <a:t>00:45</a:t>
                       </a:r>
                       <a:endParaRPr sz="1400" dirty="0">
                         <a:latin typeface="Arial"/>

--- a/002-Control-Flow/Control Flow - Slides.pptx
+++ b/002-Control-Flow/Control Flow - Slides.pptx
@@ -34075,7 +34075,7 @@
         <p:spPr>
           <a:xfrm>
             <a:off x="693418" y="1287703"/>
-            <a:ext cx="10805163" cy="1036181"/>
+            <a:ext cx="10805163" cy="3590727"/>
           </a:xfrm>
           <a:prstGeom prst="rect">
             <a:avLst/>
@@ -34222,6 +34222,102 @@
             <a:endParaRPr lang="en" dirty="0">
               <a:latin typeface="Wingdings 3"/>
             </a:endParaRPr>
+          </a:p>
+          <a:p>
+            <a:pPr marL="1940560" marR="5080" indent="-287020">
+              <a:lnSpc>
+                <a:spcPct val="100000"/>
+              </a:lnSpc>
+              <a:spcBef>
+                <a:spcPts val="805"/>
+              </a:spcBef>
+              <a:buFont typeface="Zapf Dingbats"/>
+              <a:buChar char="➠"/>
+            </a:pPr>
+            <a:r>
+              <a:rPr lang="en" dirty="0"/>
+              <a:t>Compare values and logically combine comparison results</a:t>
+            </a:r>
+          </a:p>
+          <a:p>
+            <a:pPr marL="1940560" marR="5080" indent="-287020">
+              <a:lnSpc>
+                <a:spcPct val="100000"/>
+              </a:lnSpc>
+              <a:spcBef>
+                <a:spcPts val="805"/>
+              </a:spcBef>
+              <a:buFont typeface="Zapf Dingbats"/>
+              <a:buChar char="➠"/>
+            </a:pPr>
+            <a:r>
+              <a:rPr lang="en" dirty="0"/>
+              <a:t>Manipulate lists of objects with a new, powerful datatype</a:t>
+            </a:r>
+          </a:p>
+          <a:p>
+            <a:pPr marL="1940560" marR="5080" indent="-287020">
+              <a:lnSpc>
+                <a:spcPct val="100000"/>
+              </a:lnSpc>
+              <a:spcBef>
+                <a:spcPts val="805"/>
+              </a:spcBef>
+              <a:buFont typeface="Zapf Dingbats"/>
+              <a:buChar char="➠"/>
+            </a:pPr>
+            <a:r>
+              <a:rPr lang="en" dirty="0"/>
+              <a:t>Conditionally execute or skip code</a:t>
+            </a:r>
+          </a:p>
+          <a:p>
+            <a:pPr marL="1940560" marR="5080" indent="-287020">
+              <a:lnSpc>
+                <a:spcPct val="100000"/>
+              </a:lnSpc>
+              <a:spcBef>
+                <a:spcPts val="805"/>
+              </a:spcBef>
+              <a:buFont typeface="Zapf Dingbats"/>
+              <a:buChar char="➠"/>
+            </a:pPr>
+            <a:r>
+              <a:rPr lang="en" dirty="0"/>
+              <a:t>Iterate over lists, strings and number sequences</a:t>
+            </a:r>
+          </a:p>
+          <a:p>
+            <a:pPr marL="1940560" marR="5080" indent="-287020">
+              <a:lnSpc>
+                <a:spcPct val="100000"/>
+              </a:lnSpc>
+              <a:spcBef>
+                <a:spcPts val="805"/>
+              </a:spcBef>
+              <a:buFont typeface="Zapf Dingbats"/>
+              <a:buChar char="➠"/>
+            </a:pPr>
+            <a:r>
+              <a:rPr lang="en" dirty="0"/>
+              <a:t>Loop over code until a condition is met</a:t>
+            </a:r>
+          </a:p>
+          <a:p>
+            <a:pPr marL="1940560" marR="5080" indent="-287020">
+              <a:lnSpc>
+                <a:spcPct val="100000"/>
+              </a:lnSpc>
+              <a:spcBef>
+                <a:spcPts val="805"/>
+              </a:spcBef>
+              <a:buFont typeface="Zapf Dingbats"/>
+              <a:buChar char="➠"/>
+            </a:pPr>
+            <a:r>
+              <a:rPr lang="en" dirty="0"/>
+              <a:t>Use some powerful built-in tools from the Python language to make iteration simple and expressive</a:t>
+            </a:r>
           </a:p>
           <a:p>
             <a:pPr marL="1940560" marR="5080" indent="-287020">
@@ -40308,14 +40404,14 @@
           <p:nvPr>
             <p:extLst>
               <p:ext uri="{D42A27DB-BD31-4B8C-83A1-F6EECF244321}">
-                <p14:modId xmlns:p14="http://schemas.microsoft.com/office/powerpoint/2010/main" val="749614720"/>
+                <p14:modId xmlns:p14="http://schemas.microsoft.com/office/powerpoint/2010/main" val="3955242727"/>
               </p:ext>
             </p:extLst>
           </p:nvPr>
         </p:nvGraphicFramePr>
         <p:xfrm>
           <a:off x="2400176" y="1212972"/>
-          <a:ext cx="8654021" cy="4097256"/>
+          <a:ext cx="8654021" cy="4449787"/>
         </p:xfrm>
         <a:graphic>
           <a:graphicData uri="http://schemas.openxmlformats.org/drawingml/2006/table">
@@ -41186,21 +41282,14 @@
                       </a:pPr>
                       <a:r>
                         <a:rPr lang="en-US" sz="1400" dirty="0">
-                          <a:latin typeface="Arial" panose="020B0604020202020204" pitchFamily="34" charset="0"/>
-                          <a:cs typeface="Arial" panose="020B0604020202020204" pitchFamily="34" charset="0"/>
+                          <a:latin typeface="Arial"/>
+                          <a:cs typeface="Arial"/>
                         </a:rPr>
-                        <a:t>More about </a:t>
-                      </a:r>
-                      <a:r>
-                        <a:rPr lang="en-US" sz="1400" dirty="0">
-                          <a:latin typeface="Consolas" panose="020B0609020204030204" pitchFamily="49" charset="0"/>
-                          <a:cs typeface="Consolas" panose="020B0609020204030204" pitchFamily="49" charset="0"/>
-                        </a:rPr>
-                        <a:t>list</a:t>
+                        <a:t>Boolean type and comparison operators</a:t>
                       </a:r>
                       <a:endParaRPr sz="1400" dirty="0">
-                        <a:latin typeface="Consolas" panose="020B0609020204030204" pitchFamily="49" charset="0"/>
-                        <a:cs typeface="Consolas" panose="020B0609020204030204" pitchFamily="49" charset="0"/>
+                        <a:latin typeface="Arial"/>
+                        <a:cs typeface="Arial"/>
                       </a:endParaRPr>
                     </a:p>
                   </a:txBody>
@@ -41319,7 +41408,7 @@
                           <a:latin typeface="Arial"/>
                           <a:cs typeface="Arial"/>
                         </a:rPr>
-                        <a:t>15:00</a:t>
+                        <a:t>15:15</a:t>
                       </a:r>
                       <a:endParaRPr sz="1400" dirty="0">
                         <a:latin typeface="Arial"/>
@@ -41386,7 +41475,7 @@
                           <a:latin typeface="Arial"/>
                           <a:cs typeface="Arial"/>
                         </a:rPr>
-                        <a:t>30</a:t>
+                        <a:t>45</a:t>
                       </a:r>
                       <a:endParaRPr sz="1400" dirty="0">
                         <a:latin typeface="Arial"/>
@@ -41501,22 +41590,22 @@
                       </a:pPr>
                       <a:r>
                         <a:rPr lang="en-US" sz="1400" dirty="0">
-                          <a:latin typeface="Arial" panose="020B0604020202020204" pitchFamily="34" charset="0"/>
-                          <a:cs typeface="Arial" panose="020B0604020202020204" pitchFamily="34" charset="0"/>
+                          <a:latin typeface="Arial"/>
+                          <a:cs typeface="Arial"/>
                         </a:rPr>
-                        <a:t>Other sequence types: </a:t>
+                        <a:t>Conditionals: </a:t>
                       </a:r>
                       <a:r>
-                        <a:rPr lang="en-US" sz="1400" dirty="0" err="1">
+                        <a:rPr lang="en-US" sz="1400" dirty="0">
                           <a:latin typeface="Consolas" panose="020B0609020204030204" pitchFamily="49" charset="0"/>
                           <a:cs typeface="Consolas" panose="020B0609020204030204" pitchFamily="49" charset="0"/>
                         </a:rPr>
-                        <a:t>str</a:t>
+                        <a:t>if</a:t>
                       </a:r>
                       <a:r>
                         <a:rPr lang="en-US" sz="1400" dirty="0">
-                          <a:latin typeface="Arial" panose="020B0604020202020204" pitchFamily="34" charset="0"/>
-                          <a:cs typeface="Arial" panose="020B0604020202020204" pitchFamily="34" charset="0"/>
+                          <a:latin typeface="Arial"/>
+                          <a:cs typeface="Arial"/>
                         </a:rPr>
                         <a:t> – </a:t>
                       </a:r>
@@ -41525,21 +41614,7 @@
                           <a:latin typeface="Consolas" panose="020B0609020204030204" pitchFamily="49" charset="0"/>
                           <a:cs typeface="Consolas" panose="020B0609020204030204" pitchFamily="49" charset="0"/>
                         </a:rPr>
-                        <a:t>tuple</a:t>
-                      </a:r>
-                      <a:r>
-                        <a:rPr lang="en-US" sz="1400" dirty="0">
-                          <a:latin typeface="Arial" panose="020B0604020202020204" pitchFamily="34" charset="0"/>
-                          <a:cs typeface="Arial" panose="020B0604020202020204" pitchFamily="34" charset="0"/>
-                        </a:rPr>
-                        <a:t> – </a:t>
-                      </a:r>
-                      <a:r>
-                        <a:rPr lang="en-US" sz="1400" dirty="0">
-                          <a:latin typeface="Consolas" panose="020B0609020204030204" pitchFamily="49" charset="0"/>
-                          <a:cs typeface="Consolas" panose="020B0609020204030204" pitchFamily="49" charset="0"/>
-                        </a:rPr>
-                        <a:t>set</a:t>
+                        <a:t>else</a:t>
                       </a:r>
                     </a:p>
                   </a:txBody>
@@ -41600,7 +41675,7 @@
                           <a:latin typeface="Arial"/>
                           <a:cs typeface="Arial"/>
                         </a:rPr>
-                        <a:t>15:00</a:t>
+                        <a:t>15:15</a:t>
                       </a:r>
                       <a:endParaRPr sz="1400" dirty="0">
                         <a:latin typeface="Arial"/>
@@ -41730,7 +41805,7 @@
                           <a:latin typeface="Arial"/>
                           <a:cs typeface="Arial"/>
                         </a:rPr>
-                        <a:t>00:45</a:t>
+                        <a:t>00:30</a:t>
                       </a:r>
                       <a:endParaRPr sz="1400" dirty="0">
                         <a:latin typeface="Arial"/>
@@ -42207,23 +42282,47 @@
                         </a:lnSpc>
                       </a:pPr>
                       <a:r>
-                        <a:rPr lang="en-US" sz="1400" dirty="0">
-                          <a:latin typeface="Arial" panose="020B0604020202020204" pitchFamily="34" charset="0"/>
-                          <a:cs typeface="Arial" panose="020B0604020202020204" pitchFamily="34" charset="0"/>
+                        <a:rPr lang="en" sz="1400" dirty="0">
+                          <a:latin typeface="Arial"/>
+                          <a:cs typeface="Arial"/>
                         </a:rPr>
-                        <a:t>Associative container: </a:t>
+                        <a:t>Loops Part I: Iteration / </a:t>
                       </a:r>
                       <a:r>
-                        <a:rPr lang="en-US" sz="1400" dirty="0" err="1">
+                        <a:rPr lang="en" sz="1400" dirty="0">
                           <a:latin typeface="Consolas" panose="020B0609020204030204" pitchFamily="49" charset="0"/>
                           <a:cs typeface="Consolas" panose="020B0609020204030204" pitchFamily="49" charset="0"/>
                         </a:rPr>
-                        <a:t>dict</a:t>
+                        <a:t>list</a:t>
                       </a:r>
-                      <a:endParaRPr sz="1400" dirty="0">
-                        <a:latin typeface="Consolas" panose="020B0609020204030204" pitchFamily="49" charset="0"/>
-                        <a:cs typeface="Consolas" panose="020B0609020204030204" pitchFamily="49" charset="0"/>
-                      </a:endParaRPr>
+                      <a:r>
+                        <a:rPr lang="en" sz="1400" dirty="0">
+                          <a:latin typeface="Arial"/>
+                          <a:cs typeface="Arial"/>
+                        </a:rPr>
+                        <a:t> – </a:t>
+                      </a:r>
+                      <a:r>
+                        <a:rPr lang="en" sz="1400" dirty="0">
+                          <a:latin typeface="Consolas" panose="020B0609020204030204" pitchFamily="49" charset="0"/>
+                          <a:cs typeface="Consolas" panose="020B0609020204030204" pitchFamily="49" charset="0"/>
+                        </a:rPr>
+                        <a:t>for</a:t>
+                      </a:r>
+                      <a:r>
+                        <a:rPr lang="en" sz="1400" dirty="0">
+                          <a:latin typeface="Arial"/>
+                          <a:cs typeface="Arial"/>
+                        </a:rPr>
+                        <a:t> – </a:t>
+                      </a:r>
+                      <a:r>
+                        <a:rPr lang="en" sz="1400" dirty="0">
+                          <a:latin typeface="Consolas" panose="020B0609020204030204" pitchFamily="49" charset="0"/>
+                          <a:cs typeface="Consolas" panose="020B0609020204030204" pitchFamily="49" charset="0"/>
+                        </a:rPr>
+                        <a:t>range</a:t>
+                      </a:r>
                     </a:p>
                   </a:txBody>
                   <a:tcPr marL="0" marR="0" marT="0" marB="0">
@@ -42538,11 +42637,340 @@
                         </a:lnSpc>
                       </a:pPr>
                       <a:r>
+                        <a:rPr lang="en" sz="1400" dirty="0">
+                          <a:latin typeface="Arial"/>
+                          <a:cs typeface="Arial"/>
+                        </a:rPr>
+                        <a:t>Loops Part II: Conditional / </a:t>
+                      </a:r>
+                      <a:r>
+                        <a:rPr lang="en" sz="1400" dirty="0">
+                          <a:latin typeface="Consolas" panose="020B0609020204030204" pitchFamily="49" charset="0"/>
+                          <a:cs typeface="Consolas" panose="020B0609020204030204" pitchFamily="49" charset="0"/>
+                        </a:rPr>
+                        <a:t>while</a:t>
+                      </a:r>
+                    </a:p>
+                  </a:txBody>
+                  <a:tcPr marL="0" marR="0" marT="0" marB="0">
+                    <a:lnL w="12700" cap="flat" cmpd="sng" algn="ctr">
+                      <a:solidFill>
+                        <a:srgbClr val="FFFFFF"/>
+                      </a:solidFill>
+                      <a:prstDash val="solid"/>
+                      <a:round/>
+                      <a:headEnd type="none" w="med" len="med"/>
+                      <a:tailEnd type="none" w="med" len="med"/>
+                    </a:lnL>
+                    <a:lnR w="12700" cap="flat" cmpd="sng" algn="ctr">
+                      <a:solidFill>
+                        <a:srgbClr val="FFFFFF"/>
+                      </a:solidFill>
+                      <a:prstDash val="solid"/>
+                      <a:round/>
+                      <a:headEnd type="none" w="med" len="med"/>
+                      <a:tailEnd type="none" w="med" len="med"/>
+                    </a:lnR>
+                    <a:lnT w="12700" cap="flat" cmpd="sng" algn="ctr">
+                      <a:solidFill>
+                        <a:srgbClr val="FFFFFF"/>
+                      </a:solidFill>
+                      <a:prstDash val="solid"/>
+                      <a:round/>
+                      <a:headEnd type="none" w="med" len="med"/>
+                      <a:tailEnd type="none" w="med" len="med"/>
+                    </a:lnT>
+                    <a:lnB w="12700" cap="flat" cmpd="sng" algn="ctr">
+                      <a:solidFill>
+                        <a:srgbClr val="FFFFFF"/>
+                      </a:solidFill>
+                      <a:prstDash val="solid"/>
+                      <a:round/>
+                      <a:headEnd type="none" w="med" len="med"/>
+                      <a:tailEnd type="none" w="med" len="med"/>
+                    </a:lnB>
+                    <a:solidFill>
+                      <a:srgbClr val="E0EFF8"/>
+                    </a:solidFill>
+                  </a:tcPr>
+                </a:tc>
+                <a:tc>
+                  <a:txBody>
+                    <a:bodyPr/>
+                    <a:lstStyle/>
+                    <a:p>
+                      <a:pPr marL="133985">
+                        <a:lnSpc>
+                          <a:spcPct val="100000"/>
+                        </a:lnSpc>
+                      </a:pPr>
+                      <a:r>
+                        <a:rPr lang="en-US" sz="1400" dirty="0">
+                          <a:latin typeface="Arial"/>
+                          <a:cs typeface="Arial"/>
+                        </a:rPr>
+                        <a:t>16:30</a:t>
+                      </a:r>
+                      <a:endParaRPr sz="1400" dirty="0">
+                        <a:latin typeface="Arial"/>
+                        <a:cs typeface="Arial"/>
+                      </a:endParaRPr>
+                    </a:p>
+                  </a:txBody>
+                  <a:tcPr marL="0" marR="0" marT="0" marB="0">
+                    <a:lnL w="12700" cap="flat" cmpd="sng" algn="ctr">
+                      <a:solidFill>
+                        <a:srgbClr val="FFFFFF"/>
+                      </a:solidFill>
+                      <a:prstDash val="solid"/>
+                      <a:round/>
+                      <a:headEnd type="none" w="med" len="med"/>
+                      <a:tailEnd type="none" w="med" len="med"/>
+                    </a:lnL>
+                    <a:lnR w="12700" cap="flat" cmpd="sng" algn="ctr">
+                      <a:solidFill>
+                        <a:srgbClr val="FFFFFF"/>
+                      </a:solidFill>
+                      <a:prstDash val="solid"/>
+                      <a:round/>
+                      <a:headEnd type="none" w="med" len="med"/>
+                      <a:tailEnd type="none" w="med" len="med"/>
+                    </a:lnR>
+                    <a:lnT w="12700" cap="flat" cmpd="sng" algn="ctr">
+                      <a:solidFill>
+                        <a:srgbClr val="FFFFFF"/>
+                      </a:solidFill>
+                      <a:prstDash val="solid"/>
+                      <a:round/>
+                      <a:headEnd type="none" w="med" len="med"/>
+                      <a:tailEnd type="none" w="med" len="med"/>
+                    </a:lnT>
+                    <a:lnB w="12700" cap="flat" cmpd="sng" algn="ctr">
+                      <a:solidFill>
+                        <a:srgbClr val="FFFFFF"/>
+                      </a:solidFill>
+                      <a:prstDash val="solid"/>
+                      <a:round/>
+                      <a:headEnd type="none" w="med" len="med"/>
+                      <a:tailEnd type="none" w="med" len="med"/>
+                    </a:lnB>
+                    <a:solidFill>
+                      <a:srgbClr val="E0EFF8"/>
+                    </a:solidFill>
+                  </a:tcPr>
+                </a:tc>
+                <a:tc>
+                  <a:txBody>
+                    <a:bodyPr/>
+                    <a:lstStyle/>
+                    <a:p>
+                      <a:pPr marL="147955">
+                        <a:lnSpc>
+                          <a:spcPct val="100000"/>
+                        </a:lnSpc>
+                      </a:pPr>
+                      <a:r>
+                        <a:rPr lang="en-US" sz="1400" dirty="0">
+                          <a:latin typeface="Arial"/>
+                          <a:cs typeface="Arial"/>
+                        </a:rPr>
+                        <a:t>16:40</a:t>
+                      </a:r>
+                      <a:endParaRPr sz="1400" dirty="0">
+                        <a:latin typeface="Arial"/>
+                        <a:cs typeface="Arial"/>
+                      </a:endParaRPr>
+                    </a:p>
+                  </a:txBody>
+                  <a:tcPr marL="0" marR="0" marT="0" marB="0">
+                    <a:lnL w="12700" cap="flat" cmpd="sng" algn="ctr">
+                      <a:solidFill>
+                        <a:srgbClr val="FFFFFF"/>
+                      </a:solidFill>
+                      <a:prstDash val="solid"/>
+                      <a:round/>
+                      <a:headEnd type="none" w="med" len="med"/>
+                      <a:tailEnd type="none" w="med" len="med"/>
+                    </a:lnL>
+                    <a:lnR w="12700" cap="flat" cmpd="sng" algn="ctr">
+                      <a:solidFill>
+                        <a:srgbClr val="FFFFFF"/>
+                      </a:solidFill>
+                      <a:prstDash val="solid"/>
+                      <a:round/>
+                      <a:headEnd type="none" w="med" len="med"/>
+                      <a:tailEnd type="none" w="med" len="med"/>
+                    </a:lnR>
+                    <a:lnT w="12700" cap="flat" cmpd="sng" algn="ctr">
+                      <a:solidFill>
+                        <a:srgbClr val="FFFFFF"/>
+                      </a:solidFill>
+                      <a:prstDash val="solid"/>
+                      <a:round/>
+                      <a:headEnd type="none" w="med" len="med"/>
+                      <a:tailEnd type="none" w="med" len="med"/>
+                    </a:lnT>
+                    <a:lnB w="12700" cap="flat" cmpd="sng" algn="ctr">
+                      <a:solidFill>
+                        <a:srgbClr val="FFFFFF"/>
+                      </a:solidFill>
+                      <a:prstDash val="solid"/>
+                      <a:round/>
+                      <a:headEnd type="none" w="med" len="med"/>
+                      <a:tailEnd type="none" w="med" len="med"/>
+                    </a:lnB>
+                    <a:solidFill>
+                      <a:srgbClr val="E0EFF8"/>
+                    </a:solidFill>
+                  </a:tcPr>
+                </a:tc>
+                <a:tc>
+                  <a:txBody>
+                    <a:bodyPr/>
+                    <a:lstStyle/>
+                    <a:p>
+                      <a:pPr marL="317500">
+                        <a:lnSpc>
+                          <a:spcPct val="100000"/>
+                        </a:lnSpc>
+                      </a:pPr>
+                      <a:r>
+                        <a:rPr lang="en-US" sz="1400" dirty="0">
+                          <a:latin typeface="Arial"/>
+                          <a:cs typeface="Arial"/>
+                        </a:rPr>
+                        <a:t>00:10</a:t>
+                      </a:r>
+                      <a:endParaRPr sz="1400" dirty="0">
+                        <a:latin typeface="Arial"/>
+                        <a:cs typeface="Arial"/>
+                      </a:endParaRPr>
+                    </a:p>
+                  </a:txBody>
+                  <a:tcPr marL="0" marR="0" marT="0" marB="0">
+                    <a:lnL w="12700" cap="flat" cmpd="sng" algn="ctr">
+                      <a:solidFill>
+                        <a:srgbClr val="FFFFFF"/>
+                      </a:solidFill>
+                      <a:prstDash val="solid"/>
+                      <a:round/>
+                      <a:headEnd type="none" w="med" len="med"/>
+                      <a:tailEnd type="none" w="med" len="med"/>
+                    </a:lnL>
+                    <a:lnR w="12700">
+                      <a:solidFill>
+                        <a:srgbClr val="FFFFFF"/>
+                      </a:solidFill>
+                      <a:prstDash val="solid"/>
+                    </a:lnR>
+                    <a:lnT w="12700" cap="flat" cmpd="sng" algn="ctr">
+                      <a:solidFill>
+                        <a:srgbClr val="FFFFFF"/>
+                      </a:solidFill>
+                      <a:prstDash val="solid"/>
+                      <a:round/>
+                      <a:headEnd type="none" w="med" len="med"/>
+                      <a:tailEnd type="none" w="med" len="med"/>
+                    </a:lnT>
+                    <a:lnB w="12700" cap="flat" cmpd="sng" algn="ctr">
+                      <a:solidFill>
+                        <a:srgbClr val="FFFFFF"/>
+                      </a:solidFill>
+                      <a:prstDash val="solid"/>
+                      <a:round/>
+                      <a:headEnd type="none" w="med" len="med"/>
+                      <a:tailEnd type="none" w="med" len="med"/>
+                    </a:lnB>
+                    <a:solidFill>
+                      <a:srgbClr val="E0EFF8"/>
+                    </a:solidFill>
+                  </a:tcPr>
+                </a:tc>
+                <a:extLst>
+                  <a:ext uri="{0D108BD9-81ED-4DB2-BD59-A6C34878D82A}">
+                    <a16:rowId xmlns:a16="http://schemas.microsoft.com/office/drawing/2014/main" val="316831696"/>
+                  </a:ext>
+                </a:extLst>
+              </a:tr>
+              <a:tr h="352531">
+                <a:tc>
+                  <a:txBody>
+                    <a:bodyPr/>
+                    <a:lstStyle/>
+                    <a:p>
+                      <a:pPr marL="635" algn="ctr">
+                        <a:lnSpc>
+                          <a:spcPct val="100000"/>
+                        </a:lnSpc>
+                      </a:pPr>
+                      <a:r>
+                        <a:rPr lang="en-US" sz="1400" dirty="0">
+                          <a:latin typeface="Arial"/>
+                          <a:cs typeface="Arial"/>
+                        </a:rPr>
+                        <a:t>05</a:t>
+                      </a:r>
+                      <a:endParaRPr sz="1400" dirty="0">
+                        <a:latin typeface="Arial"/>
+                        <a:cs typeface="Arial"/>
+                      </a:endParaRPr>
+                    </a:p>
+                  </a:txBody>
+                  <a:tcPr marL="0" marR="0" marT="0" marB="0">
+                    <a:lnL w="12700">
+                      <a:solidFill>
+                        <a:srgbClr val="FFFFFF"/>
+                      </a:solidFill>
+                      <a:prstDash val="solid"/>
+                    </a:lnL>
+                    <a:lnR w="12700" cap="flat" cmpd="sng" algn="ctr">
+                      <a:solidFill>
+                        <a:srgbClr val="FFFFFF"/>
+                      </a:solidFill>
+                      <a:prstDash val="solid"/>
+                      <a:round/>
+                      <a:headEnd type="none" w="med" len="med"/>
+                      <a:tailEnd type="none" w="med" len="med"/>
+                    </a:lnR>
+                    <a:lnT w="12700" cap="flat" cmpd="sng" algn="ctr">
+                      <a:solidFill>
+                        <a:srgbClr val="FFFFFF"/>
+                      </a:solidFill>
+                      <a:prstDash val="solid"/>
+                      <a:round/>
+                      <a:headEnd type="none" w="med" len="med"/>
+                      <a:tailEnd type="none" w="med" len="med"/>
+                    </a:lnT>
+                    <a:lnB w="12700" cap="flat" cmpd="sng" algn="ctr">
+                      <a:solidFill>
+                        <a:srgbClr val="FFFFFF"/>
+                      </a:solidFill>
+                      <a:prstDash val="solid"/>
+                      <a:round/>
+                      <a:headEnd type="none" w="med" len="med"/>
+                      <a:tailEnd type="none" w="med" len="med"/>
+                    </a:lnB>
+                    <a:solidFill>
+                      <a:srgbClr val="E0EFF8"/>
+                    </a:solidFill>
+                  </a:tcPr>
+                </a:tc>
+                <a:tc>
+                  <a:txBody>
+                    <a:bodyPr/>
+                    <a:lstStyle/>
+                    <a:p>
+                      <a:pPr marL="85090">
+                        <a:lnSpc>
+                          <a:spcPct val="100000"/>
+                        </a:lnSpc>
+                      </a:pPr>
+                      <a:r>
                         <a:rPr lang="en-US" sz="1400" dirty="0">
                           <a:latin typeface="Arial" panose="020B0604020202020204" pitchFamily="34" charset="0"/>
                           <a:cs typeface="Arial" panose="020B0604020202020204" pitchFamily="34" charset="0"/>
                         </a:rPr>
-                        <a:t>Mastering sequence types</a:t>
+                        <a:t>Mastering loops and control flow</a:t>
                       </a:r>
                       <a:endParaRPr sz="1400" dirty="0">
                         <a:latin typeface="Arial" panose="020B0604020202020204" pitchFamily="34" charset="0"/>
@@ -42607,7 +43035,7 @@
                           <a:latin typeface="Arial"/>
                           <a:cs typeface="Arial"/>
                         </a:rPr>
-                        <a:t>16:30</a:t>
+                        <a:t>16:40</a:t>
                       </a:r>
                       <a:endParaRPr sz="1400" dirty="0">
                         <a:latin typeface="Arial"/>
@@ -42737,7 +43165,7 @@
                           <a:latin typeface="Arial"/>
                           <a:cs typeface="Arial"/>
                         </a:rPr>
-                        <a:t>00:30</a:t>
+                        <a:t>00:20</a:t>
                       </a:r>
                       <a:endParaRPr sz="1400" dirty="0">
                         <a:latin typeface="Arial"/>
@@ -42786,7 +43214,7 @@
                 </a:tc>
                 <a:extLst>
                   <a:ext uri="{0D108BD9-81ED-4DB2-BD59-A6C34878D82A}">
-                    <a16:rowId xmlns:a16="http://schemas.microsoft.com/office/drawing/2014/main" val="316831696"/>
+                    <a16:rowId xmlns:a16="http://schemas.microsoft.com/office/drawing/2014/main" val="1993961095"/>
                   </a:ext>
                 </a:extLst>
               </a:tr>
@@ -43377,7 +43805,7 @@
                           <a:latin typeface="Arial"/>
                           <a:cs typeface="Arial"/>
                         </a:rPr>
-                        <a:t>00:45</a:t>
+                        <a:t>01:00</a:t>
                       </a:r>
                       <a:endParaRPr sz="1400" dirty="0">
                         <a:latin typeface="Arial"/>
@@ -43505,7 +43933,7 @@
                         </a:rPr>
                         <a:t>tal</a:t>
                       </a:r>
-                      <a:endParaRPr sz="1400">
+                      <a:endParaRPr sz="1400" dirty="0">
                         <a:latin typeface="Arial"/>
                         <a:cs typeface="Arial"/>
                       </a:endParaRPr>

--- a/002-Control-Flow/Control Flow - Slides.pptx
+++ b/002-Control-Flow/Control Flow - Slides.pptx
@@ -13157,10 +13157,7 @@
             <a:r>
               <a:rPr lang="fr-FR" dirty="0">
                 <a:solidFill>
-                  <a:schemeClr val="tx2">
-                    <a:lumMod val="60000"/>
-                    <a:lumOff val="40000"/>
-                  </a:schemeClr>
+                  <a:schemeClr val="accent1"/>
                 </a:solidFill>
                 <a:hlinkClick r:id="rId4">
                   <a:extLst>
@@ -13170,11 +13167,7 @@
                   </a:extLst>
                 </a:hlinkClick>
               </a:rPr>
-              <a:t>Chapter 1 Exercises</a:t>
-            </a:r>
-            <a:r>
-              <a:rPr lang="fr-FR" dirty="0"/>
-              <a:t> </a:t>
+              <a:t>Chapter 1 Exercises </a:t>
             </a:r>
             <a:r>
               <a:rPr lang="fr-FR" dirty="0" err="1"/>
@@ -21652,10 +21645,7 @@
             <a:r>
               <a:rPr lang="fr-FR" dirty="0">
                 <a:solidFill>
-                  <a:schemeClr val="tx2">
-                    <a:lumMod val="60000"/>
-                    <a:lumOff val="40000"/>
-                  </a:schemeClr>
+                  <a:schemeClr val="accent1"/>
                 </a:solidFill>
                 <a:hlinkClick r:id="rId3">
                   <a:extLst>
@@ -21665,11 +21655,7 @@
                   </a:extLst>
                 </a:hlinkClick>
               </a:rPr>
-              <a:t>Chapter 2 Exercises</a:t>
-            </a:r>
-            <a:r>
-              <a:rPr lang="fr-FR" dirty="0"/>
-              <a:t> </a:t>
+              <a:t>Chapter 2 Exercises </a:t>
             </a:r>
             <a:r>
               <a:rPr lang="fr-FR" dirty="0" err="1"/>
@@ -33425,18 +33411,14 @@
                     <a:lumOff val="40000"/>
                   </a:schemeClr>
                 </a:solidFill>
-                <a:hlinkClick r:id="rId3">
-                  <a:extLst>
-                    <a:ext uri="{A12FA001-AC4F-418D-AE19-62706E023703}">
-                      <ahyp:hlinkClr xmlns:ahyp="http://schemas.microsoft.com/office/drawing/2018/hyperlinkcolor" val="tx"/>
-                    </a:ext>
-                  </a:extLst>
-                </a:hlinkClick>
+                <a:hlinkClick r:id="rId3"/>
               </a:rPr>
               <a:t>Chapter 3 Exercises</a:t>
             </a:r>
             <a:r>
-              <a:rPr lang="fr-FR" dirty="0"/>
+              <a:rPr lang="fr-FR" dirty="0">
+                <a:hlinkClick r:id="rId3"/>
+              </a:rPr>
               <a:t> </a:t>
             </a:r>
             <a:r>
@@ -48682,10 +48664,7 @@
             <a:r>
               <a:rPr lang="fr-FR" dirty="0">
                 <a:solidFill>
-                  <a:schemeClr val="tx2">
-                    <a:lumMod val="60000"/>
-                    <a:lumOff val="40000"/>
-                  </a:schemeClr>
+                  <a:schemeClr val="accent1"/>
                 </a:solidFill>
                 <a:hlinkClick r:id="rId3">
                   <a:extLst>
@@ -48695,11 +48674,7 @@
                   </a:extLst>
                 </a:hlinkClick>
               </a:rPr>
-              <a:t>Chapter 3 Exercises</a:t>
-            </a:r>
-            <a:r>
-              <a:rPr lang="fr-FR" dirty="0"/>
-              <a:t> </a:t>
+              <a:t>Chapter 4-5 Exercises </a:t>
             </a:r>
             <a:r>
               <a:rPr lang="fr-FR" dirty="0" err="1"/>
@@ -50820,10 +50795,7 @@
             <a:r>
               <a:rPr lang="fr-FR" dirty="0">
                 <a:solidFill>
-                  <a:schemeClr val="tx2">
-                    <a:lumMod val="60000"/>
-                    <a:lumOff val="40000"/>
-                  </a:schemeClr>
+                  <a:schemeClr val="accent1"/>
                 </a:solidFill>
                 <a:hlinkClick r:id="rId3">
                   <a:extLst>
@@ -50833,18 +50805,7 @@
                   </a:extLst>
                 </a:hlinkClick>
               </a:rPr>
-              <a:t>Session 1 Workshop</a:t>
-            </a:r>
-            <a:r>
-              <a:rPr lang="fr-FR" dirty="0">
-                <a:solidFill>
-                  <a:schemeClr val="tx2">
-                    <a:lumMod val="60000"/>
-                    <a:lumOff val="40000"/>
-                  </a:schemeClr>
-                </a:solidFill>
-              </a:rPr>
-              <a:t> </a:t>
+              <a:t>Session 02 Workshop </a:t>
             </a:r>
             <a:r>
               <a:rPr lang="fr-FR" dirty="0" err="1"/>

--- a/002-Control-Flow/Control Flow - Slides.pptx
+++ b/002-Control-Flow/Control Flow - Slides.pptx
@@ -5,7 +5,7 @@
     <p:sldMasterId id="2147483648" r:id="rId1"/>
   </p:sldMasterIdLst>
   <p:notesMasterIdLst>
-    <p:notesMasterId r:id="rId73"/>
+    <p:notesMasterId r:id="rId71"/>
   </p:notesMasterIdLst>
   <p:sldIdLst>
     <p:sldId id="540" r:id="rId2"/>
@@ -50,35 +50,33 @@
     <p:sldId id="593" r:id="rId41"/>
     <p:sldId id="594" r:id="rId42"/>
     <p:sldId id="595" r:id="rId43"/>
-    <p:sldId id="596" r:id="rId44"/>
-    <p:sldId id="597" r:id="rId45"/>
-    <p:sldId id="598" r:id="rId46"/>
-    <p:sldId id="599" r:id="rId47"/>
-    <p:sldId id="559" r:id="rId48"/>
-    <p:sldId id="565" r:id="rId49"/>
-    <p:sldId id="600" r:id="rId50"/>
-    <p:sldId id="601" r:id="rId51"/>
-    <p:sldId id="561" r:id="rId52"/>
-    <p:sldId id="602" r:id="rId53"/>
-    <p:sldId id="604" r:id="rId54"/>
-    <p:sldId id="605" r:id="rId55"/>
-    <p:sldId id="562" r:id="rId56"/>
-    <p:sldId id="607" r:id="rId57"/>
-    <p:sldId id="606" r:id="rId58"/>
-    <p:sldId id="608" r:id="rId59"/>
-    <p:sldId id="609" r:id="rId60"/>
-    <p:sldId id="610" r:id="rId61"/>
-    <p:sldId id="611" r:id="rId62"/>
-    <p:sldId id="612" r:id="rId63"/>
-    <p:sldId id="613" r:id="rId64"/>
-    <p:sldId id="614" r:id="rId65"/>
-    <p:sldId id="615" r:id="rId66"/>
-    <p:sldId id="616" r:id="rId67"/>
-    <p:sldId id="603" r:id="rId68"/>
-    <p:sldId id="568" r:id="rId69"/>
-    <p:sldId id="569" r:id="rId70"/>
-    <p:sldId id="566" r:id="rId71"/>
-    <p:sldId id="539" r:id="rId72"/>
+    <p:sldId id="597" r:id="rId44"/>
+    <p:sldId id="598" r:id="rId45"/>
+    <p:sldId id="599" r:id="rId46"/>
+    <p:sldId id="559" r:id="rId47"/>
+    <p:sldId id="565" r:id="rId48"/>
+    <p:sldId id="600" r:id="rId49"/>
+    <p:sldId id="601" r:id="rId50"/>
+    <p:sldId id="561" r:id="rId51"/>
+    <p:sldId id="602" r:id="rId52"/>
+    <p:sldId id="604" r:id="rId53"/>
+    <p:sldId id="605" r:id="rId54"/>
+    <p:sldId id="562" r:id="rId55"/>
+    <p:sldId id="607" r:id="rId56"/>
+    <p:sldId id="606" r:id="rId57"/>
+    <p:sldId id="608" r:id="rId58"/>
+    <p:sldId id="609" r:id="rId59"/>
+    <p:sldId id="611" r:id="rId60"/>
+    <p:sldId id="612" r:id="rId61"/>
+    <p:sldId id="613" r:id="rId62"/>
+    <p:sldId id="614" r:id="rId63"/>
+    <p:sldId id="615" r:id="rId64"/>
+    <p:sldId id="616" r:id="rId65"/>
+    <p:sldId id="603" r:id="rId66"/>
+    <p:sldId id="568" r:id="rId67"/>
+    <p:sldId id="569" r:id="rId68"/>
+    <p:sldId id="566" r:id="rId69"/>
+    <p:sldId id="539" r:id="rId70"/>
   </p:sldIdLst>
   <p:sldSz cx="12192000" cy="6858000"/>
   <p:notesSz cx="12192000" cy="6858000"/>
@@ -3183,7 +3181,7 @@
     </p:spTree>
     <p:extLst>
       <p:ext uri="{BB962C8B-B14F-4D97-AF65-F5344CB8AC3E}">
-        <p14:creationId xmlns:p14="http://schemas.microsoft.com/office/powerpoint/2010/main" val="3402051095"/>
+        <p14:creationId xmlns:p14="http://schemas.microsoft.com/office/powerpoint/2010/main" val="3072770885"/>
       </p:ext>
     </p:extLst>
   </p:cSld>
@@ -3259,7 +3257,7 @@
     </p:spTree>
     <p:extLst>
       <p:ext uri="{BB962C8B-B14F-4D97-AF65-F5344CB8AC3E}">
-        <p14:creationId xmlns:p14="http://schemas.microsoft.com/office/powerpoint/2010/main" val="3072770885"/>
+        <p14:creationId xmlns:p14="http://schemas.microsoft.com/office/powerpoint/2010/main" val="4214218829"/>
       </p:ext>
     </p:extLst>
   </p:cSld>
@@ -3335,7 +3333,7 @@
     </p:spTree>
     <p:extLst>
       <p:ext uri="{BB962C8B-B14F-4D97-AF65-F5344CB8AC3E}">
-        <p14:creationId xmlns:p14="http://schemas.microsoft.com/office/powerpoint/2010/main" val="4214218829"/>
+        <p14:creationId xmlns:p14="http://schemas.microsoft.com/office/powerpoint/2010/main" val="1594834017"/>
       </p:ext>
     </p:extLst>
   </p:cSld>
@@ -3346,82 +3344,6 @@
 </file>
 
 <file path=ppt/notesSlides/notesSlide46.xml><?xml version="1.0" encoding="utf-8"?>
-<p:notes xmlns:a="http://schemas.openxmlformats.org/drawingml/2006/main" xmlns:r="http://schemas.openxmlformats.org/officeDocument/2006/relationships" xmlns:p="http://schemas.openxmlformats.org/presentationml/2006/main">
-  <p:cSld>
-    <p:spTree>
-      <p:nvGrpSpPr>
-        <p:cNvPr id="1" name=""/>
-        <p:cNvGrpSpPr/>
-        <p:nvPr/>
-      </p:nvGrpSpPr>
-      <p:grpSpPr>
-        <a:xfrm>
-          <a:off x="0" y="0"/>
-          <a:ext cx="0" cy="0"/>
-          <a:chOff x="0" y="0"/>
-          <a:chExt cx="0" cy="0"/>
-        </a:xfrm>
-      </p:grpSpPr>
-      <p:sp>
-        <p:nvSpPr>
-          <p:cNvPr id="2" name="Notes Placeholder"/>
-          <p:cNvSpPr>
-            <a:spLocks noGrp="1"/>
-          </p:cNvSpPr>
-          <p:nvPr>
-            <p:ph type="body" idx="1"/>
-          </p:nvPr>
-        </p:nvSpPr>
-        <p:spPr/>
-        <p:txBody>
-          <a:bodyPr>
-            <a:normAutofit fontScale="25000" lnSpcReduction="20000"/>
-          </a:bodyPr>
-          <a:lstStyle/>
-          <a:p>
-            <a:pPr marL="171450" indent="-171450">
-              <a:buFont typeface="Arial" panose="020B0604020202020204" pitchFamily="34" charset="0"/>
-              <a:buChar char="•"/>
-            </a:pPr>
-            <a:endParaRPr lang="en-US" dirty="0"/>
-          </a:p>
-          <a:p>
-            <a:pPr marL="171450" indent="-171450">
-              <a:buFont typeface="Arial" panose="020B0604020202020204" pitchFamily="34" charset="0"/>
-              <a:buChar char="•"/>
-            </a:pPr>
-            <a:endParaRPr lang="en-US" dirty="0"/>
-          </a:p>
-          <a:p>
-            <a:pPr marL="171450" indent="-171450">
-              <a:buFont typeface="Arial" panose="020B0604020202020204" pitchFamily="34" charset="0"/>
-              <a:buChar char="•"/>
-            </a:pPr>
-            <a:endParaRPr lang="en-US" dirty="0"/>
-          </a:p>
-          <a:p>
-            <a:pPr marL="171450" indent="-171450">
-              <a:buFont typeface="Arial" panose="020B0604020202020204" pitchFamily="34" charset="0"/>
-              <a:buChar char="•"/>
-            </a:pPr>
-            <a:endParaRPr dirty="0"/>
-          </a:p>
-        </p:txBody>
-      </p:sp>
-    </p:spTree>
-    <p:extLst>
-      <p:ext uri="{BB962C8B-B14F-4D97-AF65-F5344CB8AC3E}">
-        <p14:creationId xmlns:p14="http://schemas.microsoft.com/office/powerpoint/2010/main" val="1594834017"/>
-      </p:ext>
-    </p:extLst>
-  </p:cSld>
-  <p:clrMapOvr>
-    <a:masterClrMapping/>
-  </p:clrMapOvr>
-</p:notes>
-</file>
-
-<file path=ppt/notesSlides/notesSlide47.xml><?xml version="1.0" encoding="utf-8"?>
 <p:notes xmlns:a="http://schemas.openxmlformats.org/drawingml/2006/main" xmlns:r="http://schemas.openxmlformats.org/officeDocument/2006/relationships" xmlns:p="http://schemas.openxmlformats.org/presentationml/2006/main">
   <p:cSld>
     <p:spTree>
@@ -3504,6 +3426,96 @@
 </p:notes>
 </file>
 
+<file path=ppt/notesSlides/notesSlide47.xml><?xml version="1.0" encoding="utf-8"?>
+<p:notes xmlns:a="http://schemas.openxmlformats.org/drawingml/2006/main" xmlns:r="http://schemas.openxmlformats.org/officeDocument/2006/relationships" xmlns:p="http://schemas.openxmlformats.org/presentationml/2006/main">
+  <p:cSld>
+    <p:spTree>
+      <p:nvGrpSpPr>
+        <p:cNvPr id="1" name=""/>
+        <p:cNvGrpSpPr/>
+        <p:nvPr/>
+      </p:nvGrpSpPr>
+      <p:grpSpPr>
+        <a:xfrm>
+          <a:off x="0" y="0"/>
+          <a:ext cx="0" cy="0"/>
+          <a:chOff x="0" y="0"/>
+          <a:chExt cx="0" cy="0"/>
+        </a:xfrm>
+      </p:grpSpPr>
+      <p:sp>
+        <p:nvSpPr>
+          <p:cNvPr id="2" name="Notes Placeholder"/>
+          <p:cNvSpPr>
+            <a:spLocks noGrp="1"/>
+          </p:cNvSpPr>
+          <p:nvPr>
+            <p:ph type="body" idx="1"/>
+          </p:nvPr>
+        </p:nvSpPr>
+        <p:spPr/>
+        <p:txBody>
+          <a:bodyPr>
+            <a:normAutofit fontScale="25000" lnSpcReduction="20000"/>
+          </a:bodyPr>
+          <a:lstStyle/>
+          <a:p>
+            <a:pPr marL="0" marR="0" lvl="0" indent="0" algn="l" defTabSz="914400" rtl="0" eaLnBrk="1" fontAlgn="auto" latinLnBrk="0" hangingPunct="1">
+              <a:lnSpc>
+                <a:spcPct val="100000"/>
+              </a:lnSpc>
+              <a:spcBef>
+                <a:spcPts val="0"/>
+              </a:spcBef>
+              <a:spcAft>
+                <a:spcPts val="0"/>
+              </a:spcAft>
+              <a:buClrTx/>
+              <a:buSzTx/>
+              <a:buFontTx/>
+              <a:buNone/>
+              <a:tabLst/>
+              <a:defRPr/>
+            </a:pPr>
+            <a:r>
+              <a:rPr lang="fr-FR" dirty="0"/>
+              <a:t>https://</a:t>
+            </a:r>
+            <a:r>
+              <a:rPr lang="fr-FR" dirty="0" err="1"/>
+              <a:t>github.com</a:t>
+            </a:r>
+            <a:r>
+              <a:rPr lang="fr-FR" dirty="0"/>
+              <a:t>/</a:t>
+            </a:r>
+            <a:r>
+              <a:rPr lang="fr-FR" dirty="0" err="1"/>
+              <a:t>cstar</a:t>
+            </a:r>
+            <a:r>
+              <a:rPr lang="fr-FR" dirty="0"/>
+              <a:t>-industries/python-3-beginner/blob/master/001-First-Steps/First%20Steps%20-%20Chap%2003%20-%20Exercises.ipynb</a:t>
+            </a:r>
+          </a:p>
+          <a:p>
+            <a:endParaRPr lang="en-US" dirty="0"/>
+          </a:p>
+        </p:txBody>
+      </p:sp>
+    </p:spTree>
+    <p:extLst>
+      <p:ext uri="{BB962C8B-B14F-4D97-AF65-F5344CB8AC3E}">
+        <p14:creationId xmlns:p14="http://schemas.microsoft.com/office/powerpoint/2010/main" val="2981418743"/>
+      </p:ext>
+    </p:extLst>
+  </p:cSld>
+  <p:clrMapOvr>
+    <a:masterClrMapping/>
+  </p:clrMapOvr>
+</p:notes>
+</file>
+
 <file path=ppt/notesSlides/notesSlide48.xml><?xml version="1.0" encoding="utf-8"?>
 <p:notes xmlns:a="http://schemas.openxmlformats.org/drawingml/2006/main" xmlns:r="http://schemas.openxmlformats.org/officeDocument/2006/relationships" xmlns:p="http://schemas.openxmlformats.org/presentationml/2006/main">
   <p:cSld>
@@ -3538,53 +3550,14 @@
           </a:bodyPr>
           <a:lstStyle/>
           <a:p>
-            <a:pPr marL="0" marR="0" lvl="0" indent="0" algn="l" defTabSz="914400" rtl="0" eaLnBrk="1" fontAlgn="auto" latinLnBrk="0" hangingPunct="1">
-              <a:lnSpc>
-                <a:spcPct val="100000"/>
-              </a:lnSpc>
-              <a:spcBef>
-                <a:spcPts val="0"/>
-              </a:spcBef>
-              <a:spcAft>
-                <a:spcPts val="0"/>
-              </a:spcAft>
-              <a:buClrTx/>
-              <a:buSzTx/>
-              <a:buFontTx/>
-              <a:buNone/>
-              <a:tabLst/>
-              <a:defRPr/>
-            </a:pPr>
-            <a:r>
-              <a:rPr lang="fr-FR" dirty="0"/>
-              <a:t>https://</a:t>
-            </a:r>
-            <a:r>
-              <a:rPr lang="fr-FR" dirty="0" err="1"/>
-              <a:t>github.com</a:t>
-            </a:r>
-            <a:r>
-              <a:rPr lang="fr-FR" dirty="0"/>
-              <a:t>/</a:t>
-            </a:r>
-            <a:r>
-              <a:rPr lang="fr-FR" dirty="0" err="1"/>
-              <a:t>cstar</a:t>
-            </a:r>
-            <a:r>
-              <a:rPr lang="fr-FR" dirty="0"/>
-              <a:t>-industries/python-3-beginner/blob/master/001-First-Steps/First%20Steps%20-%20Chap%2003%20-%20Exercises.ipynb</a:t>
-            </a:r>
-          </a:p>
-          <a:p>
-            <a:endParaRPr lang="en-US" dirty="0"/>
+            <a:endParaRPr dirty="0"/>
           </a:p>
         </p:txBody>
       </p:sp>
     </p:spTree>
     <p:extLst>
       <p:ext uri="{BB962C8B-B14F-4D97-AF65-F5344CB8AC3E}">
-        <p14:creationId xmlns:p14="http://schemas.microsoft.com/office/powerpoint/2010/main" val="2981418743"/>
+        <p14:creationId xmlns:p14="http://schemas.microsoft.com/office/powerpoint/2010/main" val="2675068945"/>
       </p:ext>
     </p:extLst>
   </p:cSld>
@@ -3635,7 +3608,7 @@
     </p:spTree>
     <p:extLst>
       <p:ext uri="{BB962C8B-B14F-4D97-AF65-F5344CB8AC3E}">
-        <p14:creationId xmlns:p14="http://schemas.microsoft.com/office/powerpoint/2010/main" val="2675068945"/>
+        <p14:creationId xmlns:p14="http://schemas.microsoft.com/office/powerpoint/2010/main" val="2609464335"/>
       </p:ext>
     </p:extLst>
   </p:cSld>
@@ -3730,6 +3703,31 @@
           </a:bodyPr>
           <a:lstStyle/>
           <a:p>
+            <a:pPr marL="171450" indent="-171450">
+              <a:buFont typeface="Arial" panose="020B0604020202020204" pitchFamily="34" charset="0"/>
+              <a:buChar char="•"/>
+            </a:pPr>
+            <a:endParaRPr lang="en-US" dirty="0"/>
+          </a:p>
+          <a:p>
+            <a:pPr marL="171450" indent="-171450">
+              <a:buFont typeface="Arial" panose="020B0604020202020204" pitchFamily="34" charset="0"/>
+              <a:buChar char="•"/>
+            </a:pPr>
+            <a:endParaRPr lang="en-US" dirty="0"/>
+          </a:p>
+          <a:p>
+            <a:pPr marL="171450" indent="-171450">
+              <a:buFont typeface="Arial" panose="020B0604020202020204" pitchFamily="34" charset="0"/>
+              <a:buChar char="•"/>
+            </a:pPr>
+            <a:endParaRPr lang="en-US" dirty="0"/>
+          </a:p>
+          <a:p>
+            <a:pPr marL="171450" indent="-171450">
+              <a:buFont typeface="Arial" panose="020B0604020202020204" pitchFamily="34" charset="0"/>
+              <a:buChar char="•"/>
+            </a:pPr>
             <a:endParaRPr dirty="0"/>
           </a:p>
         </p:txBody>
@@ -3737,7 +3735,7 @@
     </p:spTree>
     <p:extLst>
       <p:ext uri="{BB962C8B-B14F-4D97-AF65-F5344CB8AC3E}">
-        <p14:creationId xmlns:p14="http://schemas.microsoft.com/office/powerpoint/2010/main" val="2609464335"/>
+        <p14:creationId xmlns:p14="http://schemas.microsoft.com/office/powerpoint/2010/main" val="3441186602"/>
       </p:ext>
     </p:extLst>
   </p:cSld>
@@ -3813,7 +3811,7 @@
     </p:spTree>
     <p:extLst>
       <p:ext uri="{BB962C8B-B14F-4D97-AF65-F5344CB8AC3E}">
-        <p14:creationId xmlns:p14="http://schemas.microsoft.com/office/powerpoint/2010/main" val="3441186602"/>
+        <p14:creationId xmlns:p14="http://schemas.microsoft.com/office/powerpoint/2010/main" val="2428294477"/>
       </p:ext>
     </p:extLst>
   </p:cSld>
@@ -3889,7 +3887,7 @@
     </p:spTree>
     <p:extLst>
       <p:ext uri="{BB962C8B-B14F-4D97-AF65-F5344CB8AC3E}">
-        <p14:creationId xmlns:p14="http://schemas.microsoft.com/office/powerpoint/2010/main" val="2428294477"/>
+        <p14:creationId xmlns:p14="http://schemas.microsoft.com/office/powerpoint/2010/main" val="726571748"/>
       </p:ext>
     </p:extLst>
   </p:cSld>
@@ -3965,7 +3963,7 @@
     </p:spTree>
     <p:extLst>
       <p:ext uri="{BB962C8B-B14F-4D97-AF65-F5344CB8AC3E}">
-        <p14:creationId xmlns:p14="http://schemas.microsoft.com/office/powerpoint/2010/main" val="726571748"/>
+        <p14:creationId xmlns:p14="http://schemas.microsoft.com/office/powerpoint/2010/main" val="417081200"/>
       </p:ext>
     </p:extLst>
   </p:cSld>
@@ -3976,82 +3974,6 @@
 </file>
 
 <file path=ppt/notesSlides/notesSlide54.xml><?xml version="1.0" encoding="utf-8"?>
-<p:notes xmlns:a="http://schemas.openxmlformats.org/drawingml/2006/main" xmlns:r="http://schemas.openxmlformats.org/officeDocument/2006/relationships" xmlns:p="http://schemas.openxmlformats.org/presentationml/2006/main">
-  <p:cSld>
-    <p:spTree>
-      <p:nvGrpSpPr>
-        <p:cNvPr id="1" name=""/>
-        <p:cNvGrpSpPr/>
-        <p:nvPr/>
-      </p:nvGrpSpPr>
-      <p:grpSpPr>
-        <a:xfrm>
-          <a:off x="0" y="0"/>
-          <a:ext cx="0" cy="0"/>
-          <a:chOff x="0" y="0"/>
-          <a:chExt cx="0" cy="0"/>
-        </a:xfrm>
-      </p:grpSpPr>
-      <p:sp>
-        <p:nvSpPr>
-          <p:cNvPr id="2" name="Notes Placeholder"/>
-          <p:cNvSpPr>
-            <a:spLocks noGrp="1"/>
-          </p:cNvSpPr>
-          <p:nvPr>
-            <p:ph type="body" idx="1"/>
-          </p:nvPr>
-        </p:nvSpPr>
-        <p:spPr/>
-        <p:txBody>
-          <a:bodyPr>
-            <a:normAutofit fontScale="25000" lnSpcReduction="20000"/>
-          </a:bodyPr>
-          <a:lstStyle/>
-          <a:p>
-            <a:pPr marL="171450" indent="-171450">
-              <a:buFont typeface="Arial" panose="020B0604020202020204" pitchFamily="34" charset="0"/>
-              <a:buChar char="•"/>
-            </a:pPr>
-            <a:endParaRPr lang="en-US" dirty="0"/>
-          </a:p>
-          <a:p>
-            <a:pPr marL="171450" indent="-171450">
-              <a:buFont typeface="Arial" panose="020B0604020202020204" pitchFamily="34" charset="0"/>
-              <a:buChar char="•"/>
-            </a:pPr>
-            <a:endParaRPr lang="en-US" dirty="0"/>
-          </a:p>
-          <a:p>
-            <a:pPr marL="171450" indent="-171450">
-              <a:buFont typeface="Arial" panose="020B0604020202020204" pitchFamily="34" charset="0"/>
-              <a:buChar char="•"/>
-            </a:pPr>
-            <a:endParaRPr lang="en-US" dirty="0"/>
-          </a:p>
-          <a:p>
-            <a:pPr marL="171450" indent="-171450">
-              <a:buFont typeface="Arial" panose="020B0604020202020204" pitchFamily="34" charset="0"/>
-              <a:buChar char="•"/>
-            </a:pPr>
-            <a:endParaRPr dirty="0"/>
-          </a:p>
-        </p:txBody>
-      </p:sp>
-    </p:spTree>
-    <p:extLst>
-      <p:ext uri="{BB962C8B-B14F-4D97-AF65-F5344CB8AC3E}">
-        <p14:creationId xmlns:p14="http://schemas.microsoft.com/office/powerpoint/2010/main" val="417081200"/>
-      </p:ext>
-    </p:extLst>
-  </p:cSld>
-  <p:clrMapOvr>
-    <a:masterClrMapping/>
-  </p:clrMapOvr>
-</p:notes>
-</file>
-
-<file path=ppt/notesSlides/notesSlide55.xml><?xml version="1.0" encoding="utf-8"?>
 <p:notes xmlns:a="http://schemas.openxmlformats.org/drawingml/2006/main" xmlns:r="http://schemas.openxmlformats.org/officeDocument/2006/relationships" xmlns:p="http://schemas.openxmlformats.org/presentationml/2006/main">
   <p:cSld>
     <p:spTree>
@@ -4134,6 +4056,57 @@
 </p:notes>
 </file>
 
+<file path=ppt/notesSlides/notesSlide55.xml><?xml version="1.0" encoding="utf-8"?>
+<p:notes xmlns:a="http://schemas.openxmlformats.org/drawingml/2006/main" xmlns:r="http://schemas.openxmlformats.org/officeDocument/2006/relationships" xmlns:p="http://schemas.openxmlformats.org/presentationml/2006/main">
+  <p:cSld>
+    <p:spTree>
+      <p:nvGrpSpPr>
+        <p:cNvPr id="1" name=""/>
+        <p:cNvGrpSpPr/>
+        <p:nvPr/>
+      </p:nvGrpSpPr>
+      <p:grpSpPr>
+        <a:xfrm>
+          <a:off x="0" y="0"/>
+          <a:ext cx="0" cy="0"/>
+          <a:chOff x="0" y="0"/>
+          <a:chExt cx="0" cy="0"/>
+        </a:xfrm>
+      </p:grpSpPr>
+      <p:sp>
+        <p:nvSpPr>
+          <p:cNvPr id="2" name="Notes Placeholder"/>
+          <p:cNvSpPr>
+            <a:spLocks noGrp="1"/>
+          </p:cNvSpPr>
+          <p:nvPr>
+            <p:ph type="body" idx="1"/>
+          </p:nvPr>
+        </p:nvSpPr>
+        <p:spPr/>
+        <p:txBody>
+          <a:bodyPr>
+            <a:normAutofit fontScale="25000" lnSpcReduction="20000"/>
+          </a:bodyPr>
+          <a:lstStyle/>
+          <a:p>
+            <a:endParaRPr dirty="0"/>
+          </a:p>
+        </p:txBody>
+      </p:sp>
+    </p:spTree>
+    <p:extLst>
+      <p:ext uri="{BB962C8B-B14F-4D97-AF65-F5344CB8AC3E}">
+        <p14:creationId xmlns:p14="http://schemas.microsoft.com/office/powerpoint/2010/main" val="645006467"/>
+      </p:ext>
+    </p:extLst>
+  </p:cSld>
+  <p:clrMapOvr>
+    <a:masterClrMapping/>
+  </p:clrMapOvr>
+</p:notes>
+</file>
+
 <file path=ppt/notesSlides/notesSlide56.xml><?xml version="1.0" encoding="utf-8"?>
 <p:notes xmlns:a="http://schemas.openxmlformats.org/drawingml/2006/main" xmlns:r="http://schemas.openxmlformats.org/officeDocument/2006/relationships" xmlns:p="http://schemas.openxmlformats.org/presentationml/2006/main">
   <p:cSld>
@@ -4175,7 +4148,7 @@
     </p:spTree>
     <p:extLst>
       <p:ext uri="{BB962C8B-B14F-4D97-AF65-F5344CB8AC3E}">
-        <p14:creationId xmlns:p14="http://schemas.microsoft.com/office/powerpoint/2010/main" val="645006467"/>
+        <p14:creationId xmlns:p14="http://schemas.microsoft.com/office/powerpoint/2010/main" val="528427468"/>
       </p:ext>
     </p:extLst>
   </p:cSld>
@@ -4219,6 +4192,31 @@
           </a:bodyPr>
           <a:lstStyle/>
           <a:p>
+            <a:pPr marL="171450" indent="-171450">
+              <a:buFont typeface="Arial" panose="020B0604020202020204" pitchFamily="34" charset="0"/>
+              <a:buChar char="•"/>
+            </a:pPr>
+            <a:endParaRPr lang="en-US" dirty="0"/>
+          </a:p>
+          <a:p>
+            <a:pPr marL="171450" indent="-171450">
+              <a:buFont typeface="Arial" panose="020B0604020202020204" pitchFamily="34" charset="0"/>
+              <a:buChar char="•"/>
+            </a:pPr>
+            <a:endParaRPr lang="en-US" dirty="0"/>
+          </a:p>
+          <a:p>
+            <a:pPr marL="171450" indent="-171450">
+              <a:buFont typeface="Arial" panose="020B0604020202020204" pitchFamily="34" charset="0"/>
+              <a:buChar char="•"/>
+            </a:pPr>
+            <a:endParaRPr lang="en-US" dirty="0"/>
+          </a:p>
+          <a:p>
+            <a:pPr marL="171450" indent="-171450">
+              <a:buFont typeface="Arial" panose="020B0604020202020204" pitchFamily="34" charset="0"/>
+              <a:buChar char="•"/>
+            </a:pPr>
             <a:endParaRPr dirty="0"/>
           </a:p>
         </p:txBody>
@@ -4226,7 +4224,7 @@
     </p:spTree>
     <p:extLst>
       <p:ext uri="{BB962C8B-B14F-4D97-AF65-F5344CB8AC3E}">
-        <p14:creationId xmlns:p14="http://schemas.microsoft.com/office/powerpoint/2010/main" val="528427468"/>
+        <p14:creationId xmlns:p14="http://schemas.microsoft.com/office/powerpoint/2010/main" val="3389984689"/>
       </p:ext>
     </p:extLst>
   </p:cSld>
@@ -4302,7 +4300,7 @@
     </p:spTree>
     <p:extLst>
       <p:ext uri="{BB962C8B-B14F-4D97-AF65-F5344CB8AC3E}">
-        <p14:creationId xmlns:p14="http://schemas.microsoft.com/office/powerpoint/2010/main" val="3389984689"/>
+        <p14:creationId xmlns:p14="http://schemas.microsoft.com/office/powerpoint/2010/main" val="1233221151"/>
       </p:ext>
     </p:extLst>
   </p:cSld>
@@ -4378,7 +4376,7 @@
     </p:spTree>
     <p:extLst>
       <p:ext uri="{BB962C8B-B14F-4D97-AF65-F5344CB8AC3E}">
-        <p14:creationId xmlns:p14="http://schemas.microsoft.com/office/powerpoint/2010/main" val="1233221151"/>
+        <p14:creationId xmlns:p14="http://schemas.microsoft.com/office/powerpoint/2010/main" val="1519239673"/>
       </p:ext>
     </p:extLst>
   </p:cSld>
@@ -4505,7 +4503,7 @@
     </p:spTree>
     <p:extLst>
       <p:ext uri="{BB962C8B-B14F-4D97-AF65-F5344CB8AC3E}">
-        <p14:creationId xmlns:p14="http://schemas.microsoft.com/office/powerpoint/2010/main" val="2548259440"/>
+        <p14:creationId xmlns:p14="http://schemas.microsoft.com/office/powerpoint/2010/main" val="3430177004"/>
       </p:ext>
     </p:extLst>
   </p:cSld>
@@ -4581,7 +4579,7 @@
     </p:spTree>
     <p:extLst>
       <p:ext uri="{BB962C8B-B14F-4D97-AF65-F5344CB8AC3E}">
-        <p14:creationId xmlns:p14="http://schemas.microsoft.com/office/powerpoint/2010/main" val="1519239673"/>
+        <p14:creationId xmlns:p14="http://schemas.microsoft.com/office/powerpoint/2010/main" val="2388980348"/>
       </p:ext>
     </p:extLst>
   </p:cSld>
@@ -4657,7 +4655,7 @@
     </p:spTree>
     <p:extLst>
       <p:ext uri="{BB962C8B-B14F-4D97-AF65-F5344CB8AC3E}">
-        <p14:creationId xmlns:p14="http://schemas.microsoft.com/office/powerpoint/2010/main" val="3430177004"/>
+        <p14:creationId xmlns:p14="http://schemas.microsoft.com/office/powerpoint/2010/main" val="527332255"/>
       </p:ext>
     </p:extLst>
   </p:cSld>
@@ -4733,7 +4731,7 @@
     </p:spTree>
     <p:extLst>
       <p:ext uri="{BB962C8B-B14F-4D97-AF65-F5344CB8AC3E}">
-        <p14:creationId xmlns:p14="http://schemas.microsoft.com/office/powerpoint/2010/main" val="2388980348"/>
+        <p14:creationId xmlns:p14="http://schemas.microsoft.com/office/powerpoint/2010/main" val="63831061"/>
       </p:ext>
     </p:extLst>
   </p:cSld>
@@ -4809,7 +4807,7 @@
     </p:spTree>
     <p:extLst>
       <p:ext uri="{BB962C8B-B14F-4D97-AF65-F5344CB8AC3E}">
-        <p14:creationId xmlns:p14="http://schemas.microsoft.com/office/powerpoint/2010/main" val="527332255"/>
+        <p14:creationId xmlns:p14="http://schemas.microsoft.com/office/powerpoint/2010/main" val="942586040"/>
       </p:ext>
     </p:extLst>
   </p:cSld>
@@ -4853,39 +4851,53 @@
           </a:bodyPr>
           <a:lstStyle/>
           <a:p>
-            <a:pPr marL="171450" indent="-171450">
-              <a:buFont typeface="Arial" panose="020B0604020202020204" pitchFamily="34" charset="0"/>
-              <a:buChar char="•"/>
-            </a:pPr>
+            <a:pPr marL="0" marR="0" lvl="0" indent="0" algn="l" defTabSz="914400" rtl="0" eaLnBrk="1" fontAlgn="auto" latinLnBrk="0" hangingPunct="1">
+              <a:lnSpc>
+                <a:spcPct val="100000"/>
+              </a:lnSpc>
+              <a:spcBef>
+                <a:spcPts val="0"/>
+              </a:spcBef>
+              <a:spcAft>
+                <a:spcPts val="0"/>
+              </a:spcAft>
+              <a:buClrTx/>
+              <a:buSzTx/>
+              <a:buFontTx/>
+              <a:buNone/>
+              <a:tabLst/>
+              <a:defRPr/>
+            </a:pPr>
+            <a:r>
+              <a:rPr lang="fr-FR" dirty="0"/>
+              <a:t>https://</a:t>
+            </a:r>
+            <a:r>
+              <a:rPr lang="fr-FR" dirty="0" err="1"/>
+              <a:t>github.com</a:t>
+            </a:r>
+            <a:r>
+              <a:rPr lang="fr-FR" dirty="0"/>
+              <a:t>/</a:t>
+            </a:r>
+            <a:r>
+              <a:rPr lang="fr-FR" dirty="0" err="1"/>
+              <a:t>cstar</a:t>
+            </a:r>
+            <a:r>
+              <a:rPr lang="fr-FR" dirty="0"/>
+              <a:t>-industries/python-3-beginner/blob/master/001-First-Steps/First%20Steps%20-%20Chap%2003%20-%20Exercises.ipynb</a:t>
+            </a:r>
+          </a:p>
+          <a:p>
             <a:endParaRPr lang="en-US" dirty="0"/>
-          </a:p>
-          <a:p>
-            <a:pPr marL="171450" indent="-171450">
-              <a:buFont typeface="Arial" panose="020B0604020202020204" pitchFamily="34" charset="0"/>
-              <a:buChar char="•"/>
-            </a:pPr>
-            <a:endParaRPr lang="en-US" dirty="0"/>
-          </a:p>
-          <a:p>
-            <a:pPr marL="171450" indent="-171450">
-              <a:buFont typeface="Arial" panose="020B0604020202020204" pitchFamily="34" charset="0"/>
-              <a:buChar char="•"/>
-            </a:pPr>
-            <a:endParaRPr lang="en-US" dirty="0"/>
-          </a:p>
-          <a:p>
-            <a:pPr marL="171450" indent="-171450">
-              <a:buFont typeface="Arial" panose="020B0604020202020204" pitchFamily="34" charset="0"/>
-              <a:buChar char="•"/>
-            </a:pPr>
-            <a:endParaRPr dirty="0"/>
           </a:p>
         </p:txBody>
       </p:sp>
     </p:spTree>
     <p:extLst>
       <p:ext uri="{BB962C8B-B14F-4D97-AF65-F5344CB8AC3E}">
-        <p14:creationId xmlns:p14="http://schemas.microsoft.com/office/powerpoint/2010/main" val="63831061"/>
+        <p14:creationId xmlns:p14="http://schemas.microsoft.com/office/powerpoint/2010/main" val="899959266"/>
       </p:ext>
     </p:extLst>
   </p:cSld>
@@ -4929,31 +4941,6 @@
           </a:bodyPr>
           <a:lstStyle/>
           <a:p>
-            <a:pPr marL="171450" indent="-171450">
-              <a:buFont typeface="Arial" panose="020B0604020202020204" pitchFamily="34" charset="0"/>
-              <a:buChar char="•"/>
-            </a:pPr>
-            <a:endParaRPr lang="en-US" dirty="0"/>
-          </a:p>
-          <a:p>
-            <a:pPr marL="171450" indent="-171450">
-              <a:buFont typeface="Arial" panose="020B0604020202020204" pitchFamily="34" charset="0"/>
-              <a:buChar char="•"/>
-            </a:pPr>
-            <a:endParaRPr lang="en-US" dirty="0"/>
-          </a:p>
-          <a:p>
-            <a:pPr marL="171450" indent="-171450">
-              <a:buFont typeface="Arial" panose="020B0604020202020204" pitchFamily="34" charset="0"/>
-              <a:buChar char="•"/>
-            </a:pPr>
-            <a:endParaRPr lang="en-US" dirty="0"/>
-          </a:p>
-          <a:p>
-            <a:pPr marL="171450" indent="-171450">
-              <a:buFont typeface="Arial" panose="020B0604020202020204" pitchFamily="34" charset="0"/>
-              <a:buChar char="•"/>
-            </a:pPr>
             <a:endParaRPr dirty="0"/>
           </a:p>
         </p:txBody>
@@ -4961,7 +4948,7 @@
     </p:spTree>
     <p:extLst>
       <p:ext uri="{BB962C8B-B14F-4D97-AF65-F5344CB8AC3E}">
-        <p14:creationId xmlns:p14="http://schemas.microsoft.com/office/powerpoint/2010/main" val="942586040"/>
+        <p14:creationId xmlns:p14="http://schemas.microsoft.com/office/powerpoint/2010/main" val="3557346478"/>
       </p:ext>
     </p:extLst>
   </p:cSld>
@@ -5005,53 +4992,14 @@
           </a:bodyPr>
           <a:lstStyle/>
           <a:p>
-            <a:pPr marL="0" marR="0" lvl="0" indent="0" algn="l" defTabSz="914400" rtl="0" eaLnBrk="1" fontAlgn="auto" latinLnBrk="0" hangingPunct="1">
-              <a:lnSpc>
-                <a:spcPct val="100000"/>
-              </a:lnSpc>
-              <a:spcBef>
-                <a:spcPts val="0"/>
-              </a:spcBef>
-              <a:spcAft>
-                <a:spcPts val="0"/>
-              </a:spcAft>
-              <a:buClrTx/>
-              <a:buSzTx/>
-              <a:buFontTx/>
-              <a:buNone/>
-              <a:tabLst/>
-              <a:defRPr/>
-            </a:pPr>
-            <a:r>
-              <a:rPr lang="fr-FR" dirty="0"/>
-              <a:t>https://</a:t>
-            </a:r>
-            <a:r>
-              <a:rPr lang="fr-FR" dirty="0" err="1"/>
-              <a:t>github.com</a:t>
-            </a:r>
-            <a:r>
-              <a:rPr lang="fr-FR" dirty="0"/>
-              <a:t>/</a:t>
-            </a:r>
-            <a:r>
-              <a:rPr lang="fr-FR" dirty="0" err="1"/>
-              <a:t>cstar</a:t>
-            </a:r>
-            <a:r>
-              <a:rPr lang="fr-FR" dirty="0"/>
-              <a:t>-industries/python-3-beginner/blob/master/001-First-Steps/First%20Steps%20-%20Chap%2003%20-%20Exercises.ipynb</a:t>
-            </a:r>
-          </a:p>
-          <a:p>
-            <a:endParaRPr lang="en-US" dirty="0"/>
+            <a:endParaRPr dirty="0"/>
           </a:p>
         </p:txBody>
       </p:sp>
     </p:spTree>
     <p:extLst>
       <p:ext uri="{BB962C8B-B14F-4D97-AF65-F5344CB8AC3E}">
-        <p14:creationId xmlns:p14="http://schemas.microsoft.com/office/powerpoint/2010/main" val="899959266"/>
+        <p14:creationId xmlns:p14="http://schemas.microsoft.com/office/powerpoint/2010/main" val="1724091925"/>
       </p:ext>
     </p:extLst>
   </p:cSld>
@@ -5095,65 +5043,53 @@
           </a:bodyPr>
           <a:lstStyle/>
           <a:p>
-            <a:endParaRPr dirty="0"/>
+            <a:pPr marL="0" marR="0" lvl="0" indent="0" algn="l" defTabSz="914400" rtl="0" eaLnBrk="1" fontAlgn="auto" latinLnBrk="0" hangingPunct="1">
+              <a:lnSpc>
+                <a:spcPct val="100000"/>
+              </a:lnSpc>
+              <a:spcBef>
+                <a:spcPts val="0"/>
+              </a:spcBef>
+              <a:spcAft>
+                <a:spcPts val="0"/>
+              </a:spcAft>
+              <a:buClrTx/>
+              <a:buSzTx/>
+              <a:buFontTx/>
+              <a:buNone/>
+              <a:tabLst/>
+              <a:defRPr/>
+            </a:pPr>
+            <a:r>
+              <a:rPr lang="fr-FR" dirty="0"/>
+              <a:t>https://</a:t>
+            </a:r>
+            <a:r>
+              <a:rPr lang="fr-FR" dirty="0" err="1"/>
+              <a:t>github.com</a:t>
+            </a:r>
+            <a:r>
+              <a:rPr lang="fr-FR" dirty="0"/>
+              <a:t>/</a:t>
+            </a:r>
+            <a:r>
+              <a:rPr lang="fr-FR" dirty="0" err="1"/>
+              <a:t>cstar</a:t>
+            </a:r>
+            <a:r>
+              <a:rPr lang="fr-FR" dirty="0"/>
+              <a:t>-industries/python-3-beginner/blob/master/001-First-Steps/First%20Steps%20-%20Workshop.ipynb</a:t>
+            </a:r>
+          </a:p>
+          <a:p>
+            <a:endParaRPr lang="en-US" dirty="0"/>
           </a:p>
         </p:txBody>
       </p:sp>
     </p:spTree>
     <p:extLst>
       <p:ext uri="{BB962C8B-B14F-4D97-AF65-F5344CB8AC3E}">
-        <p14:creationId xmlns:p14="http://schemas.microsoft.com/office/powerpoint/2010/main" val="3557346478"/>
-      </p:ext>
-    </p:extLst>
-  </p:cSld>
-  <p:clrMapOvr>
-    <a:masterClrMapping/>
-  </p:clrMapOvr>
-</p:notes>
-</file>
-
-<file path=ppt/notesSlides/notesSlide69.xml><?xml version="1.0" encoding="utf-8"?>
-<p:notes xmlns:a="http://schemas.openxmlformats.org/drawingml/2006/main" xmlns:r="http://schemas.openxmlformats.org/officeDocument/2006/relationships" xmlns:p="http://schemas.openxmlformats.org/presentationml/2006/main">
-  <p:cSld>
-    <p:spTree>
-      <p:nvGrpSpPr>
-        <p:cNvPr id="1" name=""/>
-        <p:cNvGrpSpPr/>
-        <p:nvPr/>
-      </p:nvGrpSpPr>
-      <p:grpSpPr>
-        <a:xfrm>
-          <a:off x="0" y="0"/>
-          <a:ext cx="0" cy="0"/>
-          <a:chOff x="0" y="0"/>
-          <a:chExt cx="0" cy="0"/>
-        </a:xfrm>
-      </p:grpSpPr>
-      <p:sp>
-        <p:nvSpPr>
-          <p:cNvPr id="2" name="Notes Placeholder"/>
-          <p:cNvSpPr>
-            <a:spLocks noGrp="1"/>
-          </p:cNvSpPr>
-          <p:nvPr>
-            <p:ph type="body" idx="1"/>
-          </p:nvPr>
-        </p:nvSpPr>
-        <p:spPr/>
-        <p:txBody>
-          <a:bodyPr>
-            <a:normAutofit fontScale="25000" lnSpcReduction="20000"/>
-          </a:bodyPr>
-          <a:lstStyle/>
-          <a:p>
-            <a:endParaRPr dirty="0"/>
-          </a:p>
-        </p:txBody>
-      </p:sp>
-    </p:spTree>
-    <p:extLst>
-      <p:ext uri="{BB962C8B-B14F-4D97-AF65-F5344CB8AC3E}">
-        <p14:creationId xmlns:p14="http://schemas.microsoft.com/office/powerpoint/2010/main" val="1724091925"/>
+        <p14:creationId xmlns:p14="http://schemas.microsoft.com/office/powerpoint/2010/main" val="430041688"/>
       </p:ext>
     </p:extLst>
   </p:cSld>
@@ -5205,96 +5141,6 @@
     <p:extLst>
       <p:ext uri="{BB962C8B-B14F-4D97-AF65-F5344CB8AC3E}">
         <p14:creationId xmlns:p14="http://schemas.microsoft.com/office/powerpoint/2010/main" val="4121562244"/>
-      </p:ext>
-    </p:extLst>
-  </p:cSld>
-  <p:clrMapOvr>
-    <a:masterClrMapping/>
-  </p:clrMapOvr>
-</p:notes>
-</file>
-
-<file path=ppt/notesSlides/notesSlide70.xml><?xml version="1.0" encoding="utf-8"?>
-<p:notes xmlns:a="http://schemas.openxmlformats.org/drawingml/2006/main" xmlns:r="http://schemas.openxmlformats.org/officeDocument/2006/relationships" xmlns:p="http://schemas.openxmlformats.org/presentationml/2006/main">
-  <p:cSld>
-    <p:spTree>
-      <p:nvGrpSpPr>
-        <p:cNvPr id="1" name=""/>
-        <p:cNvGrpSpPr/>
-        <p:nvPr/>
-      </p:nvGrpSpPr>
-      <p:grpSpPr>
-        <a:xfrm>
-          <a:off x="0" y="0"/>
-          <a:ext cx="0" cy="0"/>
-          <a:chOff x="0" y="0"/>
-          <a:chExt cx="0" cy="0"/>
-        </a:xfrm>
-      </p:grpSpPr>
-      <p:sp>
-        <p:nvSpPr>
-          <p:cNvPr id="2" name="Notes Placeholder"/>
-          <p:cNvSpPr>
-            <a:spLocks noGrp="1"/>
-          </p:cNvSpPr>
-          <p:nvPr>
-            <p:ph type="body" idx="1"/>
-          </p:nvPr>
-        </p:nvSpPr>
-        <p:spPr/>
-        <p:txBody>
-          <a:bodyPr>
-            <a:normAutofit fontScale="25000" lnSpcReduction="20000"/>
-          </a:bodyPr>
-          <a:lstStyle/>
-          <a:p>
-            <a:pPr marL="0" marR="0" lvl="0" indent="0" algn="l" defTabSz="914400" rtl="0" eaLnBrk="1" fontAlgn="auto" latinLnBrk="0" hangingPunct="1">
-              <a:lnSpc>
-                <a:spcPct val="100000"/>
-              </a:lnSpc>
-              <a:spcBef>
-                <a:spcPts val="0"/>
-              </a:spcBef>
-              <a:spcAft>
-                <a:spcPts val="0"/>
-              </a:spcAft>
-              <a:buClrTx/>
-              <a:buSzTx/>
-              <a:buFontTx/>
-              <a:buNone/>
-              <a:tabLst/>
-              <a:defRPr/>
-            </a:pPr>
-            <a:r>
-              <a:rPr lang="fr-FR" dirty="0"/>
-              <a:t>https://</a:t>
-            </a:r>
-            <a:r>
-              <a:rPr lang="fr-FR" dirty="0" err="1"/>
-              <a:t>github.com</a:t>
-            </a:r>
-            <a:r>
-              <a:rPr lang="fr-FR" dirty="0"/>
-              <a:t>/</a:t>
-            </a:r>
-            <a:r>
-              <a:rPr lang="fr-FR" dirty="0" err="1"/>
-              <a:t>cstar</a:t>
-            </a:r>
-            <a:r>
-              <a:rPr lang="fr-FR" dirty="0"/>
-              <a:t>-industries/python-3-beginner/blob/master/001-First-Steps/First%20Steps%20-%20Workshop.ipynb</a:t>
-            </a:r>
-          </a:p>
-          <a:p>
-            <a:endParaRPr lang="en-US" dirty="0"/>
-          </a:p>
-        </p:txBody>
-      </p:sp>
-    </p:spTree>
-    <p:extLst>
-      <p:ext uri="{BB962C8B-B14F-4D97-AF65-F5344CB8AC3E}">
-        <p14:creationId xmlns:p14="http://schemas.microsoft.com/office/powerpoint/2010/main" val="430041688"/>
       </p:ext>
     </p:extLst>
   </p:cSld>
@@ -12370,7 +12216,7 @@
                 <a:cs typeface="Consolas" panose="020B0609020204030204" pitchFamily="49" charset="0"/>
                 <a:sym typeface="Wingdings" pitchFamily="2" charset="2"/>
               </a:rPr>
-              <a:t>(x op1 y) and (x op2 z)</a:t>
+              <a:t>(x op1 y) and (y op2 z)</a:t>
             </a:r>
             <a:endParaRPr lang="en" sz="2400" kern="0" dirty="0">
               <a:latin typeface="Consolas" panose="020B0609020204030204" pitchFamily="49" charset="0"/>
@@ -30232,683 +30078,6 @@
         </p:nvSpPr>
         <p:spPr>
           <a:xfrm>
-            <a:off x="2362200" y="2286000"/>
-            <a:ext cx="9288781" cy="1371600"/>
-          </a:xfrm>
-          <a:prstGeom prst="rect">
-            <a:avLst/>
-          </a:prstGeom>
-          <a:solidFill>
-            <a:srgbClr val="EEF3F9"/>
-          </a:solidFill>
-          <a:ln w="12700">
-            <a:solidFill>
-              <a:srgbClr val="BBD2EE"/>
-            </a:solidFill>
-          </a:ln>
-          <a:effectLst>
-            <a:outerShdw blurRad="50800" dist="12700" dir="5400000" algn="t" rotWithShape="0">
-              <a:prstClr val="black">
-                <a:alpha val="20000"/>
-              </a:prstClr>
-            </a:outerShdw>
-          </a:effectLst>
-        </p:spPr>
-        <p:txBody>
-          <a:bodyPr wrap="square" lIns="144000" tIns="144000" rIns="144000" bIns="144000" anchor="t">
-            <a:noAutofit/>
-          </a:bodyPr>
-          <a:lstStyle>
-            <a:lvl1pPr marL="0">
-              <a:defRPr sz="1800" b="0" i="0">
-                <a:solidFill>
-                  <a:schemeClr val="tx1"/>
-                </a:solidFill>
-                <a:latin typeface="Consolas" panose="020B0609020204030204" pitchFamily="49" charset="0"/>
-                <a:ea typeface="+mn-ea"/>
-                <a:cs typeface="Consolas" panose="020B0609020204030204" pitchFamily="49" charset="0"/>
-              </a:defRPr>
-            </a:lvl1pPr>
-            <a:lvl2pPr marL="457200">
-              <a:defRPr>
-                <a:latin typeface="+mn-lt"/>
-                <a:ea typeface="+mn-ea"/>
-                <a:cs typeface="+mn-cs"/>
-              </a:defRPr>
-            </a:lvl2pPr>
-            <a:lvl3pPr marL="914400">
-              <a:defRPr>
-                <a:latin typeface="+mn-lt"/>
-                <a:ea typeface="+mn-ea"/>
-                <a:cs typeface="+mn-cs"/>
-              </a:defRPr>
-            </a:lvl3pPr>
-            <a:lvl4pPr marL="1371600">
-              <a:defRPr>
-                <a:latin typeface="+mn-lt"/>
-                <a:ea typeface="+mn-ea"/>
-                <a:cs typeface="+mn-cs"/>
-              </a:defRPr>
-            </a:lvl4pPr>
-            <a:lvl5pPr marL="1828800">
-              <a:defRPr>
-                <a:latin typeface="+mn-lt"/>
-                <a:ea typeface="+mn-ea"/>
-                <a:cs typeface="+mn-cs"/>
-              </a:defRPr>
-            </a:lvl5pPr>
-            <a:lvl6pPr marL="2286000">
-              <a:defRPr>
-                <a:latin typeface="+mn-lt"/>
-                <a:ea typeface="+mn-ea"/>
-                <a:cs typeface="+mn-cs"/>
-              </a:defRPr>
-            </a:lvl6pPr>
-            <a:lvl7pPr marL="2743200">
-              <a:defRPr>
-                <a:latin typeface="+mn-lt"/>
-                <a:ea typeface="+mn-ea"/>
-                <a:cs typeface="+mn-cs"/>
-              </a:defRPr>
-            </a:lvl7pPr>
-            <a:lvl8pPr marL="3200400">
-              <a:defRPr>
-                <a:latin typeface="+mn-lt"/>
-                <a:ea typeface="+mn-ea"/>
-                <a:cs typeface="+mn-cs"/>
-              </a:defRPr>
-            </a:lvl8pPr>
-            <a:lvl9pPr marL="3657600">
-              <a:defRPr>
-                <a:latin typeface="+mn-lt"/>
-                <a:ea typeface="+mn-ea"/>
-                <a:cs typeface="+mn-cs"/>
-              </a:defRPr>
-            </a:lvl9pPr>
-          </a:lstStyle>
-          <a:p>
-            <a:r>
-              <a:rPr lang="fr-FR" dirty="0"/>
-              <a:t>s = "Hello World!"</a:t>
-            </a:r>
-          </a:p>
-          <a:p>
-            <a:endParaRPr lang="fr-FR" dirty="0"/>
-          </a:p>
-          <a:p>
-            <a:r>
-              <a:rPr lang="fr-FR" dirty="0"/>
-              <a:t>for c in s:</a:t>
-            </a:r>
-          </a:p>
-          <a:p>
-            <a:r>
-              <a:rPr lang="fr-FR" dirty="0"/>
-              <a:t>    </a:t>
-            </a:r>
-            <a:r>
-              <a:rPr lang="fr-FR" dirty="0" err="1"/>
-              <a:t>print</a:t>
-            </a:r>
-            <a:r>
-              <a:rPr lang="fr-FR" dirty="0"/>
-              <a:t>(c)</a:t>
-            </a:r>
-          </a:p>
-        </p:txBody>
-      </p:sp>
-      <p:sp>
-        <p:nvSpPr>
-          <p:cNvPr id="29" name="object 4">
-            <a:extLst>
-              <a:ext uri="{FF2B5EF4-FFF2-40B4-BE49-F238E27FC236}">
-                <a16:creationId xmlns:a16="http://schemas.microsoft.com/office/drawing/2014/main" id="{43EDEFDE-8F8F-264D-B003-63A7BF231F01}"/>
-              </a:ext>
-            </a:extLst>
-          </p:cNvPr>
-          <p:cNvSpPr txBox="1">
-            <a:spLocks/>
-          </p:cNvSpPr>
-          <p:nvPr/>
-        </p:nvSpPr>
-        <p:spPr>
-          <a:xfrm>
-            <a:off x="845818" y="1440103"/>
-            <a:ext cx="10805163" cy="494623"/>
-          </a:xfrm>
-          <a:prstGeom prst="rect">
-            <a:avLst/>
-          </a:prstGeom>
-        </p:spPr>
-        <p:txBody>
-          <a:bodyPr vert="horz" wrap="square" lIns="0" tIns="0" rIns="0" bIns="0" rtlCol="0">
-            <a:spAutoFit/>
-          </a:bodyPr>
-          <a:lstStyle>
-            <a:lvl1pPr marL="0">
-              <a:defRPr sz="1800" b="0" i="0">
-                <a:solidFill>
-                  <a:schemeClr val="tx1"/>
-                </a:solidFill>
-                <a:latin typeface="Arial"/>
-                <a:ea typeface="+mn-ea"/>
-                <a:cs typeface="Arial"/>
-              </a:defRPr>
-            </a:lvl1pPr>
-            <a:lvl2pPr marL="457200">
-              <a:defRPr>
-                <a:latin typeface="+mn-lt"/>
-                <a:ea typeface="+mn-ea"/>
-                <a:cs typeface="+mn-cs"/>
-              </a:defRPr>
-            </a:lvl2pPr>
-            <a:lvl3pPr marL="914400">
-              <a:defRPr>
-                <a:latin typeface="+mn-lt"/>
-                <a:ea typeface="+mn-ea"/>
-                <a:cs typeface="+mn-cs"/>
-              </a:defRPr>
-            </a:lvl3pPr>
-            <a:lvl4pPr marL="1371600">
-              <a:defRPr>
-                <a:latin typeface="+mn-lt"/>
-                <a:ea typeface="+mn-ea"/>
-                <a:cs typeface="+mn-cs"/>
-              </a:defRPr>
-            </a:lvl4pPr>
-            <a:lvl5pPr marL="1828800">
-              <a:defRPr>
-                <a:latin typeface="+mn-lt"/>
-                <a:ea typeface="+mn-ea"/>
-                <a:cs typeface="+mn-cs"/>
-              </a:defRPr>
-            </a:lvl5pPr>
-            <a:lvl6pPr marL="2286000">
-              <a:defRPr>
-                <a:latin typeface="+mn-lt"/>
-                <a:ea typeface="+mn-ea"/>
-                <a:cs typeface="+mn-cs"/>
-              </a:defRPr>
-            </a:lvl6pPr>
-            <a:lvl7pPr marL="2743200">
-              <a:defRPr>
-                <a:latin typeface="+mn-lt"/>
-                <a:ea typeface="+mn-ea"/>
-                <a:cs typeface="+mn-cs"/>
-              </a:defRPr>
-            </a:lvl7pPr>
-            <a:lvl8pPr marL="3200400">
-              <a:defRPr>
-                <a:latin typeface="+mn-lt"/>
-                <a:ea typeface="+mn-ea"/>
-                <a:cs typeface="+mn-cs"/>
-              </a:defRPr>
-            </a:lvl8pPr>
-            <a:lvl9pPr marL="3657600">
-              <a:defRPr>
-                <a:latin typeface="+mn-lt"/>
-                <a:ea typeface="+mn-ea"/>
-                <a:cs typeface="+mn-cs"/>
-              </a:defRPr>
-            </a:lvl9pPr>
-          </a:lstStyle>
-          <a:p>
-            <a:pPr marL="2044700" marR="5080" indent="-390525">
-              <a:lnSpc>
-                <a:spcPct val="150000"/>
-              </a:lnSpc>
-              <a:spcBef>
-                <a:spcPts val="805"/>
-              </a:spcBef>
-              <a:buFont typeface="Zapf Dingbats"/>
-              <a:buChar char="➠"/>
-            </a:pPr>
-            <a:r>
-              <a:rPr lang="en-US" sz="2400" kern="0" dirty="0">
-                <a:latin typeface="Consolas" panose="020B0609020204030204" pitchFamily="49" charset="0"/>
-                <a:cs typeface="Consolas" panose="020B0609020204030204" pitchFamily="49" charset="0"/>
-              </a:rPr>
-              <a:t>for </a:t>
-            </a:r>
-            <a:r>
-              <a:rPr lang="en-US" sz="2400" i="1" kern="0" dirty="0">
-                <a:latin typeface="Consolas" panose="020B0609020204030204" pitchFamily="49" charset="0"/>
-                <a:cs typeface="Consolas" panose="020B0609020204030204" pitchFamily="49" charset="0"/>
-              </a:rPr>
-              <a:t>variable</a:t>
-            </a:r>
-            <a:r>
-              <a:rPr lang="en-US" sz="2400" kern="0" dirty="0">
-                <a:latin typeface="Consolas" panose="020B0609020204030204" pitchFamily="49" charset="0"/>
-                <a:cs typeface="Consolas" panose="020B0609020204030204" pitchFamily="49" charset="0"/>
-              </a:rPr>
-              <a:t> in </a:t>
-            </a:r>
-            <a:r>
-              <a:rPr lang="en-US" sz="2400" i="1" kern="0" dirty="0" err="1">
-                <a:latin typeface="Consolas" panose="020B0609020204030204" pitchFamily="49" charset="0"/>
-                <a:cs typeface="Consolas" panose="020B0609020204030204" pitchFamily="49" charset="0"/>
-              </a:rPr>
-              <a:t>iterable</a:t>
-            </a:r>
-            <a:r>
-              <a:rPr lang="en-US" sz="2400" kern="0" dirty="0">
-                <a:latin typeface="Consolas" panose="020B0609020204030204" pitchFamily="49" charset="0"/>
-                <a:cs typeface="Consolas" panose="020B0609020204030204" pitchFamily="49" charset="0"/>
-              </a:rPr>
-              <a:t>:</a:t>
-            </a:r>
-          </a:p>
-        </p:txBody>
-      </p:sp>
-      <p:sp>
-        <p:nvSpPr>
-          <p:cNvPr id="9" name="Text Placeholder 6">
-            <a:extLst>
-              <a:ext uri="{FF2B5EF4-FFF2-40B4-BE49-F238E27FC236}">
-                <a16:creationId xmlns:a16="http://schemas.microsoft.com/office/drawing/2014/main" id="{A9F166F9-86E2-C14A-AF97-43490599848C}"/>
-              </a:ext>
-            </a:extLst>
-          </p:cNvPr>
-          <p:cNvSpPr>
-            <a:spLocks noGrp="1"/>
-          </p:cNvSpPr>
-          <p:nvPr/>
-        </p:nvSpPr>
-        <p:spPr>
-          <a:xfrm>
-            <a:off x="2362200" y="3858519"/>
-            <a:ext cx="9288781" cy="2546130"/>
-          </a:xfrm>
-          <a:prstGeom prst="rect">
-            <a:avLst/>
-          </a:prstGeom>
-          <a:solidFill>
-            <a:srgbClr val="F9F8DF"/>
-          </a:solidFill>
-          <a:ln w="12700">
-            <a:solidFill>
-              <a:srgbClr val="F1ED86"/>
-            </a:solidFill>
-          </a:ln>
-          <a:effectLst>
-            <a:outerShdw blurRad="50800" dist="12700" dir="5400000" algn="t" rotWithShape="0">
-              <a:prstClr val="black">
-                <a:alpha val="20000"/>
-              </a:prstClr>
-            </a:outerShdw>
-          </a:effectLst>
-        </p:spPr>
-        <p:txBody>
-          <a:bodyPr wrap="square" lIns="144000" tIns="144000" rIns="144000" bIns="144000">
-            <a:noAutofit/>
-          </a:bodyPr>
-          <a:lstStyle>
-            <a:lvl1pPr marL="0">
-              <a:defRPr sz="1800" b="0" i="0">
-                <a:solidFill>
-                  <a:schemeClr val="tx1"/>
-                </a:solidFill>
-                <a:latin typeface="Consolas" panose="020B0609020204030204" pitchFamily="49" charset="0"/>
-                <a:ea typeface="+mn-ea"/>
-                <a:cs typeface="Consolas" panose="020B0609020204030204" pitchFamily="49" charset="0"/>
-              </a:defRPr>
-            </a:lvl1pPr>
-            <a:lvl2pPr marL="457200">
-              <a:defRPr>
-                <a:latin typeface="+mn-lt"/>
-                <a:ea typeface="+mn-ea"/>
-                <a:cs typeface="+mn-cs"/>
-              </a:defRPr>
-            </a:lvl2pPr>
-            <a:lvl3pPr marL="914400">
-              <a:defRPr>
-                <a:latin typeface="+mn-lt"/>
-                <a:ea typeface="+mn-ea"/>
-                <a:cs typeface="+mn-cs"/>
-              </a:defRPr>
-            </a:lvl3pPr>
-            <a:lvl4pPr marL="1371600">
-              <a:defRPr>
-                <a:latin typeface="+mn-lt"/>
-                <a:ea typeface="+mn-ea"/>
-                <a:cs typeface="+mn-cs"/>
-              </a:defRPr>
-            </a:lvl4pPr>
-            <a:lvl5pPr marL="1828800">
-              <a:defRPr>
-                <a:latin typeface="+mn-lt"/>
-                <a:ea typeface="+mn-ea"/>
-                <a:cs typeface="+mn-cs"/>
-              </a:defRPr>
-            </a:lvl5pPr>
-            <a:lvl6pPr marL="2286000">
-              <a:defRPr>
-                <a:latin typeface="+mn-lt"/>
-                <a:ea typeface="+mn-ea"/>
-                <a:cs typeface="+mn-cs"/>
-              </a:defRPr>
-            </a:lvl6pPr>
-            <a:lvl7pPr marL="2743200">
-              <a:defRPr>
-                <a:latin typeface="+mn-lt"/>
-                <a:ea typeface="+mn-ea"/>
-                <a:cs typeface="+mn-cs"/>
-              </a:defRPr>
-            </a:lvl7pPr>
-            <a:lvl8pPr marL="3200400">
-              <a:defRPr>
-                <a:latin typeface="+mn-lt"/>
-                <a:ea typeface="+mn-ea"/>
-                <a:cs typeface="+mn-cs"/>
-              </a:defRPr>
-            </a:lvl8pPr>
-            <a:lvl9pPr marL="3657600">
-              <a:defRPr>
-                <a:latin typeface="+mn-lt"/>
-                <a:ea typeface="+mn-ea"/>
-                <a:cs typeface="+mn-cs"/>
-              </a:defRPr>
-            </a:lvl9pPr>
-          </a:lstStyle>
-          <a:p>
-            <a:r>
-              <a:rPr lang="pt" dirty="0"/>
-              <a:t>H</a:t>
-            </a:r>
-          </a:p>
-          <a:p>
-            <a:r>
-              <a:rPr lang="pt" dirty="0"/>
-              <a:t>e</a:t>
-            </a:r>
-          </a:p>
-          <a:p>
-            <a:r>
-              <a:rPr lang="pt" dirty="0"/>
-              <a:t>l</a:t>
-            </a:r>
-          </a:p>
-          <a:p>
-            <a:r>
-              <a:rPr lang="pt" dirty="0"/>
-              <a:t>l</a:t>
-            </a:r>
-          </a:p>
-          <a:p>
-            <a:r>
-              <a:rPr lang="pt" dirty="0"/>
-              <a:t>o</a:t>
-            </a:r>
-          </a:p>
-          <a:p>
-            <a:r>
-              <a:rPr lang="pt" dirty="0"/>
-              <a:t> </a:t>
-            </a:r>
-          </a:p>
-          <a:p>
-            <a:r>
-              <a:rPr lang="pt" dirty="0"/>
-              <a:t>W</a:t>
-            </a:r>
-          </a:p>
-          <a:p>
-            <a:r>
-              <a:rPr lang="pt" dirty="0"/>
-              <a:t>...</a:t>
-            </a:r>
-          </a:p>
-        </p:txBody>
-      </p:sp>
-    </p:spTree>
-    <p:extLst>
-      <p:ext uri="{BB962C8B-B14F-4D97-AF65-F5344CB8AC3E}">
-        <p14:creationId xmlns:p14="http://schemas.microsoft.com/office/powerpoint/2010/main" val="1799958983"/>
-      </p:ext>
-    </p:extLst>
-  </p:cSld>
-  <p:clrMapOvr>
-    <a:masterClrMapping/>
-  </p:clrMapOvr>
-</p:sld>
-</file>
-
-<file path=ppt/slides/slide44.xml><?xml version="1.0" encoding="utf-8"?>
-<p:sld xmlns:a="http://schemas.openxmlformats.org/drawingml/2006/main" xmlns:r="http://schemas.openxmlformats.org/officeDocument/2006/relationships" xmlns:p="http://schemas.openxmlformats.org/presentationml/2006/main">
-  <p:cSld>
-    <p:spTree>
-      <p:nvGrpSpPr>
-        <p:cNvPr id="1" name=""/>
-        <p:cNvGrpSpPr/>
-        <p:nvPr/>
-      </p:nvGrpSpPr>
-      <p:grpSpPr>
-        <a:xfrm>
-          <a:off x="0" y="0"/>
-          <a:ext cx="0" cy="0"/>
-          <a:chOff x="0" y="0"/>
-          <a:chExt cx="0" cy="0"/>
-        </a:xfrm>
-      </p:grpSpPr>
-      <p:sp>
-        <p:nvSpPr>
-          <p:cNvPr id="2" name="object 2"/>
-          <p:cNvSpPr txBox="1"/>
-          <p:nvPr/>
-        </p:nvSpPr>
-        <p:spPr>
-          <a:xfrm>
-            <a:off x="150678" y="216496"/>
-            <a:ext cx="1659255" cy="492443"/>
-          </a:xfrm>
-          <a:prstGeom prst="rect">
-            <a:avLst/>
-          </a:prstGeom>
-        </p:spPr>
-        <p:txBody>
-          <a:bodyPr vert="horz" wrap="square" lIns="0" tIns="0" rIns="0" bIns="0" rtlCol="0">
-            <a:spAutoFit/>
-          </a:bodyPr>
-          <a:lstStyle/>
-          <a:p>
-            <a:pPr marL="12700" marR="5080">
-              <a:lnSpc>
-                <a:spcPct val="100000"/>
-              </a:lnSpc>
-            </a:pPr>
-            <a:r>
-              <a:rPr lang="en-US" sz="1600" spc="-10" dirty="0">
-                <a:solidFill>
-                  <a:srgbClr val="FFFFFF"/>
-                </a:solidFill>
-                <a:latin typeface="Arial"/>
-                <a:cs typeface="Arial"/>
-              </a:rPr>
-              <a:t>Python 3 Beginner</a:t>
-            </a:r>
-            <a:endParaRPr sz="1600" dirty="0">
-              <a:latin typeface="Arial"/>
-              <a:cs typeface="Arial"/>
-            </a:endParaRPr>
-          </a:p>
-        </p:txBody>
-      </p:sp>
-      <p:sp>
-        <p:nvSpPr>
-          <p:cNvPr id="3" name="object 3"/>
-          <p:cNvSpPr txBox="1">
-            <a:spLocks noGrp="1"/>
-          </p:cNvSpPr>
-          <p:nvPr>
-            <p:ph type="title"/>
-          </p:nvPr>
-        </p:nvSpPr>
-        <p:spPr>
-          <a:xfrm>
-            <a:off x="782953" y="378886"/>
-            <a:ext cx="10626093" cy="384721"/>
-          </a:xfrm>
-          <a:prstGeom prst="rect">
-            <a:avLst/>
-          </a:prstGeom>
-        </p:spPr>
-        <p:txBody>
-          <a:bodyPr vert="horz" wrap="square" lIns="0" tIns="0" rIns="0" bIns="0" rtlCol="0">
-            <a:spAutoFit/>
-          </a:bodyPr>
-          <a:lstStyle/>
-          <a:p>
-            <a:pPr marL="1564640">
-              <a:lnSpc>
-                <a:spcPct val="100000"/>
-              </a:lnSpc>
-            </a:pPr>
-            <a:r>
-              <a:rPr lang="en-US" spc="-15" dirty="0"/>
-              <a:t>Iteration in Python: </a:t>
-            </a:r>
-            <a:r>
-              <a:rPr lang="en-US" spc="-15" dirty="0">
-                <a:latin typeface="Consolas" panose="020B0609020204030204" pitchFamily="49" charset="0"/>
-                <a:cs typeface="Consolas" panose="020B0609020204030204" pitchFamily="49" charset="0"/>
-              </a:rPr>
-              <a:t>for</a:t>
-            </a:r>
-            <a:endParaRPr spc="-15" dirty="0">
-              <a:latin typeface="Consolas" panose="020B0609020204030204" pitchFamily="49" charset="0"/>
-              <a:cs typeface="Consolas" panose="020B0609020204030204" pitchFamily="49" charset="0"/>
-            </a:endParaRPr>
-          </a:p>
-        </p:txBody>
-      </p:sp>
-      <p:sp>
-        <p:nvSpPr>
-          <p:cNvPr id="7" name="Holder 6">
-            <a:extLst>
-              <a:ext uri="{FF2B5EF4-FFF2-40B4-BE49-F238E27FC236}">
-                <a16:creationId xmlns:a16="http://schemas.microsoft.com/office/drawing/2014/main" id="{278BF67D-BD17-4CD4-9C6F-CA2F6A282BE9}"/>
-              </a:ext>
-            </a:extLst>
-          </p:cNvPr>
-          <p:cNvSpPr>
-            <a:spLocks noGrp="1"/>
-          </p:cNvSpPr>
-          <p:nvPr>
-            <p:ph type="sldNum" sz="quarter" idx="7"/>
-          </p:nvPr>
-        </p:nvSpPr>
-        <p:spPr>
-          <a:xfrm>
-            <a:off x="10363205" y="6629400"/>
-            <a:ext cx="1573026" cy="123111"/>
-          </a:xfrm>
-          <a:prstGeom prst="rect">
-            <a:avLst/>
-          </a:prstGeom>
-        </p:spPr>
-        <p:txBody>
-          <a:bodyPr wrap="square" lIns="0" tIns="0" rIns="0" bIns="0">
-            <a:spAutoFit/>
-          </a:bodyPr>
-          <a:lstStyle>
-            <a:lvl1pPr>
-              <a:defRPr sz="800" b="0" i="0">
-                <a:solidFill>
-                  <a:srgbClr val="A4A4A4"/>
-                </a:solidFill>
-                <a:latin typeface="Arial"/>
-                <a:cs typeface="Arial"/>
-              </a:defRPr>
-            </a:lvl1pPr>
-          </a:lstStyle>
-          <a:p>
-            <a:pPr marL="12700">
-              <a:lnSpc>
-                <a:spcPct val="100000"/>
-              </a:lnSpc>
-            </a:pPr>
-            <a:r>
-              <a:rPr lang="fr-FR" spc="-5" dirty="0"/>
-              <a:t>Cop</a:t>
-            </a:r>
-            <a:r>
-              <a:rPr lang="fr-FR" spc="-10" dirty="0"/>
-              <a:t>y</a:t>
-            </a:r>
-            <a:r>
-              <a:rPr lang="fr-FR" spc="-5" dirty="0"/>
-              <a:t>r</a:t>
-            </a:r>
-            <a:r>
-              <a:rPr lang="fr-FR" dirty="0"/>
-              <a:t>ig</a:t>
-            </a:r>
-            <a:r>
-              <a:rPr lang="fr-FR" spc="-5" dirty="0"/>
-              <a:t>h</a:t>
-            </a:r>
-            <a:r>
-              <a:rPr lang="fr-FR" dirty="0"/>
-              <a:t>t</a:t>
-            </a:r>
-            <a:r>
-              <a:rPr lang="fr-FR" spc="20" dirty="0"/>
-              <a:t> </a:t>
-            </a:r>
-            <a:r>
-              <a:rPr lang="fr-FR" dirty="0"/>
-              <a:t>© </a:t>
-            </a:r>
-            <a:r>
-              <a:rPr lang="fr-FR" spc="-5" dirty="0"/>
-              <a:t>2020</a:t>
-            </a:r>
-            <a:r>
-              <a:rPr lang="fr-FR" dirty="0"/>
-              <a:t>  </a:t>
-            </a:r>
-            <a:r>
-              <a:rPr lang="fr-FR" spc="95" dirty="0"/>
-              <a:t> </a:t>
-            </a:r>
-            <a:fld id="{81D60167-4931-47E6-BA6A-407CBD079E47}" type="slidenum">
-              <a:rPr smtClean="0">
-                <a:solidFill>
-                  <a:srgbClr val="000000"/>
-                </a:solidFill>
-              </a:rPr>
-              <a:pPr marL="12700">
-                <a:lnSpc>
-                  <a:spcPct val="100000"/>
-                </a:lnSpc>
-              </a:pPr>
-              <a:t>44</a:t>
-            </a:fld>
-            <a:endParaRPr dirty="0">
-              <a:solidFill>
-                <a:srgbClr val="000000"/>
-              </a:solidFill>
-            </a:endParaRPr>
-          </a:p>
-        </p:txBody>
-      </p:sp>
-      <p:sp>
-        <p:nvSpPr>
-          <p:cNvPr id="27" name="Text Placeholder 5">
-            <a:extLst>
-              <a:ext uri="{FF2B5EF4-FFF2-40B4-BE49-F238E27FC236}">
-                <a16:creationId xmlns:a16="http://schemas.microsoft.com/office/drawing/2014/main" id="{1FD0652D-0133-8B44-8140-BD3017305492}"/>
-              </a:ext>
-            </a:extLst>
-          </p:cNvPr>
-          <p:cNvSpPr>
-            <a:spLocks noGrp="1"/>
-          </p:cNvSpPr>
-          <p:nvPr/>
-        </p:nvSpPr>
-        <p:spPr>
-          <a:xfrm>
             <a:off x="2362200" y="2285999"/>
             <a:ext cx="9288781" cy="1604047"/>
           </a:xfrm>
@@ -31337,7 +30506,7 @@
 </p:sld>
 </file>
 
-<file path=ppt/slides/slide45.xml><?xml version="1.0" encoding="utf-8"?>
+<file path=ppt/slides/slide44.xml><?xml version="1.0" encoding="utf-8"?>
 <p:sld xmlns:a="http://schemas.openxmlformats.org/drawingml/2006/main" xmlns:r="http://schemas.openxmlformats.org/officeDocument/2006/relationships" xmlns:p="http://schemas.openxmlformats.org/presentationml/2006/main">
   <p:cSld>
     <p:spTree>
@@ -31546,7 +30715,7 @@
                   <a:spcPct val="100000"/>
                 </a:lnSpc>
               </a:pPr>
-              <a:t>45</a:t>
+              <a:t>44</a:t>
             </a:fld>
             <a:endParaRPr dirty="0">
               <a:solidFill>
@@ -31996,7 +31165,7 @@
 </p:sld>
 </file>
 
-<file path=ppt/slides/slide46.xml><?xml version="1.0" encoding="utf-8"?>
+<file path=ppt/slides/slide45.xml><?xml version="1.0" encoding="utf-8"?>
 <p:sld xmlns:a="http://schemas.openxmlformats.org/drawingml/2006/main" xmlns:r="http://schemas.openxmlformats.org/officeDocument/2006/relationships" xmlns:p="http://schemas.openxmlformats.org/presentationml/2006/main">
   <p:cSld>
     <p:spTree>
@@ -32205,7 +31374,7 @@
                   <a:spcPct val="100000"/>
                 </a:lnSpc>
               </a:pPr>
-              <a:t>46</a:t>
+              <a:t>45</a:t>
             </a:fld>
             <a:endParaRPr dirty="0">
               <a:solidFill>
@@ -32848,7 +32017,7 @@
 </p:sld>
 </file>
 
-<file path=ppt/slides/slide47.xml><?xml version="1.0" encoding="utf-8"?>
+<file path=ppt/slides/slide46.xml><?xml version="1.0" encoding="utf-8"?>
 <p:sld xmlns:a="http://schemas.openxmlformats.org/drawingml/2006/main" xmlns:r="http://schemas.openxmlformats.org/officeDocument/2006/relationships" xmlns:p="http://schemas.openxmlformats.org/presentationml/2006/main">
   <p:cSld>
     <p:spTree>
@@ -33061,7 +32230,7 @@
                   <a:spcPct val="100000"/>
                 </a:lnSpc>
               </a:pPr>
-              <a:t>47</a:t>
+              <a:t>46</a:t>
             </a:fld>
             <a:endParaRPr dirty="0">
               <a:solidFill>
@@ -33271,7 +32440,7 @@
 </p:sld>
 </file>
 
-<file path=ppt/slides/slide48.xml><?xml version="1.0" encoding="utf-8"?>
+<file path=ppt/slides/slide47.xml><?xml version="1.0" encoding="utf-8"?>
 <p:sld xmlns:a="http://schemas.openxmlformats.org/drawingml/2006/main" xmlns:r="http://schemas.openxmlformats.org/officeDocument/2006/relationships" xmlns:p="http://schemas.openxmlformats.org/presentationml/2006/main">
   <p:cSld>
     <p:spTree>
@@ -33551,7 +32720,7 @@
                   <a:spcPct val="100000"/>
                 </a:lnSpc>
               </a:pPr>
-              <a:t>48</a:t>
+              <a:t>47</a:t>
             </a:fld>
             <a:endParaRPr dirty="0">
               <a:solidFill>
@@ -33574,7 +32743,7 @@
 </p:sld>
 </file>
 
-<file path=ppt/slides/slide49.xml><?xml version="1.0" encoding="utf-8"?>
+<file path=ppt/slides/slide48.xml><?xml version="1.0" encoding="utf-8"?>
 <p:sld xmlns:a="http://schemas.openxmlformats.org/drawingml/2006/main" xmlns:r="http://schemas.openxmlformats.org/officeDocument/2006/relationships" xmlns:p="http://schemas.openxmlformats.org/presentationml/2006/main">
   <p:cSld>
     <p:spTree>
@@ -33923,7 +33092,7 @@
                   <a:spcPct val="100000"/>
                 </a:lnSpc>
               </a:pPr>
-              <a:t>49</a:t>
+              <a:t>48</a:t>
             </a:fld>
             <a:endParaRPr dirty="0">
               <a:solidFill>
@@ -33946,530 +33115,7 @@
 </p:sld>
 </file>
 
-<file path=ppt/slides/slide5.xml><?xml version="1.0" encoding="utf-8"?>
-<p:sld xmlns:a="http://schemas.openxmlformats.org/drawingml/2006/main" xmlns:r="http://schemas.openxmlformats.org/officeDocument/2006/relationships" xmlns:p="http://schemas.openxmlformats.org/presentationml/2006/main">
-  <p:cSld>
-    <p:spTree>
-      <p:nvGrpSpPr>
-        <p:cNvPr id="1" name=""/>
-        <p:cNvGrpSpPr/>
-        <p:nvPr/>
-      </p:nvGrpSpPr>
-      <p:grpSpPr>
-        <a:xfrm>
-          <a:off x="0" y="0"/>
-          <a:ext cx="0" cy="0"/>
-          <a:chOff x="0" y="0"/>
-          <a:chExt cx="0" cy="0"/>
-        </a:xfrm>
-      </p:grpSpPr>
-      <p:sp>
-        <p:nvSpPr>
-          <p:cNvPr id="2" name="object 2"/>
-          <p:cNvSpPr txBox="1"/>
-          <p:nvPr/>
-        </p:nvSpPr>
-        <p:spPr>
-          <a:xfrm>
-            <a:off x="150678" y="216496"/>
-            <a:ext cx="1659255" cy="492443"/>
-          </a:xfrm>
-          <a:prstGeom prst="rect">
-            <a:avLst/>
-          </a:prstGeom>
-        </p:spPr>
-        <p:txBody>
-          <a:bodyPr vert="horz" wrap="square" lIns="0" tIns="0" rIns="0" bIns="0" rtlCol="0">
-            <a:spAutoFit/>
-          </a:bodyPr>
-          <a:lstStyle/>
-          <a:p>
-            <a:pPr marL="12700" marR="5080">
-              <a:lnSpc>
-                <a:spcPct val="100000"/>
-              </a:lnSpc>
-            </a:pPr>
-            <a:r>
-              <a:rPr lang="en-US" sz="1600" spc="-10" dirty="0">
-                <a:solidFill>
-                  <a:srgbClr val="FFFFFF"/>
-                </a:solidFill>
-                <a:latin typeface="Arial"/>
-                <a:cs typeface="Arial"/>
-              </a:rPr>
-              <a:t>Python 3 Beginner</a:t>
-            </a:r>
-            <a:endParaRPr sz="1600" dirty="0">
-              <a:latin typeface="Arial"/>
-              <a:cs typeface="Arial"/>
-            </a:endParaRPr>
-          </a:p>
-        </p:txBody>
-      </p:sp>
-      <p:sp>
-        <p:nvSpPr>
-          <p:cNvPr id="3" name="object 3"/>
-          <p:cNvSpPr txBox="1">
-            <a:spLocks noGrp="1"/>
-          </p:cNvSpPr>
-          <p:nvPr>
-            <p:ph type="title"/>
-          </p:nvPr>
-        </p:nvSpPr>
-        <p:spPr>
-          <a:xfrm>
-            <a:off x="782953" y="378886"/>
-            <a:ext cx="10626093" cy="384721"/>
-          </a:xfrm>
-          <a:prstGeom prst="rect">
-            <a:avLst/>
-          </a:prstGeom>
-        </p:spPr>
-        <p:txBody>
-          <a:bodyPr vert="horz" wrap="square" lIns="0" tIns="0" rIns="0" bIns="0" rtlCol="0">
-            <a:spAutoFit/>
-          </a:bodyPr>
-          <a:lstStyle/>
-          <a:p>
-            <a:pPr marL="1564640">
-              <a:lnSpc>
-                <a:spcPct val="100000"/>
-              </a:lnSpc>
-            </a:pPr>
-            <a:r>
-              <a:rPr lang="en-US" spc="-15" dirty="0"/>
-              <a:t>Session Objectives</a:t>
-            </a:r>
-            <a:endParaRPr spc="-15" dirty="0"/>
-          </a:p>
-        </p:txBody>
-      </p:sp>
-      <p:sp>
-        <p:nvSpPr>
-          <p:cNvPr id="4" name="object 4"/>
-          <p:cNvSpPr txBox="1">
-            <a:spLocks noGrp="1"/>
-          </p:cNvSpPr>
-          <p:nvPr>
-            <p:ph type="body" idx="1"/>
-          </p:nvPr>
-        </p:nvSpPr>
-        <p:spPr>
-          <a:xfrm>
-            <a:off x="693418" y="1287703"/>
-            <a:ext cx="10805163" cy="3590727"/>
-          </a:xfrm>
-          <a:prstGeom prst="rect">
-            <a:avLst/>
-          </a:prstGeom>
-        </p:spPr>
-        <p:txBody>
-          <a:bodyPr vert="horz" wrap="square" lIns="0" tIns="0" rIns="0" bIns="0" rtlCol="0">
-            <a:spAutoFit/>
-          </a:bodyPr>
-          <a:lstStyle/>
-          <a:p>
-            <a:pPr marL="1654175">
-              <a:lnSpc>
-                <a:spcPct val="100000"/>
-              </a:lnSpc>
-            </a:pPr>
-            <a:r>
-              <a:rPr dirty="0"/>
-              <a:t>At</a:t>
-            </a:r>
-            <a:r>
-              <a:rPr spc="-10" dirty="0"/>
-              <a:t> </a:t>
-            </a:r>
-            <a:r>
-              <a:rPr dirty="0"/>
-              <a:t>the</a:t>
-            </a:r>
-            <a:r>
-              <a:rPr spc="-10" dirty="0"/>
-              <a:t> </a:t>
-            </a:r>
-            <a:r>
-              <a:rPr dirty="0"/>
-              <a:t>e</a:t>
-            </a:r>
-            <a:r>
-              <a:rPr spc="-10" dirty="0"/>
-              <a:t>n</a:t>
-            </a:r>
-            <a:r>
-              <a:rPr dirty="0"/>
-              <a:t>d</a:t>
-            </a:r>
-            <a:r>
-              <a:rPr spc="5" dirty="0"/>
-              <a:t> </a:t>
-            </a:r>
-            <a:r>
-              <a:rPr dirty="0"/>
-              <a:t>of th</a:t>
-            </a:r>
-            <a:r>
-              <a:rPr spc="-10" dirty="0"/>
-              <a:t>i</a:t>
-            </a:r>
-            <a:r>
-              <a:rPr dirty="0"/>
-              <a:t>s </a:t>
-            </a:r>
-            <a:r>
-              <a:rPr lang="en-US" dirty="0"/>
-              <a:t>session</a:t>
-            </a:r>
-            <a:r>
-              <a:rPr dirty="0"/>
-              <a:t>,</a:t>
-            </a:r>
-            <a:r>
-              <a:rPr spc="10" dirty="0"/>
-              <a:t> </a:t>
-            </a:r>
-            <a:r>
-              <a:rPr spc="-25" dirty="0"/>
-              <a:t>y</a:t>
-            </a:r>
-            <a:r>
-              <a:rPr dirty="0"/>
-              <a:t>ou</a:t>
-            </a:r>
-            <a:r>
-              <a:rPr spc="15" dirty="0"/>
-              <a:t> </a:t>
-            </a:r>
-            <a:r>
-              <a:rPr spc="-40" dirty="0"/>
-              <a:t>w</a:t>
-            </a:r>
-            <a:r>
-              <a:rPr dirty="0"/>
-              <a:t>i</a:t>
-            </a:r>
-            <a:r>
-              <a:rPr spc="-10" dirty="0"/>
-              <a:t>l</a:t>
-            </a:r>
-            <a:r>
-              <a:rPr dirty="0"/>
-              <a:t>l</a:t>
-            </a:r>
-            <a:r>
-              <a:rPr spc="45" dirty="0"/>
-              <a:t> </a:t>
-            </a:r>
-            <a:r>
-              <a:rPr dirty="0"/>
-              <a:t>be</a:t>
-            </a:r>
-            <a:r>
-              <a:rPr spc="-10" dirty="0"/>
-              <a:t> </a:t>
-            </a:r>
-            <a:r>
-              <a:rPr dirty="0"/>
-              <a:t>a</a:t>
-            </a:r>
-            <a:r>
-              <a:rPr spc="-10" dirty="0"/>
-              <a:t>b</a:t>
-            </a:r>
-            <a:r>
-              <a:rPr dirty="0"/>
-              <a:t>le</a:t>
-            </a:r>
-            <a:r>
-              <a:rPr spc="5" dirty="0"/>
-              <a:t> </a:t>
-            </a:r>
-            <a:r>
-              <a:rPr dirty="0"/>
-              <a:t>to:</a:t>
-            </a:r>
-            <a:endParaRPr lang="fr-FR" dirty="0"/>
-          </a:p>
-          <a:p>
-            <a:pPr marL="1940560" marR="5080" indent="-287020">
-              <a:lnSpc>
-                <a:spcPct val="100000"/>
-              </a:lnSpc>
-              <a:spcBef>
-                <a:spcPts val="805"/>
-              </a:spcBef>
-            </a:pPr>
-            <a:endParaRPr lang="en" dirty="0">
-              <a:latin typeface="Wingdings 3"/>
-            </a:endParaRPr>
-          </a:p>
-          <a:p>
-            <a:pPr marL="1940560" marR="5080" indent="-287020">
-              <a:lnSpc>
-                <a:spcPct val="100000"/>
-              </a:lnSpc>
-              <a:spcBef>
-                <a:spcPts val="805"/>
-              </a:spcBef>
-              <a:buFont typeface="Zapf Dingbats"/>
-              <a:buChar char="➠"/>
-            </a:pPr>
-            <a:r>
-              <a:rPr lang="en" dirty="0"/>
-              <a:t>Compare values and logically combine comparison results</a:t>
-            </a:r>
-          </a:p>
-          <a:p>
-            <a:pPr marL="1940560" marR="5080" indent="-287020">
-              <a:lnSpc>
-                <a:spcPct val="100000"/>
-              </a:lnSpc>
-              <a:spcBef>
-                <a:spcPts val="805"/>
-              </a:spcBef>
-              <a:buFont typeface="Zapf Dingbats"/>
-              <a:buChar char="➠"/>
-            </a:pPr>
-            <a:r>
-              <a:rPr lang="en" dirty="0"/>
-              <a:t>Manipulate lists of objects with a new, powerful datatype</a:t>
-            </a:r>
-          </a:p>
-          <a:p>
-            <a:pPr marL="1940560" marR="5080" indent="-287020">
-              <a:lnSpc>
-                <a:spcPct val="100000"/>
-              </a:lnSpc>
-              <a:spcBef>
-                <a:spcPts val="805"/>
-              </a:spcBef>
-              <a:buFont typeface="Zapf Dingbats"/>
-              <a:buChar char="➠"/>
-            </a:pPr>
-            <a:r>
-              <a:rPr lang="en" dirty="0"/>
-              <a:t>Conditionally execute or skip code</a:t>
-            </a:r>
-          </a:p>
-          <a:p>
-            <a:pPr marL="1940560" marR="5080" indent="-287020">
-              <a:lnSpc>
-                <a:spcPct val="100000"/>
-              </a:lnSpc>
-              <a:spcBef>
-                <a:spcPts val="805"/>
-              </a:spcBef>
-              <a:buFont typeface="Zapf Dingbats"/>
-              <a:buChar char="➠"/>
-            </a:pPr>
-            <a:r>
-              <a:rPr lang="en" dirty="0"/>
-              <a:t>Iterate over lists, strings and number sequences</a:t>
-            </a:r>
-          </a:p>
-          <a:p>
-            <a:pPr marL="1940560" marR="5080" indent="-287020">
-              <a:lnSpc>
-                <a:spcPct val="100000"/>
-              </a:lnSpc>
-              <a:spcBef>
-                <a:spcPts val="805"/>
-              </a:spcBef>
-              <a:buFont typeface="Zapf Dingbats"/>
-              <a:buChar char="➠"/>
-            </a:pPr>
-            <a:r>
-              <a:rPr lang="en" dirty="0"/>
-              <a:t>Loop over code until a condition is met</a:t>
-            </a:r>
-          </a:p>
-          <a:p>
-            <a:pPr marL="1940560" marR="5080" indent="-287020">
-              <a:lnSpc>
-                <a:spcPct val="100000"/>
-              </a:lnSpc>
-              <a:spcBef>
-                <a:spcPts val="805"/>
-              </a:spcBef>
-              <a:buFont typeface="Zapf Dingbats"/>
-              <a:buChar char="➠"/>
-            </a:pPr>
-            <a:r>
-              <a:rPr lang="en" dirty="0"/>
-              <a:t>Use some powerful built-in tools from the Python language to make iteration simple and expressive</a:t>
-            </a:r>
-          </a:p>
-          <a:p>
-            <a:pPr marL="1940560" marR="5080" indent="-287020">
-              <a:lnSpc>
-                <a:spcPct val="100000"/>
-              </a:lnSpc>
-              <a:spcBef>
-                <a:spcPts val="805"/>
-              </a:spcBef>
-              <a:buFont typeface="Zapf Dingbats"/>
-              <a:buChar char="➠"/>
-            </a:pPr>
-            <a:endParaRPr lang="en" dirty="0"/>
-          </a:p>
-        </p:txBody>
-      </p:sp>
-      <p:sp>
-        <p:nvSpPr>
-          <p:cNvPr id="5" name="object 5"/>
-          <p:cNvSpPr/>
-          <p:nvPr/>
-        </p:nvSpPr>
-        <p:spPr>
-          <a:xfrm>
-            <a:off x="7373111" y="4530852"/>
-            <a:ext cx="4498848" cy="1975103"/>
-          </a:xfrm>
-          <a:prstGeom prst="rect">
-            <a:avLst/>
-          </a:prstGeom>
-          <a:blipFill>
-            <a:blip r:embed="rId3" cstate="print"/>
-            <a:stretch>
-              <a:fillRect/>
-            </a:stretch>
-          </a:blipFill>
-        </p:spPr>
-        <p:txBody>
-          <a:bodyPr wrap="square" lIns="0" tIns="0" rIns="0" bIns="0" rtlCol="0"/>
-          <a:lstStyle/>
-          <a:p>
-            <a:endParaRPr/>
-          </a:p>
-        </p:txBody>
-      </p:sp>
-      <p:sp>
-        <p:nvSpPr>
-          <p:cNvPr id="7" name="Holder 6">
-            <a:extLst>
-              <a:ext uri="{FF2B5EF4-FFF2-40B4-BE49-F238E27FC236}">
-                <a16:creationId xmlns:a16="http://schemas.microsoft.com/office/drawing/2014/main" id="{278BF67D-BD17-4CD4-9C6F-CA2F6A282BE9}"/>
-              </a:ext>
-            </a:extLst>
-          </p:cNvPr>
-          <p:cNvSpPr>
-            <a:spLocks noGrp="1"/>
-          </p:cNvSpPr>
-          <p:nvPr>
-            <p:ph type="sldNum" sz="quarter" idx="7"/>
-          </p:nvPr>
-        </p:nvSpPr>
-        <p:spPr>
-          <a:xfrm>
-            <a:off x="10363205" y="6629400"/>
-            <a:ext cx="1573026" cy="123111"/>
-          </a:xfrm>
-          <a:prstGeom prst="rect">
-            <a:avLst/>
-          </a:prstGeom>
-        </p:spPr>
-        <p:txBody>
-          <a:bodyPr wrap="square" lIns="0" tIns="0" rIns="0" bIns="0">
-            <a:spAutoFit/>
-          </a:bodyPr>
-          <a:lstStyle>
-            <a:lvl1pPr>
-              <a:defRPr sz="800" b="0" i="0">
-                <a:solidFill>
-                  <a:srgbClr val="A4A4A4"/>
-                </a:solidFill>
-                <a:latin typeface="Arial"/>
-                <a:cs typeface="Arial"/>
-              </a:defRPr>
-            </a:lvl1pPr>
-          </a:lstStyle>
-          <a:p>
-            <a:pPr marL="12700">
-              <a:lnSpc>
-                <a:spcPct val="100000"/>
-              </a:lnSpc>
-            </a:pPr>
-            <a:r>
-              <a:rPr lang="fr-FR" spc="-5" dirty="0"/>
-              <a:t>Cop</a:t>
-            </a:r>
-            <a:r>
-              <a:rPr lang="fr-FR" spc="-10" dirty="0"/>
-              <a:t>y</a:t>
-            </a:r>
-            <a:r>
-              <a:rPr lang="fr-FR" spc="-5" dirty="0"/>
-              <a:t>r</a:t>
-            </a:r>
-            <a:r>
-              <a:rPr lang="fr-FR" dirty="0"/>
-              <a:t>ig</a:t>
-            </a:r>
-            <a:r>
-              <a:rPr lang="fr-FR" spc="-5" dirty="0"/>
-              <a:t>h</a:t>
-            </a:r>
-            <a:r>
-              <a:rPr lang="fr-FR" dirty="0"/>
-              <a:t>t</a:t>
-            </a:r>
-            <a:r>
-              <a:rPr lang="fr-FR" spc="20" dirty="0"/>
-              <a:t> </a:t>
-            </a:r>
-            <a:r>
-              <a:rPr lang="fr-FR" dirty="0"/>
-              <a:t>© </a:t>
-            </a:r>
-            <a:r>
-              <a:rPr lang="fr-FR" spc="-5" dirty="0"/>
-              <a:t>2020</a:t>
-            </a:r>
-            <a:r>
-              <a:rPr lang="fr-FR" dirty="0"/>
-              <a:t>  </a:t>
-            </a:r>
-            <a:r>
-              <a:rPr lang="fr-FR" spc="95" dirty="0"/>
-              <a:t> </a:t>
-            </a:r>
-            <a:fld id="{81D60167-4931-47E6-BA6A-407CBD079E47}" type="slidenum">
-              <a:rPr smtClean="0">
-                <a:solidFill>
-                  <a:srgbClr val="000000"/>
-                </a:solidFill>
-              </a:rPr>
-              <a:pPr marL="12700">
-                <a:lnSpc>
-                  <a:spcPct val="100000"/>
-                </a:lnSpc>
-              </a:pPr>
-              <a:t>5</a:t>
-            </a:fld>
-            <a:endParaRPr dirty="0">
-              <a:solidFill>
-                <a:srgbClr val="000000"/>
-              </a:solidFill>
-            </a:endParaRPr>
-          </a:p>
-        </p:txBody>
-      </p:sp>
-    </p:spTree>
-    <p:extLst>
-      <p:ext uri="{BB962C8B-B14F-4D97-AF65-F5344CB8AC3E}">
-        <p14:creationId xmlns:p14="http://schemas.microsoft.com/office/powerpoint/2010/main" val="2013611916"/>
-      </p:ext>
-    </p:extLst>
-  </p:cSld>
-  <p:clrMapOvr>
-    <a:masterClrMapping/>
-  </p:clrMapOvr>
-</p:sld>
-</file>
-
-<file path=ppt/slides/slide50.xml><?xml version="1.0" encoding="utf-8"?>
+<file path=ppt/slides/slide49.xml><?xml version="1.0" encoding="utf-8"?>
 <p:sld xmlns:a="http://schemas.openxmlformats.org/drawingml/2006/main" xmlns:r="http://schemas.openxmlformats.org/officeDocument/2006/relationships" xmlns:p="http://schemas.openxmlformats.org/presentationml/2006/main">
   <p:cSld>
     <p:spTree>
@@ -34919,7 +33565,7 @@
                   <a:spcPct val="100000"/>
                 </a:lnSpc>
               </a:pPr>
-              <a:t>50</a:t>
+              <a:t>49</a:t>
             </a:fld>
             <a:endParaRPr dirty="0">
               <a:solidFill>
@@ -34989,7 +33635,7 @@
 </p:sld>
 </file>
 
-<file path=ppt/slides/slide51.xml><?xml version="1.0" encoding="utf-8"?>
+<file path=ppt/slides/slide5.xml><?xml version="1.0" encoding="utf-8"?>
 <p:sld xmlns:a="http://schemas.openxmlformats.org/drawingml/2006/main" xmlns:r="http://schemas.openxmlformats.org/officeDocument/2006/relationships" xmlns:p="http://schemas.openxmlformats.org/presentationml/2006/main">
   <p:cSld>
     <p:spTree>
@@ -35081,7 +33727,7 @@
             </a:pPr>
             <a:r>
               <a:rPr lang="en-US" spc="-15" dirty="0"/>
-              <a:t>Conditional loop flow diagram</a:t>
+              <a:t>Session Objectives</a:t>
             </a:r>
             <a:endParaRPr spc="-15" dirty="0"/>
           </a:p>
@@ -35100,7 +33746,7 @@
         <p:spPr>
           <a:xfrm>
             <a:off x="693418" y="1287703"/>
-            <a:ext cx="10805163" cy="494623"/>
+            <a:ext cx="10805163" cy="3590727"/>
           </a:xfrm>
           <a:prstGeom prst="rect">
             <a:avLst/>
@@ -35112,9 +33758,146 @@
           </a:bodyPr>
           <a:lstStyle/>
           <a:p>
-            <a:pPr marL="2044700" marR="5080" indent="-390525">
+            <a:pPr marL="1654175">
               <a:lnSpc>
-                <a:spcPct val="150000"/>
+                <a:spcPct val="100000"/>
+              </a:lnSpc>
+            </a:pPr>
+            <a:r>
+              <a:rPr dirty="0"/>
+              <a:t>At</a:t>
+            </a:r>
+            <a:r>
+              <a:rPr spc="-10" dirty="0"/>
+              <a:t> </a:t>
+            </a:r>
+            <a:r>
+              <a:rPr dirty="0"/>
+              <a:t>the</a:t>
+            </a:r>
+            <a:r>
+              <a:rPr spc="-10" dirty="0"/>
+              <a:t> </a:t>
+            </a:r>
+            <a:r>
+              <a:rPr dirty="0"/>
+              <a:t>e</a:t>
+            </a:r>
+            <a:r>
+              <a:rPr spc="-10" dirty="0"/>
+              <a:t>n</a:t>
+            </a:r>
+            <a:r>
+              <a:rPr dirty="0"/>
+              <a:t>d</a:t>
+            </a:r>
+            <a:r>
+              <a:rPr spc="5" dirty="0"/>
+              <a:t> </a:t>
+            </a:r>
+            <a:r>
+              <a:rPr dirty="0"/>
+              <a:t>of th</a:t>
+            </a:r>
+            <a:r>
+              <a:rPr spc="-10" dirty="0"/>
+              <a:t>i</a:t>
+            </a:r>
+            <a:r>
+              <a:rPr dirty="0"/>
+              <a:t>s </a:t>
+            </a:r>
+            <a:r>
+              <a:rPr lang="en-US" dirty="0"/>
+              <a:t>session</a:t>
+            </a:r>
+            <a:r>
+              <a:rPr dirty="0"/>
+              <a:t>,</a:t>
+            </a:r>
+            <a:r>
+              <a:rPr spc="10" dirty="0"/>
+              <a:t> </a:t>
+            </a:r>
+            <a:r>
+              <a:rPr spc="-25" dirty="0"/>
+              <a:t>y</a:t>
+            </a:r>
+            <a:r>
+              <a:rPr dirty="0"/>
+              <a:t>ou</a:t>
+            </a:r>
+            <a:r>
+              <a:rPr spc="15" dirty="0"/>
+              <a:t> </a:t>
+            </a:r>
+            <a:r>
+              <a:rPr spc="-40" dirty="0"/>
+              <a:t>w</a:t>
+            </a:r>
+            <a:r>
+              <a:rPr dirty="0"/>
+              <a:t>i</a:t>
+            </a:r>
+            <a:r>
+              <a:rPr spc="-10" dirty="0"/>
+              <a:t>l</a:t>
+            </a:r>
+            <a:r>
+              <a:rPr dirty="0"/>
+              <a:t>l</a:t>
+            </a:r>
+            <a:r>
+              <a:rPr spc="45" dirty="0"/>
+              <a:t> </a:t>
+            </a:r>
+            <a:r>
+              <a:rPr dirty="0"/>
+              <a:t>be</a:t>
+            </a:r>
+            <a:r>
+              <a:rPr spc="-10" dirty="0"/>
+              <a:t> </a:t>
+            </a:r>
+            <a:r>
+              <a:rPr dirty="0"/>
+              <a:t>a</a:t>
+            </a:r>
+            <a:r>
+              <a:rPr spc="-10" dirty="0"/>
+              <a:t>b</a:t>
+            </a:r>
+            <a:r>
+              <a:rPr dirty="0"/>
+              <a:t>le</a:t>
+            </a:r>
+            <a:r>
+              <a:rPr spc="5" dirty="0"/>
+              <a:t> </a:t>
+            </a:r>
+            <a:r>
+              <a:rPr dirty="0"/>
+              <a:t>to:</a:t>
+            </a:r>
+            <a:endParaRPr lang="fr-FR" dirty="0"/>
+          </a:p>
+          <a:p>
+            <a:pPr marL="1940560" marR="5080" indent="-287020">
+              <a:lnSpc>
+                <a:spcPct val="100000"/>
+              </a:lnSpc>
+              <a:spcBef>
+                <a:spcPts val="805"/>
+              </a:spcBef>
+            </a:pPr>
+            <a:endParaRPr lang="en" dirty="0">
+              <a:latin typeface="Wingdings 3"/>
+            </a:endParaRPr>
+          </a:p>
+          <a:p>
+            <a:pPr marL="1940560" marR="5080" indent="-287020">
+              <a:lnSpc>
+                <a:spcPct val="100000"/>
               </a:lnSpc>
               <a:spcBef>
                 <a:spcPts val="805"/>
@@ -35123,12 +33906,131 @@
               <a:buChar char="➠"/>
             </a:pPr>
             <a:r>
-              <a:rPr lang="en" sz="2400" dirty="0">
-                <a:latin typeface="Arial" panose="020B0604020202020204" pitchFamily="34" charset="0"/>
-                <a:cs typeface="Arial" panose="020B0604020202020204" pitchFamily="34" charset="0"/>
-              </a:rPr>
-              <a:t>How can we ask a user to confirm a choice?</a:t>
-            </a:r>
+              <a:rPr lang="en" dirty="0"/>
+              <a:t>Compare values and logically combine comparison results</a:t>
+            </a:r>
+          </a:p>
+          <a:p>
+            <a:pPr marL="1940560" marR="5080" indent="-287020">
+              <a:lnSpc>
+                <a:spcPct val="100000"/>
+              </a:lnSpc>
+              <a:spcBef>
+                <a:spcPts val="805"/>
+              </a:spcBef>
+              <a:buFont typeface="Zapf Dingbats"/>
+              <a:buChar char="➠"/>
+            </a:pPr>
+            <a:r>
+              <a:rPr lang="en" dirty="0"/>
+              <a:t>Manipulate lists of objects with a new, powerful datatype</a:t>
+            </a:r>
+          </a:p>
+          <a:p>
+            <a:pPr marL="1940560" marR="5080" indent="-287020">
+              <a:lnSpc>
+                <a:spcPct val="100000"/>
+              </a:lnSpc>
+              <a:spcBef>
+                <a:spcPts val="805"/>
+              </a:spcBef>
+              <a:buFont typeface="Zapf Dingbats"/>
+              <a:buChar char="➠"/>
+            </a:pPr>
+            <a:r>
+              <a:rPr lang="en" dirty="0"/>
+              <a:t>Conditionally execute or skip code</a:t>
+            </a:r>
+          </a:p>
+          <a:p>
+            <a:pPr marL="1940560" marR="5080" indent="-287020">
+              <a:lnSpc>
+                <a:spcPct val="100000"/>
+              </a:lnSpc>
+              <a:spcBef>
+                <a:spcPts val="805"/>
+              </a:spcBef>
+              <a:buFont typeface="Zapf Dingbats"/>
+              <a:buChar char="➠"/>
+            </a:pPr>
+            <a:r>
+              <a:rPr lang="en" dirty="0"/>
+              <a:t>Iterate over lists, strings and number sequences</a:t>
+            </a:r>
+          </a:p>
+          <a:p>
+            <a:pPr marL="1940560" marR="5080" indent="-287020">
+              <a:lnSpc>
+                <a:spcPct val="100000"/>
+              </a:lnSpc>
+              <a:spcBef>
+                <a:spcPts val="805"/>
+              </a:spcBef>
+              <a:buFont typeface="Zapf Dingbats"/>
+              <a:buChar char="➠"/>
+            </a:pPr>
+            <a:r>
+              <a:rPr lang="en" dirty="0"/>
+              <a:t>Loop over code until a condition is met</a:t>
+            </a:r>
+          </a:p>
+          <a:p>
+            <a:pPr marL="1940560" marR="5080" indent="-287020">
+              <a:lnSpc>
+                <a:spcPct val="100000"/>
+              </a:lnSpc>
+              <a:spcBef>
+                <a:spcPts val="805"/>
+              </a:spcBef>
+              <a:buFont typeface="Zapf Dingbats"/>
+              <a:buChar char="➠"/>
+            </a:pPr>
+            <a:r>
+              <a:rPr lang="en" dirty="0"/>
+              <a:t>Use some powerful built-in tools from the Python language to make iteration simple and expressive</a:t>
+            </a:r>
+          </a:p>
+          <a:p>
+            <a:pPr marL="1940560" marR="5080" indent="-287020">
+              <a:lnSpc>
+                <a:spcPct val="100000"/>
+              </a:lnSpc>
+              <a:spcBef>
+                <a:spcPts val="805"/>
+              </a:spcBef>
+              <a:buFont typeface="Zapf Dingbats"/>
+              <a:buChar char="➠"/>
+            </a:pPr>
+            <a:endParaRPr lang="en" dirty="0"/>
+          </a:p>
+        </p:txBody>
+      </p:sp>
+      <p:sp>
+        <p:nvSpPr>
+          <p:cNvPr id="5" name="object 5"/>
+          <p:cNvSpPr/>
+          <p:nvPr/>
+        </p:nvSpPr>
+        <p:spPr>
+          <a:xfrm>
+            <a:off x="7373111" y="4530852"/>
+            <a:ext cx="4498848" cy="1975103"/>
+          </a:xfrm>
+          <a:prstGeom prst="rect">
+            <a:avLst/>
+          </a:prstGeom>
+          <a:blipFill>
+            <a:blip r:embed="rId3" cstate="print"/>
+            <a:stretch>
+              <a:fillRect/>
+            </a:stretch>
+          </a:blipFill>
+        </p:spPr>
+        <p:txBody>
+          <a:bodyPr wrap="square" lIns="0" tIns="0" rIns="0" bIns="0" rtlCol="0"/>
+          <a:lstStyle/>
+          <a:p>
+            <a:endParaRPr/>
           </a:p>
         </p:txBody>
       </p:sp>
@@ -35233,7 +34135,274 @@
                   <a:spcPct val="100000"/>
                 </a:lnSpc>
               </a:pPr>
-              <a:t>51</a:t>
+              <a:t>5</a:t>
+            </a:fld>
+            <a:endParaRPr dirty="0">
+              <a:solidFill>
+                <a:srgbClr val="000000"/>
+              </a:solidFill>
+            </a:endParaRPr>
+          </a:p>
+        </p:txBody>
+      </p:sp>
+    </p:spTree>
+    <p:extLst>
+      <p:ext uri="{BB962C8B-B14F-4D97-AF65-F5344CB8AC3E}">
+        <p14:creationId xmlns:p14="http://schemas.microsoft.com/office/powerpoint/2010/main" val="2013611916"/>
+      </p:ext>
+    </p:extLst>
+  </p:cSld>
+  <p:clrMapOvr>
+    <a:masterClrMapping/>
+  </p:clrMapOvr>
+</p:sld>
+</file>
+
+<file path=ppt/slides/slide50.xml><?xml version="1.0" encoding="utf-8"?>
+<p:sld xmlns:a="http://schemas.openxmlformats.org/drawingml/2006/main" xmlns:r="http://schemas.openxmlformats.org/officeDocument/2006/relationships" xmlns:p="http://schemas.openxmlformats.org/presentationml/2006/main">
+  <p:cSld>
+    <p:spTree>
+      <p:nvGrpSpPr>
+        <p:cNvPr id="1" name=""/>
+        <p:cNvGrpSpPr/>
+        <p:nvPr/>
+      </p:nvGrpSpPr>
+      <p:grpSpPr>
+        <a:xfrm>
+          <a:off x="0" y="0"/>
+          <a:ext cx="0" cy="0"/>
+          <a:chOff x="0" y="0"/>
+          <a:chExt cx="0" cy="0"/>
+        </a:xfrm>
+      </p:grpSpPr>
+      <p:sp>
+        <p:nvSpPr>
+          <p:cNvPr id="2" name="object 2"/>
+          <p:cNvSpPr txBox="1"/>
+          <p:nvPr/>
+        </p:nvSpPr>
+        <p:spPr>
+          <a:xfrm>
+            <a:off x="150678" y="216496"/>
+            <a:ext cx="1659255" cy="492443"/>
+          </a:xfrm>
+          <a:prstGeom prst="rect">
+            <a:avLst/>
+          </a:prstGeom>
+        </p:spPr>
+        <p:txBody>
+          <a:bodyPr vert="horz" wrap="square" lIns="0" tIns="0" rIns="0" bIns="0" rtlCol="0">
+            <a:spAutoFit/>
+          </a:bodyPr>
+          <a:lstStyle/>
+          <a:p>
+            <a:pPr marL="12700" marR="5080">
+              <a:lnSpc>
+                <a:spcPct val="100000"/>
+              </a:lnSpc>
+            </a:pPr>
+            <a:r>
+              <a:rPr lang="en-US" sz="1600" spc="-10" dirty="0">
+                <a:solidFill>
+                  <a:srgbClr val="FFFFFF"/>
+                </a:solidFill>
+                <a:latin typeface="Arial"/>
+                <a:cs typeface="Arial"/>
+              </a:rPr>
+              <a:t>Python 3 Beginner</a:t>
+            </a:r>
+            <a:endParaRPr sz="1600" dirty="0">
+              <a:latin typeface="Arial"/>
+              <a:cs typeface="Arial"/>
+            </a:endParaRPr>
+          </a:p>
+        </p:txBody>
+      </p:sp>
+      <p:sp>
+        <p:nvSpPr>
+          <p:cNvPr id="3" name="object 3"/>
+          <p:cNvSpPr txBox="1">
+            <a:spLocks noGrp="1"/>
+          </p:cNvSpPr>
+          <p:nvPr>
+            <p:ph type="title"/>
+          </p:nvPr>
+        </p:nvSpPr>
+        <p:spPr>
+          <a:xfrm>
+            <a:off x="782953" y="378886"/>
+            <a:ext cx="10626093" cy="384721"/>
+          </a:xfrm>
+          <a:prstGeom prst="rect">
+            <a:avLst/>
+          </a:prstGeom>
+        </p:spPr>
+        <p:txBody>
+          <a:bodyPr vert="horz" wrap="square" lIns="0" tIns="0" rIns="0" bIns="0" rtlCol="0">
+            <a:spAutoFit/>
+          </a:bodyPr>
+          <a:lstStyle/>
+          <a:p>
+            <a:pPr marL="1564640">
+              <a:lnSpc>
+                <a:spcPct val="100000"/>
+              </a:lnSpc>
+            </a:pPr>
+            <a:r>
+              <a:rPr lang="en-US" spc="-15" dirty="0"/>
+              <a:t>Conditional loop flow diagram</a:t>
+            </a:r>
+            <a:endParaRPr spc="-15" dirty="0"/>
+          </a:p>
+        </p:txBody>
+      </p:sp>
+      <p:sp>
+        <p:nvSpPr>
+          <p:cNvPr id="4" name="object 4"/>
+          <p:cNvSpPr txBox="1">
+            <a:spLocks noGrp="1"/>
+          </p:cNvSpPr>
+          <p:nvPr>
+            <p:ph type="body" idx="1"/>
+          </p:nvPr>
+        </p:nvSpPr>
+        <p:spPr>
+          <a:xfrm>
+            <a:off x="693418" y="1287703"/>
+            <a:ext cx="10805163" cy="494623"/>
+          </a:xfrm>
+          <a:prstGeom prst="rect">
+            <a:avLst/>
+          </a:prstGeom>
+        </p:spPr>
+        <p:txBody>
+          <a:bodyPr vert="horz" wrap="square" lIns="0" tIns="0" rIns="0" bIns="0" rtlCol="0">
+            <a:spAutoFit/>
+          </a:bodyPr>
+          <a:lstStyle/>
+          <a:p>
+            <a:pPr marL="2044700" marR="5080" indent="-390525">
+              <a:lnSpc>
+                <a:spcPct val="150000"/>
+              </a:lnSpc>
+              <a:spcBef>
+                <a:spcPts val="805"/>
+              </a:spcBef>
+              <a:buFont typeface="Zapf Dingbats"/>
+              <a:buChar char="➠"/>
+            </a:pPr>
+            <a:r>
+              <a:rPr lang="en" sz="2400" dirty="0">
+                <a:latin typeface="Arial" panose="020B0604020202020204" pitchFamily="34" charset="0"/>
+                <a:cs typeface="Arial" panose="020B0604020202020204" pitchFamily="34" charset="0"/>
+              </a:rPr>
+              <a:t>How can we ask a user to confirm a choice?</a:t>
+            </a:r>
+          </a:p>
+        </p:txBody>
+      </p:sp>
+      <p:sp>
+        <p:nvSpPr>
+          <p:cNvPr id="7" name="Holder 6">
+            <a:extLst>
+              <a:ext uri="{FF2B5EF4-FFF2-40B4-BE49-F238E27FC236}">
+                <a16:creationId xmlns:a16="http://schemas.microsoft.com/office/drawing/2014/main" id="{278BF67D-BD17-4CD4-9C6F-CA2F6A282BE9}"/>
+              </a:ext>
+            </a:extLst>
+          </p:cNvPr>
+          <p:cNvSpPr>
+            <a:spLocks noGrp="1"/>
+          </p:cNvSpPr>
+          <p:nvPr>
+            <p:ph type="sldNum" sz="quarter" idx="7"/>
+          </p:nvPr>
+        </p:nvSpPr>
+        <p:spPr>
+          <a:xfrm>
+            <a:off x="10363205" y="6629400"/>
+            <a:ext cx="1573026" cy="123111"/>
+          </a:xfrm>
+          <a:prstGeom prst="rect">
+            <a:avLst/>
+          </a:prstGeom>
+        </p:spPr>
+        <p:txBody>
+          <a:bodyPr wrap="square" lIns="0" tIns="0" rIns="0" bIns="0">
+            <a:spAutoFit/>
+          </a:bodyPr>
+          <a:lstStyle>
+            <a:lvl1pPr>
+              <a:defRPr sz="800" b="0" i="0">
+                <a:solidFill>
+                  <a:srgbClr val="A4A4A4"/>
+                </a:solidFill>
+                <a:latin typeface="Arial"/>
+                <a:cs typeface="Arial"/>
+              </a:defRPr>
+            </a:lvl1pPr>
+          </a:lstStyle>
+          <a:p>
+            <a:pPr marL="12700">
+              <a:lnSpc>
+                <a:spcPct val="100000"/>
+              </a:lnSpc>
+            </a:pPr>
+            <a:r>
+              <a:rPr lang="fr-FR" spc="-5" dirty="0"/>
+              <a:t>Cop</a:t>
+            </a:r>
+            <a:r>
+              <a:rPr lang="fr-FR" spc="-10" dirty="0"/>
+              <a:t>y</a:t>
+            </a:r>
+            <a:r>
+              <a:rPr lang="fr-FR" spc="-5" dirty="0"/>
+              <a:t>r</a:t>
+            </a:r>
+            <a:r>
+              <a:rPr lang="fr-FR" dirty="0"/>
+              <a:t>ig</a:t>
+            </a:r>
+            <a:r>
+              <a:rPr lang="fr-FR" spc="-5" dirty="0"/>
+              <a:t>h</a:t>
+            </a:r>
+            <a:r>
+              <a:rPr lang="fr-FR" dirty="0"/>
+              <a:t>t</a:t>
+            </a:r>
+            <a:r>
+              <a:rPr lang="fr-FR" spc="20" dirty="0"/>
+              <a:t> </a:t>
+            </a:r>
+            <a:r>
+              <a:rPr lang="fr-FR" dirty="0"/>
+              <a:t>© </a:t>
+            </a:r>
+            <a:r>
+              <a:rPr lang="fr-FR" spc="-5" dirty="0"/>
+              <a:t>2020</a:t>
+            </a:r>
+            <a:r>
+              <a:rPr lang="fr-FR" dirty="0"/>
+              <a:t>  </a:t>
+            </a:r>
+            <a:r>
+              <a:rPr lang="fr-FR" spc="95" dirty="0"/>
+              <a:t> </a:t>
+            </a:r>
+            <a:fld id="{81D60167-4931-47E6-BA6A-407CBD079E47}" type="slidenum">
+              <a:rPr smtClean="0">
+                <a:solidFill>
+                  <a:srgbClr val="000000"/>
+                </a:solidFill>
+              </a:rPr>
+              <a:pPr marL="12700">
+                <a:lnSpc>
+                  <a:spcPct val="100000"/>
+                </a:lnSpc>
+              </a:pPr>
+              <a:t>50</a:t>
             </a:fld>
             <a:endParaRPr dirty="0">
               <a:solidFill>
@@ -35672,7 +34841,7 @@
 </p:sld>
 </file>
 
-<file path=ppt/slides/slide52.xml><?xml version="1.0" encoding="utf-8"?>
+<file path=ppt/slides/slide51.xml><?xml version="1.0" encoding="utf-8"?>
 <p:sld xmlns:a="http://schemas.openxmlformats.org/drawingml/2006/main" xmlns:r="http://schemas.openxmlformats.org/officeDocument/2006/relationships" xmlns:p="http://schemas.openxmlformats.org/presentationml/2006/main">
   <p:cSld>
     <p:spTree>
@@ -35916,7 +35085,7 @@
                   <a:spcPct val="100000"/>
                 </a:lnSpc>
               </a:pPr>
-              <a:t>52</a:t>
+              <a:t>51</a:t>
             </a:fld>
             <a:endParaRPr dirty="0">
               <a:solidFill>
@@ -36251,7 +35420,7 @@
 </p:sld>
 </file>
 
-<file path=ppt/slides/slide53.xml><?xml version="1.0" encoding="utf-8"?>
+<file path=ppt/slides/slide52.xml><?xml version="1.0" encoding="utf-8"?>
 <p:sld xmlns:a="http://schemas.openxmlformats.org/drawingml/2006/main" xmlns:r="http://schemas.openxmlformats.org/officeDocument/2006/relationships" xmlns:p="http://schemas.openxmlformats.org/presentationml/2006/main">
   <p:cSld>
     <p:spTree>
@@ -36460,7 +35629,7 @@
                   <a:spcPct val="100000"/>
                 </a:lnSpc>
               </a:pPr>
-              <a:t>53</a:t>
+              <a:t>52</a:t>
             </a:fld>
             <a:endParaRPr dirty="0">
               <a:solidFill>
@@ -37093,7 +36262,7 @@
 </p:sld>
 </file>
 
-<file path=ppt/slides/slide54.xml><?xml version="1.0" encoding="utf-8"?>
+<file path=ppt/slides/slide53.xml><?xml version="1.0" encoding="utf-8"?>
 <p:sld xmlns:a="http://schemas.openxmlformats.org/drawingml/2006/main" xmlns:r="http://schemas.openxmlformats.org/officeDocument/2006/relationships" xmlns:p="http://schemas.openxmlformats.org/presentationml/2006/main">
   <p:cSld>
     <p:spTree>
@@ -37302,7 +36471,7 @@
                   <a:spcPct val="100000"/>
                 </a:lnSpc>
               </a:pPr>
-              <a:t>54</a:t>
+              <a:t>53</a:t>
             </a:fld>
             <a:endParaRPr dirty="0">
               <a:solidFill>
@@ -37807,7 +36976,7 @@
 </p:sld>
 </file>
 
-<file path=ppt/slides/slide55.xml><?xml version="1.0" encoding="utf-8"?>
+<file path=ppt/slides/slide54.xml><?xml version="1.0" encoding="utf-8"?>
 <p:sld xmlns:a="http://schemas.openxmlformats.org/drawingml/2006/main" xmlns:r="http://schemas.openxmlformats.org/officeDocument/2006/relationships" xmlns:p="http://schemas.openxmlformats.org/presentationml/2006/main">
   <p:cSld>
     <p:spTree>
@@ -38018,7 +37187,7 @@
                   <a:spcPct val="100000"/>
                 </a:lnSpc>
               </a:pPr>
-              <a:t>55</a:t>
+              <a:t>54</a:t>
             </a:fld>
             <a:endParaRPr dirty="0">
               <a:solidFill>
@@ -38143,7 +37312,7 @@
 </p:sld>
 </file>
 
-<file path=ppt/slides/slide56.xml><?xml version="1.0" encoding="utf-8"?>
+<file path=ppt/slides/slide55.xml><?xml version="1.0" encoding="utf-8"?>
 <p:sld xmlns:a="http://schemas.openxmlformats.org/drawingml/2006/main" xmlns:r="http://schemas.openxmlformats.org/officeDocument/2006/relationships" xmlns:p="http://schemas.openxmlformats.org/presentationml/2006/main">
   <p:cSld>
     <p:spTree>
@@ -38459,7 +37628,7 @@
                   <a:spcPct val="100000"/>
                 </a:lnSpc>
               </a:pPr>
-              <a:t>56</a:t>
+              <a:t>55</a:t>
             </a:fld>
             <a:endParaRPr dirty="0">
               <a:solidFill>
@@ -38482,7 +37651,7 @@
 </p:sld>
 </file>
 
-<file path=ppt/slides/slide57.xml><?xml version="1.0" encoding="utf-8"?>
+<file path=ppt/slides/slide56.xml><?xml version="1.0" encoding="utf-8"?>
 <p:sld xmlns:a="http://schemas.openxmlformats.org/drawingml/2006/main" xmlns:r="http://schemas.openxmlformats.org/officeDocument/2006/relationships" xmlns:p="http://schemas.openxmlformats.org/presentationml/2006/main">
   <p:cSld>
     <p:spTree>
@@ -38929,7 +38098,7 @@
                   <a:spcPct val="100000"/>
                 </a:lnSpc>
               </a:pPr>
-              <a:t>57</a:t>
+              <a:t>56</a:t>
             </a:fld>
             <a:endParaRPr dirty="0">
               <a:solidFill>
@@ -38999,7 +38168,7 @@
 </p:sld>
 </file>
 
-<file path=ppt/slides/slide58.xml><?xml version="1.0" encoding="utf-8"?>
+<file path=ppt/slides/slide57.xml><?xml version="1.0" encoding="utf-8"?>
 <p:sld xmlns:a="http://schemas.openxmlformats.org/drawingml/2006/main" xmlns:r="http://schemas.openxmlformats.org/officeDocument/2006/relationships" xmlns:p="http://schemas.openxmlformats.org/presentationml/2006/main">
   <p:cSld>
     <p:spTree>
@@ -39256,7 +38425,7 @@
                   <a:spcPct val="100000"/>
                 </a:lnSpc>
               </a:pPr>
-              <a:t>58</a:t>
+              <a:t>57</a:t>
             </a:fld>
             <a:endParaRPr dirty="0">
               <a:solidFill>
@@ -39593,7 +38762,7 @@
 </p:sld>
 </file>
 
-<file path=ppt/slides/slide59.xml><?xml version="1.0" encoding="utf-8"?>
+<file path=ppt/slides/slide58.xml><?xml version="1.0" encoding="utf-8"?>
 <p:sld xmlns:a="http://schemas.openxmlformats.org/drawingml/2006/main" xmlns:r="http://schemas.openxmlformats.org/officeDocument/2006/relationships" xmlns:p="http://schemas.openxmlformats.org/presentationml/2006/main">
   <p:cSld>
     <p:spTree>
@@ -39850,7 +39019,7 @@
                   <a:spcPct val="100000"/>
                 </a:lnSpc>
               </a:pPr>
-              <a:t>59</a:t>
+              <a:t>58</a:t>
             </a:fld>
             <a:endParaRPr dirty="0">
               <a:solidFill>
@@ -40068,37 +39237,41 @@
             </a:r>
             <a:r>
               <a:rPr lang="fr-FR" dirty="0"/>
-              <a:t>)        # </a:t>
-            </a:r>
-            <a:r>
-              <a:rPr lang="fr-FR" dirty="0" err="1"/>
+              <a:t>)        </a:t>
+            </a:r>
+            <a:r>
+              <a:rPr lang="fr-FR" i="1" dirty="0"/>
+              <a:t># </a:t>
+            </a:r>
+            <a:r>
+              <a:rPr lang="fr-FR" i="1" dirty="0" err="1"/>
               <a:t>Sending</a:t>
             </a:r>
             <a:r>
-              <a:rPr lang="fr-FR" dirty="0"/>
+              <a:rPr lang="fr-FR" i="1" dirty="0"/>
               <a:t> an email </a:t>
             </a:r>
             <a:r>
-              <a:rPr lang="fr-FR" dirty="0" err="1"/>
+              <a:rPr lang="fr-FR" i="1" dirty="0" err="1"/>
               <a:t>might</a:t>
             </a:r>
             <a:r>
-              <a:rPr lang="fr-FR" dirty="0"/>
+              <a:rPr lang="fr-FR" i="1" dirty="0"/>
               <a:t> </a:t>
             </a:r>
             <a:r>
-              <a:rPr lang="fr-FR" dirty="0" err="1"/>
+              <a:rPr lang="fr-FR" i="1" dirty="0" err="1"/>
               <a:t>take</a:t>
             </a:r>
             <a:r>
-              <a:rPr lang="fr-FR" dirty="0"/>
+              <a:rPr lang="fr-FR" i="1" dirty="0"/>
               <a:t> a </a:t>
             </a:r>
             <a:r>
-              <a:rPr lang="fr-FR" dirty="0" err="1"/>
+              <a:rPr lang="fr-FR" i="1" dirty="0" err="1"/>
               <a:t>while</a:t>
             </a:r>
-            <a:endParaRPr lang="fr-FR" dirty="0"/>
+            <a:endParaRPr lang="fr-FR" i="1" dirty="0"/>
           </a:p>
           <a:p>
             <a:r>
@@ -40270,6 +39443,690 @@
     <p:extLst>
       <p:ext uri="{BB962C8B-B14F-4D97-AF65-F5344CB8AC3E}">
         <p14:creationId xmlns:p14="http://schemas.microsoft.com/office/powerpoint/2010/main" val="3848957677"/>
+      </p:ext>
+    </p:extLst>
+  </p:cSld>
+  <p:clrMapOvr>
+    <a:masterClrMapping/>
+  </p:clrMapOvr>
+</p:sld>
+</file>
+
+<file path=ppt/slides/slide59.xml><?xml version="1.0" encoding="utf-8"?>
+<p:sld xmlns:a="http://schemas.openxmlformats.org/drawingml/2006/main" xmlns:r="http://schemas.openxmlformats.org/officeDocument/2006/relationships" xmlns:p="http://schemas.openxmlformats.org/presentationml/2006/main">
+  <p:cSld>
+    <p:spTree>
+      <p:nvGrpSpPr>
+        <p:cNvPr id="1" name=""/>
+        <p:cNvGrpSpPr/>
+        <p:nvPr/>
+      </p:nvGrpSpPr>
+      <p:grpSpPr>
+        <a:xfrm>
+          <a:off x="0" y="0"/>
+          <a:ext cx="0" cy="0"/>
+          <a:chOff x="0" y="0"/>
+          <a:chExt cx="0" cy="0"/>
+        </a:xfrm>
+      </p:grpSpPr>
+      <p:sp>
+        <p:nvSpPr>
+          <p:cNvPr id="2" name="object 2"/>
+          <p:cNvSpPr txBox="1"/>
+          <p:nvPr/>
+        </p:nvSpPr>
+        <p:spPr>
+          <a:xfrm>
+            <a:off x="150678" y="216496"/>
+            <a:ext cx="1659255" cy="492443"/>
+          </a:xfrm>
+          <a:prstGeom prst="rect">
+            <a:avLst/>
+          </a:prstGeom>
+        </p:spPr>
+        <p:txBody>
+          <a:bodyPr vert="horz" wrap="square" lIns="0" tIns="0" rIns="0" bIns="0" rtlCol="0">
+            <a:spAutoFit/>
+          </a:bodyPr>
+          <a:lstStyle/>
+          <a:p>
+            <a:pPr marL="12700" marR="5080">
+              <a:lnSpc>
+                <a:spcPct val="100000"/>
+              </a:lnSpc>
+            </a:pPr>
+            <a:r>
+              <a:rPr lang="en-US" sz="1600" spc="-10" dirty="0">
+                <a:solidFill>
+                  <a:srgbClr val="FFFFFF"/>
+                </a:solidFill>
+                <a:latin typeface="Arial"/>
+                <a:cs typeface="Arial"/>
+              </a:rPr>
+              <a:t>Python 3 Beginner</a:t>
+            </a:r>
+            <a:endParaRPr sz="1600" dirty="0">
+              <a:latin typeface="Arial"/>
+              <a:cs typeface="Arial"/>
+            </a:endParaRPr>
+          </a:p>
+        </p:txBody>
+      </p:sp>
+      <p:sp>
+        <p:nvSpPr>
+          <p:cNvPr id="3" name="object 3"/>
+          <p:cNvSpPr txBox="1">
+            <a:spLocks noGrp="1"/>
+          </p:cNvSpPr>
+          <p:nvPr>
+            <p:ph type="title"/>
+          </p:nvPr>
+        </p:nvSpPr>
+        <p:spPr>
+          <a:xfrm>
+            <a:off x="782953" y="378886"/>
+            <a:ext cx="10626093" cy="384721"/>
+          </a:xfrm>
+          <a:prstGeom prst="rect">
+            <a:avLst/>
+          </a:prstGeom>
+        </p:spPr>
+        <p:txBody>
+          <a:bodyPr vert="horz" wrap="square" lIns="0" tIns="0" rIns="0" bIns="0" rtlCol="0">
+            <a:spAutoFit/>
+          </a:bodyPr>
+          <a:lstStyle/>
+          <a:p>
+            <a:pPr marL="1564640">
+              <a:lnSpc>
+                <a:spcPct val="100000"/>
+              </a:lnSpc>
+            </a:pPr>
+            <a:r>
+              <a:rPr lang="en-US" spc="-15" dirty="0">
+                <a:latin typeface="Arial" panose="020B0604020202020204" pitchFamily="34" charset="0"/>
+                <a:cs typeface="Arial" panose="020B0604020202020204" pitchFamily="34" charset="0"/>
+              </a:rPr>
+              <a:t>Loop </a:t>
+            </a:r>
+            <a:r>
+              <a:rPr lang="en-US" spc="-15" dirty="0">
+                <a:latin typeface="Consolas" panose="020B0609020204030204" pitchFamily="49" charset="0"/>
+                <a:cs typeface="Consolas" panose="020B0609020204030204" pitchFamily="49" charset="0"/>
+              </a:rPr>
+              <a:t>else</a:t>
+            </a:r>
+            <a:r>
+              <a:rPr lang="en-US" spc="-15" dirty="0">
+                <a:latin typeface="Arial" panose="020B0604020202020204" pitchFamily="34" charset="0"/>
+                <a:cs typeface="Arial" panose="020B0604020202020204" pitchFamily="34" charset="0"/>
+              </a:rPr>
+              <a:t> clause</a:t>
+            </a:r>
+            <a:endParaRPr spc="-15" dirty="0">
+              <a:latin typeface="Arial" panose="020B0604020202020204" pitchFamily="34" charset="0"/>
+              <a:cs typeface="Arial" panose="020B0604020202020204" pitchFamily="34" charset="0"/>
+            </a:endParaRPr>
+          </a:p>
+        </p:txBody>
+      </p:sp>
+      <p:sp>
+        <p:nvSpPr>
+          <p:cNvPr id="4" name="object 4"/>
+          <p:cNvSpPr txBox="1">
+            <a:spLocks noGrp="1"/>
+          </p:cNvSpPr>
+          <p:nvPr>
+            <p:ph type="body" idx="1"/>
+          </p:nvPr>
+        </p:nvSpPr>
+        <p:spPr>
+          <a:xfrm>
+            <a:off x="693418" y="1287703"/>
+            <a:ext cx="10805163" cy="1048620"/>
+          </a:xfrm>
+          <a:prstGeom prst="rect">
+            <a:avLst/>
+          </a:prstGeom>
+        </p:spPr>
+        <p:txBody>
+          <a:bodyPr vert="horz" wrap="square" lIns="0" tIns="0" rIns="0" bIns="0" rtlCol="0">
+            <a:spAutoFit/>
+          </a:bodyPr>
+          <a:lstStyle/>
+          <a:p>
+            <a:pPr marL="2044700" marR="5080" indent="-390525">
+              <a:lnSpc>
+                <a:spcPct val="150000"/>
+              </a:lnSpc>
+              <a:spcBef>
+                <a:spcPts val="805"/>
+              </a:spcBef>
+              <a:buFont typeface="Zapf Dingbats"/>
+              <a:buChar char="➠"/>
+            </a:pPr>
+            <a:r>
+              <a:rPr lang="en" sz="2400" dirty="0">
+                <a:latin typeface="Arial" panose="020B0604020202020204" pitchFamily="34" charset="0"/>
+                <a:cs typeface="Arial" panose="020B0604020202020204" pitchFamily="34" charset="0"/>
+              </a:rPr>
+              <a:t>Loops can have an </a:t>
+            </a:r>
+            <a:r>
+              <a:rPr lang="en" sz="2400" dirty="0">
+                <a:latin typeface="Consolas" panose="020B0609020204030204" pitchFamily="49" charset="0"/>
+                <a:cs typeface="Consolas" panose="020B0609020204030204" pitchFamily="49" charset="0"/>
+              </a:rPr>
+              <a:t>else</a:t>
+            </a:r>
+            <a:r>
+              <a:rPr lang="en" sz="2400" dirty="0">
+                <a:latin typeface="Arial" panose="020B0604020202020204" pitchFamily="34" charset="0"/>
+                <a:cs typeface="Arial" panose="020B0604020202020204" pitchFamily="34" charset="0"/>
+              </a:rPr>
+              <a:t> clause that is executed if the loop exits without </a:t>
+            </a:r>
+            <a:r>
+              <a:rPr lang="en" sz="2400" dirty="0">
+                <a:latin typeface="Consolas" panose="020B0609020204030204" pitchFamily="49" charset="0"/>
+                <a:cs typeface="Consolas" panose="020B0609020204030204" pitchFamily="49" charset="0"/>
+              </a:rPr>
+              <a:t>break</a:t>
+            </a:r>
+            <a:r>
+              <a:rPr lang="en" sz="2400" dirty="0">
+                <a:latin typeface="Arial" panose="020B0604020202020204" pitchFamily="34" charset="0"/>
+                <a:cs typeface="Arial" panose="020B0604020202020204" pitchFamily="34" charset="0"/>
+              </a:rPr>
+              <a:t>ing</a:t>
+            </a:r>
+          </a:p>
+        </p:txBody>
+      </p:sp>
+      <p:sp>
+        <p:nvSpPr>
+          <p:cNvPr id="7" name="Holder 6">
+            <a:extLst>
+              <a:ext uri="{FF2B5EF4-FFF2-40B4-BE49-F238E27FC236}">
+                <a16:creationId xmlns:a16="http://schemas.microsoft.com/office/drawing/2014/main" id="{278BF67D-BD17-4CD4-9C6F-CA2F6A282BE9}"/>
+              </a:ext>
+            </a:extLst>
+          </p:cNvPr>
+          <p:cNvSpPr>
+            <a:spLocks noGrp="1"/>
+          </p:cNvSpPr>
+          <p:nvPr>
+            <p:ph type="sldNum" sz="quarter" idx="7"/>
+          </p:nvPr>
+        </p:nvSpPr>
+        <p:spPr>
+          <a:xfrm>
+            <a:off x="10363205" y="6629400"/>
+            <a:ext cx="1573026" cy="123111"/>
+          </a:xfrm>
+          <a:prstGeom prst="rect">
+            <a:avLst/>
+          </a:prstGeom>
+        </p:spPr>
+        <p:txBody>
+          <a:bodyPr wrap="square" lIns="0" tIns="0" rIns="0" bIns="0">
+            <a:spAutoFit/>
+          </a:bodyPr>
+          <a:lstStyle>
+            <a:lvl1pPr>
+              <a:defRPr sz="800" b="0" i="0">
+                <a:solidFill>
+                  <a:srgbClr val="A4A4A4"/>
+                </a:solidFill>
+                <a:latin typeface="Arial"/>
+                <a:cs typeface="Arial"/>
+              </a:defRPr>
+            </a:lvl1pPr>
+          </a:lstStyle>
+          <a:p>
+            <a:pPr marL="12700">
+              <a:lnSpc>
+                <a:spcPct val="100000"/>
+              </a:lnSpc>
+            </a:pPr>
+            <a:r>
+              <a:rPr lang="fr-FR" spc="-5" dirty="0"/>
+              <a:t>Cop</a:t>
+            </a:r>
+            <a:r>
+              <a:rPr lang="fr-FR" spc="-10" dirty="0"/>
+              <a:t>y</a:t>
+            </a:r>
+            <a:r>
+              <a:rPr lang="fr-FR" spc="-5" dirty="0"/>
+              <a:t>r</a:t>
+            </a:r>
+            <a:r>
+              <a:rPr lang="fr-FR" dirty="0"/>
+              <a:t>ig</a:t>
+            </a:r>
+            <a:r>
+              <a:rPr lang="fr-FR" spc="-5" dirty="0"/>
+              <a:t>h</a:t>
+            </a:r>
+            <a:r>
+              <a:rPr lang="fr-FR" dirty="0"/>
+              <a:t>t</a:t>
+            </a:r>
+            <a:r>
+              <a:rPr lang="fr-FR" spc="20" dirty="0"/>
+              <a:t> </a:t>
+            </a:r>
+            <a:r>
+              <a:rPr lang="fr-FR" dirty="0"/>
+              <a:t>© </a:t>
+            </a:r>
+            <a:r>
+              <a:rPr lang="fr-FR" spc="-5" dirty="0"/>
+              <a:t>2020</a:t>
+            </a:r>
+            <a:r>
+              <a:rPr lang="fr-FR" dirty="0"/>
+              <a:t>  </a:t>
+            </a:r>
+            <a:r>
+              <a:rPr lang="fr-FR" spc="95" dirty="0"/>
+              <a:t> </a:t>
+            </a:r>
+            <a:fld id="{81D60167-4931-47E6-BA6A-407CBD079E47}" type="slidenum">
+              <a:rPr smtClean="0">
+                <a:solidFill>
+                  <a:srgbClr val="000000"/>
+                </a:solidFill>
+              </a:rPr>
+              <a:pPr marL="12700">
+                <a:lnSpc>
+                  <a:spcPct val="100000"/>
+                </a:lnSpc>
+              </a:pPr>
+              <a:t>59</a:t>
+            </a:fld>
+            <a:endParaRPr dirty="0">
+              <a:solidFill>
+                <a:srgbClr val="000000"/>
+              </a:solidFill>
+            </a:endParaRPr>
+          </a:p>
+        </p:txBody>
+      </p:sp>
+      <p:sp>
+        <p:nvSpPr>
+          <p:cNvPr id="11" name="Text Placeholder 5">
+            <a:extLst>
+              <a:ext uri="{FF2B5EF4-FFF2-40B4-BE49-F238E27FC236}">
+                <a16:creationId xmlns:a16="http://schemas.microsoft.com/office/drawing/2014/main" id="{19FB9B5C-1737-0843-B3C9-F51749AEEC52}"/>
+              </a:ext>
+            </a:extLst>
+          </p:cNvPr>
+          <p:cNvSpPr>
+            <a:spLocks noGrp="1"/>
+          </p:cNvSpPr>
+          <p:nvPr/>
+        </p:nvSpPr>
+        <p:spPr>
+          <a:xfrm>
+            <a:off x="2362200" y="2514600"/>
+            <a:ext cx="9046846" cy="1905000"/>
+          </a:xfrm>
+          <a:prstGeom prst="rect">
+            <a:avLst/>
+          </a:prstGeom>
+          <a:solidFill>
+            <a:srgbClr val="EEF3F9"/>
+          </a:solidFill>
+          <a:ln w="12700">
+            <a:solidFill>
+              <a:srgbClr val="BBD2EE"/>
+            </a:solidFill>
+          </a:ln>
+          <a:effectLst>
+            <a:outerShdw blurRad="50800" dist="12700" dir="5400000" algn="t" rotWithShape="0">
+              <a:prstClr val="black">
+                <a:alpha val="20000"/>
+              </a:prstClr>
+            </a:outerShdw>
+          </a:effectLst>
+        </p:spPr>
+        <p:txBody>
+          <a:bodyPr wrap="square" lIns="144000" tIns="144000" rIns="144000" bIns="144000">
+            <a:noAutofit/>
+          </a:bodyPr>
+          <a:lstStyle>
+            <a:lvl1pPr marL="0">
+              <a:defRPr sz="1800" b="0" i="0">
+                <a:solidFill>
+                  <a:schemeClr val="tx1"/>
+                </a:solidFill>
+                <a:latin typeface="Consolas" panose="020B0609020204030204" pitchFamily="49" charset="0"/>
+                <a:ea typeface="+mn-ea"/>
+                <a:cs typeface="Consolas" panose="020B0609020204030204" pitchFamily="49" charset="0"/>
+              </a:defRPr>
+            </a:lvl1pPr>
+            <a:lvl2pPr marL="457200">
+              <a:defRPr>
+                <a:latin typeface="+mn-lt"/>
+                <a:ea typeface="+mn-ea"/>
+                <a:cs typeface="+mn-cs"/>
+              </a:defRPr>
+            </a:lvl2pPr>
+            <a:lvl3pPr marL="914400">
+              <a:defRPr>
+                <a:latin typeface="+mn-lt"/>
+                <a:ea typeface="+mn-ea"/>
+                <a:cs typeface="+mn-cs"/>
+              </a:defRPr>
+            </a:lvl3pPr>
+            <a:lvl4pPr marL="1371600">
+              <a:defRPr>
+                <a:latin typeface="+mn-lt"/>
+                <a:ea typeface="+mn-ea"/>
+                <a:cs typeface="+mn-cs"/>
+              </a:defRPr>
+            </a:lvl4pPr>
+            <a:lvl5pPr marL="1828800">
+              <a:defRPr>
+                <a:latin typeface="+mn-lt"/>
+                <a:ea typeface="+mn-ea"/>
+                <a:cs typeface="+mn-cs"/>
+              </a:defRPr>
+            </a:lvl5pPr>
+            <a:lvl6pPr marL="2286000">
+              <a:defRPr>
+                <a:latin typeface="+mn-lt"/>
+                <a:ea typeface="+mn-ea"/>
+                <a:cs typeface="+mn-cs"/>
+              </a:defRPr>
+            </a:lvl6pPr>
+            <a:lvl7pPr marL="2743200">
+              <a:defRPr>
+                <a:latin typeface="+mn-lt"/>
+                <a:ea typeface="+mn-ea"/>
+                <a:cs typeface="+mn-cs"/>
+              </a:defRPr>
+            </a:lvl7pPr>
+            <a:lvl8pPr marL="3200400">
+              <a:defRPr>
+                <a:latin typeface="+mn-lt"/>
+                <a:ea typeface="+mn-ea"/>
+                <a:cs typeface="+mn-cs"/>
+              </a:defRPr>
+            </a:lvl8pPr>
+            <a:lvl9pPr marL="3657600">
+              <a:defRPr>
+                <a:latin typeface="+mn-lt"/>
+                <a:ea typeface="+mn-ea"/>
+                <a:cs typeface="+mn-cs"/>
+              </a:defRPr>
+            </a:lvl9pPr>
+          </a:lstStyle>
+          <a:p>
+            <a:r>
+              <a:rPr lang="fr-FR" dirty="0"/>
+              <a:t>for n in [0, 2, 4, 5, 6]:</a:t>
+            </a:r>
+          </a:p>
+          <a:p>
+            <a:r>
+              <a:rPr lang="fr-FR" dirty="0"/>
+              <a:t>  if (n % 2) != 0:</a:t>
+            </a:r>
+          </a:p>
+          <a:p>
+            <a:r>
+              <a:rPr lang="fr-FR" dirty="0"/>
+              <a:t>    break</a:t>
+            </a:r>
+          </a:p>
+          <a:p>
+            <a:r>
+              <a:rPr lang="fr-FR" dirty="0"/>
+              <a:t>  </a:t>
+            </a:r>
+            <a:r>
+              <a:rPr lang="fr-FR" dirty="0" err="1"/>
+              <a:t>print</a:t>
+            </a:r>
+            <a:r>
+              <a:rPr lang="fr-FR" dirty="0"/>
+              <a:t>(f'{n} </a:t>
+            </a:r>
+            <a:r>
+              <a:rPr lang="fr-FR" dirty="0" err="1"/>
+              <a:t>is</a:t>
+            </a:r>
+            <a:r>
+              <a:rPr lang="fr-FR" dirty="0"/>
+              <a:t> </a:t>
+            </a:r>
+            <a:r>
+              <a:rPr lang="fr-FR" dirty="0" err="1"/>
+              <a:t>even</a:t>
+            </a:r>
+            <a:r>
+              <a:rPr lang="fr-FR" dirty="0"/>
+              <a:t>')</a:t>
+            </a:r>
+          </a:p>
+          <a:p>
+            <a:r>
+              <a:rPr lang="fr-FR" dirty="0" err="1"/>
+              <a:t>else</a:t>
+            </a:r>
+            <a:r>
+              <a:rPr lang="fr-FR" dirty="0"/>
+              <a:t>:</a:t>
+            </a:r>
+          </a:p>
+          <a:p>
+            <a:r>
+              <a:rPr lang="fr-FR" dirty="0"/>
+              <a:t>  </a:t>
+            </a:r>
+            <a:r>
+              <a:rPr lang="fr-FR" dirty="0" err="1"/>
+              <a:t>print</a:t>
+            </a:r>
+            <a:r>
+              <a:rPr lang="fr-FR" dirty="0"/>
+              <a:t>('All </a:t>
+            </a:r>
+            <a:r>
+              <a:rPr lang="fr-FR" dirty="0" err="1"/>
+              <a:t>numbers</a:t>
+            </a:r>
+            <a:r>
+              <a:rPr lang="fr-FR" dirty="0"/>
+              <a:t> are </a:t>
+            </a:r>
+            <a:r>
+              <a:rPr lang="fr-FR" dirty="0" err="1"/>
+              <a:t>even</a:t>
+            </a:r>
+            <a:r>
+              <a:rPr lang="fr-FR" dirty="0"/>
+              <a:t>')</a:t>
+            </a:r>
+          </a:p>
+        </p:txBody>
+      </p:sp>
+      <p:sp>
+        <p:nvSpPr>
+          <p:cNvPr id="12" name="Text Placeholder 6">
+            <a:extLst>
+              <a:ext uri="{FF2B5EF4-FFF2-40B4-BE49-F238E27FC236}">
+                <a16:creationId xmlns:a16="http://schemas.microsoft.com/office/drawing/2014/main" id="{A7413307-0BD1-6247-B8C0-7E07F740BCBD}"/>
+              </a:ext>
+            </a:extLst>
+          </p:cNvPr>
+          <p:cNvSpPr>
+            <a:spLocks noGrp="1"/>
+          </p:cNvSpPr>
+          <p:nvPr/>
+        </p:nvSpPr>
+        <p:spPr>
+          <a:xfrm>
+            <a:off x="2362200" y="4563399"/>
+            <a:ext cx="9046846" cy="1608801"/>
+          </a:xfrm>
+          <a:prstGeom prst="rect">
+            <a:avLst/>
+          </a:prstGeom>
+          <a:solidFill>
+            <a:srgbClr val="F9F8DF"/>
+          </a:solidFill>
+          <a:ln w="12700">
+            <a:solidFill>
+              <a:srgbClr val="F1ED86"/>
+            </a:solidFill>
+          </a:ln>
+          <a:effectLst>
+            <a:outerShdw blurRad="50800" dist="12700" dir="5400000" algn="t" rotWithShape="0">
+              <a:prstClr val="black">
+                <a:alpha val="20000"/>
+              </a:prstClr>
+            </a:outerShdw>
+          </a:effectLst>
+        </p:spPr>
+        <p:txBody>
+          <a:bodyPr wrap="square" lIns="144000" tIns="144000" rIns="144000" bIns="144000">
+            <a:noAutofit/>
+          </a:bodyPr>
+          <a:lstStyle>
+            <a:lvl1pPr marL="0">
+              <a:defRPr sz="1800" b="0" i="0">
+                <a:solidFill>
+                  <a:schemeClr val="tx1"/>
+                </a:solidFill>
+                <a:latin typeface="Consolas" panose="020B0609020204030204" pitchFamily="49" charset="0"/>
+                <a:ea typeface="+mn-ea"/>
+                <a:cs typeface="Consolas" panose="020B0609020204030204" pitchFamily="49" charset="0"/>
+              </a:defRPr>
+            </a:lvl1pPr>
+            <a:lvl2pPr marL="457200">
+              <a:defRPr>
+                <a:latin typeface="+mn-lt"/>
+                <a:ea typeface="+mn-ea"/>
+                <a:cs typeface="+mn-cs"/>
+              </a:defRPr>
+            </a:lvl2pPr>
+            <a:lvl3pPr marL="914400">
+              <a:defRPr>
+                <a:latin typeface="+mn-lt"/>
+                <a:ea typeface="+mn-ea"/>
+                <a:cs typeface="+mn-cs"/>
+              </a:defRPr>
+            </a:lvl3pPr>
+            <a:lvl4pPr marL="1371600">
+              <a:defRPr>
+                <a:latin typeface="+mn-lt"/>
+                <a:ea typeface="+mn-ea"/>
+                <a:cs typeface="+mn-cs"/>
+              </a:defRPr>
+            </a:lvl4pPr>
+            <a:lvl5pPr marL="1828800">
+              <a:defRPr>
+                <a:latin typeface="+mn-lt"/>
+                <a:ea typeface="+mn-ea"/>
+                <a:cs typeface="+mn-cs"/>
+              </a:defRPr>
+            </a:lvl5pPr>
+            <a:lvl6pPr marL="2286000">
+              <a:defRPr>
+                <a:latin typeface="+mn-lt"/>
+                <a:ea typeface="+mn-ea"/>
+                <a:cs typeface="+mn-cs"/>
+              </a:defRPr>
+            </a:lvl6pPr>
+            <a:lvl7pPr marL="2743200">
+              <a:defRPr>
+                <a:latin typeface="+mn-lt"/>
+                <a:ea typeface="+mn-ea"/>
+                <a:cs typeface="+mn-cs"/>
+              </a:defRPr>
+            </a:lvl7pPr>
+            <a:lvl8pPr marL="3200400">
+              <a:defRPr>
+                <a:latin typeface="+mn-lt"/>
+                <a:ea typeface="+mn-ea"/>
+                <a:cs typeface="+mn-cs"/>
+              </a:defRPr>
+            </a:lvl8pPr>
+            <a:lvl9pPr marL="3657600">
+              <a:defRPr>
+                <a:latin typeface="+mn-lt"/>
+                <a:ea typeface="+mn-ea"/>
+                <a:cs typeface="+mn-cs"/>
+              </a:defRPr>
+            </a:lvl9pPr>
+          </a:lstStyle>
+          <a:p>
+            <a:r>
+              <a:rPr lang="fr-FR" dirty="0"/>
+              <a:t>0 </a:t>
+            </a:r>
+            <a:r>
+              <a:rPr lang="fr-FR" dirty="0" err="1"/>
+              <a:t>is</a:t>
+            </a:r>
+            <a:r>
+              <a:rPr lang="fr-FR" dirty="0"/>
+              <a:t> </a:t>
+            </a:r>
+            <a:r>
+              <a:rPr lang="fr-FR" dirty="0" err="1"/>
+              <a:t>even</a:t>
+            </a:r>
+            <a:endParaRPr lang="fr-FR" dirty="0"/>
+          </a:p>
+          <a:p>
+            <a:r>
+              <a:rPr lang="fr-FR" dirty="0"/>
+              <a:t>2 </a:t>
+            </a:r>
+            <a:r>
+              <a:rPr lang="fr-FR" dirty="0" err="1"/>
+              <a:t>is</a:t>
+            </a:r>
+            <a:r>
+              <a:rPr lang="fr-FR" dirty="0"/>
+              <a:t> </a:t>
+            </a:r>
+            <a:r>
+              <a:rPr lang="fr-FR" dirty="0" err="1"/>
+              <a:t>even</a:t>
+            </a:r>
+            <a:endParaRPr lang="fr-FR" dirty="0"/>
+          </a:p>
+          <a:p>
+            <a:r>
+              <a:rPr lang="fr-FR" dirty="0"/>
+              <a:t>4 </a:t>
+            </a:r>
+            <a:r>
+              <a:rPr lang="fr-FR" dirty="0" err="1"/>
+              <a:t>is</a:t>
+            </a:r>
+            <a:r>
+              <a:rPr lang="fr-FR" dirty="0"/>
+              <a:t> </a:t>
+            </a:r>
+            <a:r>
+              <a:rPr lang="fr-FR" dirty="0" err="1"/>
+              <a:t>even</a:t>
+            </a:r>
+            <a:endParaRPr lang="fr-FR" dirty="0"/>
+          </a:p>
+        </p:txBody>
+      </p:sp>
+    </p:spTree>
+    <p:extLst>
+      <p:ext uri="{BB962C8B-B14F-4D97-AF65-F5344CB8AC3E}">
+        <p14:creationId xmlns:p14="http://schemas.microsoft.com/office/powerpoint/2010/main" val="2678531467"/>
       </p:ext>
     </p:extLst>
   </p:cSld>
@@ -44369,7 +44226,7 @@
                 <a:latin typeface="Arial" panose="020B0604020202020204" pitchFamily="34" charset="0"/>
                 <a:cs typeface="Arial" panose="020B0604020202020204" pitchFamily="34" charset="0"/>
               </a:rPr>
-              <a:t>"Short-circuiting" a loop</a:t>
+              <a:t>Iterating over value and index</a:t>
             </a:r>
             <a:endParaRPr spc="-15" dirty="0">
               <a:latin typeface="Arial" panose="020B0604020202020204" pitchFamily="34" charset="0"/>
@@ -44391,7 +44248,7 @@
         <p:spPr>
           <a:xfrm>
             <a:off x="693418" y="1287703"/>
-            <a:ext cx="10805163" cy="494687"/>
+            <a:ext cx="10805163" cy="1039515"/>
           </a:xfrm>
           <a:prstGeom prst="rect">
             <a:avLst/>
@@ -44415,50 +44272,11 @@
             </a:pPr>
             <a:r>
               <a:rPr lang="en" sz="2400" dirty="0">
-                <a:latin typeface="Consolas" panose="020B0609020204030204" pitchFamily="49" charset="0"/>
-                <a:cs typeface="Consolas" panose="020B0609020204030204" pitchFamily="49" charset="0"/>
-              </a:rPr>
-              <a:t>break</a:t>
-            </a:r>
-            <a:r>
-              <a:rPr lang="en" sz="2400" dirty="0">
                 <a:latin typeface="Arial" panose="020B0604020202020204" pitchFamily="34" charset="0"/>
                 <a:cs typeface="Arial" panose="020B0604020202020204" pitchFamily="34" charset="0"/>
               </a:rPr>
-              <a:t> and </a:t>
-            </a:r>
-            <a:r>
-              <a:rPr lang="en" sz="2400" dirty="0">
-                <a:latin typeface="Consolas" panose="020B0609020204030204" pitchFamily="49" charset="0"/>
-                <a:cs typeface="Consolas" panose="020B0609020204030204" pitchFamily="49" charset="0"/>
-              </a:rPr>
-              <a:t>continue</a:t>
-            </a:r>
-            <a:r>
-              <a:rPr lang="en" sz="2400" dirty="0">
-                <a:latin typeface="Arial" panose="020B0604020202020204" pitchFamily="34" charset="0"/>
-                <a:cs typeface="Arial" panose="020B0604020202020204" pitchFamily="34" charset="0"/>
-              </a:rPr>
-              <a:t> also work with </a:t>
-            </a:r>
-            <a:r>
-              <a:rPr lang="en" sz="2400" dirty="0">
-                <a:latin typeface="Consolas" panose="020B0609020204030204" pitchFamily="49" charset="0"/>
-                <a:cs typeface="Consolas" panose="020B0609020204030204" pitchFamily="49" charset="0"/>
-              </a:rPr>
-              <a:t>while</a:t>
-            </a:r>
-            <a:r>
-              <a:rPr lang="en" sz="2400" dirty="0">
-                <a:latin typeface="Arial" panose="020B0604020202020204" pitchFamily="34" charset="0"/>
-                <a:cs typeface="Arial" panose="020B0604020202020204" pitchFamily="34" charset="0"/>
-              </a:rPr>
-              <a:t> loops</a:t>
-            </a:r>
-            <a:endParaRPr lang="en" sz="2400" dirty="0">
-              <a:latin typeface="Consolas" panose="020B0609020204030204" pitchFamily="49" charset="0"/>
-              <a:cs typeface="Consolas" panose="020B0609020204030204" pitchFamily="49" charset="0"/>
-            </a:endParaRPr>
+              <a:t>Often, we need to iterate over a list while keeping track of the index</a:t>
+            </a:r>
           </a:p>
         </p:txBody>
       </p:sp>
@@ -44589,8 +44407,8 @@
         </p:nvSpPr>
         <p:spPr>
           <a:xfrm>
-            <a:off x="2362200" y="2078589"/>
-            <a:ext cx="9046846" cy="2188611"/>
+            <a:off x="2362200" y="2514600"/>
+            <a:ext cx="9046846" cy="1905000"/>
           </a:xfrm>
           <a:prstGeom prst="rect">
             <a:avLst/>
@@ -44685,91 +44503,32 @@
           </a:lstStyle>
           <a:p>
             <a:r>
+              <a:rPr lang="fr-FR" dirty="0"/>
+              <a:t>l = [0, 4, 25]</a:t>
+            </a:r>
+          </a:p>
+          <a:p>
+            <a:r>
+              <a:rPr lang="fr-FR" dirty="0"/>
+              <a:t>for i in range(</a:t>
+            </a:r>
+            <a:r>
               <a:rPr lang="fr-FR" dirty="0" err="1"/>
-              <a:t>addr_list</a:t>
+              <a:t>len</a:t>
             </a:r>
             <a:r>
               <a:rPr lang="fr-FR" dirty="0"/>
-              <a:t> = ['</a:t>
+              <a:t>(l)):</a:t>
+            </a:r>
+          </a:p>
+          <a:p>
+            <a:r>
+              <a:rPr lang="fr-FR" dirty="0"/>
+              <a:t>  </a:t>
             </a:r>
             <a:r>
               <a:rPr lang="fr-FR" dirty="0" err="1"/>
-              <a:t>charles@cstar.io</a:t>
-            </a:r>
-            <a:r>
-              <a:rPr lang="fr-FR" dirty="0"/>
-              <a:t>', '</a:t>
-            </a:r>
-            <a:r>
-              <a:rPr lang="fr-FR" dirty="0" err="1"/>
-              <a:t>tim.apple.com</a:t>
-            </a:r>
-            <a:r>
-              <a:rPr lang="fr-FR" dirty="0"/>
-              <a:t>', '</a:t>
-            </a:r>
-            <a:r>
-              <a:rPr lang="fr-FR" dirty="0" err="1"/>
-              <a:t>guido@python.org</a:t>
-            </a:r>
-            <a:r>
-              <a:rPr lang="fr-FR" dirty="0"/>
-              <a:t>']</a:t>
-            </a:r>
-          </a:p>
-          <a:p>
-            <a:endParaRPr lang="fr-FR" dirty="0"/>
-          </a:p>
-          <a:p>
-            <a:r>
-              <a:rPr lang="fr-FR" dirty="0"/>
-              <a:t>for </a:t>
-            </a:r>
-            <a:r>
-              <a:rPr lang="fr-FR" dirty="0" err="1"/>
-              <a:t>addr</a:t>
-            </a:r>
-            <a:r>
-              <a:rPr lang="fr-FR" dirty="0"/>
-              <a:t> in </a:t>
-            </a:r>
-            <a:r>
-              <a:rPr lang="fr-FR" dirty="0" err="1"/>
-              <a:t>addr_list</a:t>
-            </a:r>
-            <a:r>
-              <a:rPr lang="fr-FR" dirty="0"/>
-              <a:t>:</a:t>
-            </a:r>
-          </a:p>
-          <a:p>
-            <a:r>
-              <a:rPr lang="fr-FR" dirty="0"/>
-              <a:t>    if '@' not in </a:t>
-            </a:r>
-            <a:r>
-              <a:rPr lang="fr-FR" dirty="0" err="1"/>
-              <a:t>addr</a:t>
-            </a:r>
-            <a:r>
-              <a:rPr lang="fr-FR" dirty="0"/>
-              <a:t>:</a:t>
-            </a:r>
-          </a:p>
-          <a:p>
-            <a:r>
-              <a:rPr lang="fr-FR" dirty="0"/>
-              <a:t>        continue</a:t>
-            </a:r>
-          </a:p>
-          <a:p>
-            <a:r>
-              <a:rPr lang="fr-FR" dirty="0"/>
-              <a:t>    </a:t>
-            </a:r>
-            <a:r>
-              <a:rPr lang="fr-FR" dirty="0" err="1"/>
-              <a:t>send_email</a:t>
+              <a:t>print</a:t>
             </a:r>
             <a:r>
               <a:rPr lang="fr-FR" dirty="0"/>
@@ -44777,70 +44536,19 @@
             </a:r>
             <a:r>
               <a:rPr lang="fr-FR" dirty="0" err="1"/>
-              <a:t>addr</a:t>
+              <a:t>f'Item</a:t>
             </a:r>
             <a:r>
               <a:rPr lang="fr-FR" dirty="0"/>
-              <a:t>)        # </a:t>
+              <a:t> at position {i} </a:t>
             </a:r>
             <a:r>
               <a:rPr lang="fr-FR" dirty="0" err="1"/>
-              <a:t>Sending</a:t>
+              <a:t>is</a:t>
             </a:r>
             <a:r>
               <a:rPr lang="fr-FR" dirty="0"/>
-              <a:t> an email </a:t>
-            </a:r>
-            <a:r>
-              <a:rPr lang="fr-FR" dirty="0" err="1"/>
-              <a:t>might</a:t>
-            </a:r>
-            <a:r>
-              <a:rPr lang="fr-FR" dirty="0"/>
-              <a:t> </a:t>
-            </a:r>
-            <a:r>
-              <a:rPr lang="fr-FR" dirty="0" err="1"/>
-              <a:t>take</a:t>
-            </a:r>
-            <a:r>
-              <a:rPr lang="fr-FR" dirty="0"/>
-              <a:t> a </a:t>
-            </a:r>
-            <a:r>
-              <a:rPr lang="fr-FR" dirty="0" err="1"/>
-              <a:t>while</a:t>
-            </a:r>
-            <a:endParaRPr lang="fr-FR" dirty="0"/>
-          </a:p>
-          <a:p>
-            <a:r>
-              <a:rPr lang="fr-FR" dirty="0"/>
-              <a:t>    </a:t>
-            </a:r>
-            <a:r>
-              <a:rPr lang="fr-FR" dirty="0" err="1"/>
-              <a:t>print</a:t>
-            </a:r>
-            <a:r>
-              <a:rPr lang="fr-FR" dirty="0"/>
-              <a:t>(</a:t>
-            </a:r>
-            <a:r>
-              <a:rPr lang="fr-FR" dirty="0" err="1"/>
-              <a:t>f'E</a:t>
-            </a:r>
-            <a:r>
-              <a:rPr lang="fr-FR" dirty="0"/>
-              <a:t>-mail sent to {</a:t>
-            </a:r>
-            <a:r>
-              <a:rPr lang="fr-FR" dirty="0" err="1"/>
-              <a:t>addr</a:t>
-            </a:r>
-            <a:r>
-              <a:rPr lang="fr-FR" dirty="0"/>
-              <a:t>}')</a:t>
+              <a:t> {l[i]}')</a:t>
             </a:r>
           </a:p>
         </p:txBody>
@@ -44957,23 +44665,20 @@
           </a:lstStyle>
           <a:p>
             <a:r>
-              <a:rPr lang="fr-FR" dirty="0"/>
-              <a:t>E-mail sent to </a:t>
-            </a:r>
-            <a:r>
-              <a:rPr lang="fr-FR" dirty="0" err="1"/>
-              <a:t>charles@cstar.io</a:t>
-            </a:r>
-            <a:endParaRPr lang="fr-FR" dirty="0"/>
-          </a:p>
-          <a:p>
-            <a:r>
-              <a:rPr lang="fr-FR" dirty="0"/>
-              <a:t>E-mail sent to </a:t>
-            </a:r>
-            <a:r>
-              <a:rPr lang="fr-FR" dirty="0" err="1"/>
-              <a:t>guido@python.org</a:t>
+              <a:rPr lang="en" dirty="0"/>
+              <a:t>Item at position 0 is 0</a:t>
+            </a:r>
+          </a:p>
+          <a:p>
+            <a:r>
+              <a:rPr lang="en" dirty="0"/>
+              <a:t>Item at position 1 is 4</a:t>
+            </a:r>
+          </a:p>
+          <a:p>
+            <a:r>
+              <a:rPr lang="en" dirty="0"/>
+              <a:t>Item at position 2 is 25</a:t>
             </a:r>
             <a:endParaRPr lang="fr-FR" dirty="0"/>
           </a:p>
@@ -44982,7 +44687,7 @@
     </p:spTree>
     <p:extLst>
       <p:ext uri="{BB962C8B-B14F-4D97-AF65-F5344CB8AC3E}">
-        <p14:creationId xmlns:p14="http://schemas.microsoft.com/office/powerpoint/2010/main" val="1312279088"/>
+        <p14:creationId xmlns:p14="http://schemas.microsoft.com/office/powerpoint/2010/main" val="1925715086"/>
       </p:ext>
     </p:extLst>
   </p:cSld>
@@ -45087,21 +44792,7 @@
                 <a:latin typeface="Arial" panose="020B0604020202020204" pitchFamily="34" charset="0"/>
                 <a:cs typeface="Arial" panose="020B0604020202020204" pitchFamily="34" charset="0"/>
               </a:rPr>
-              <a:t>Loop </a:t>
-            </a:r>
-            <a:r>
-              <a:rPr lang="en-US" spc="-15" dirty="0">
-                <a:latin typeface="Consolas" panose="020B0609020204030204" pitchFamily="49" charset="0"/>
-                <a:cs typeface="Consolas" panose="020B0609020204030204" pitchFamily="49" charset="0"/>
-              </a:rPr>
-              <a:t>else</a:t>
-            </a:r>
-            <a:r>
-              <a:rPr lang="en-US" spc="-15" dirty="0">
-                <a:latin typeface="Arial" panose="020B0604020202020204" pitchFamily="34" charset="0"/>
-                <a:cs typeface="Arial" panose="020B0604020202020204" pitchFamily="34" charset="0"/>
-              </a:rPr>
-              <a:t> clause</a:t>
+              <a:t>Iterating over value and index</a:t>
             </a:r>
             <a:endParaRPr spc="-15" dirty="0">
               <a:latin typeface="Arial" panose="020B0604020202020204" pitchFamily="34" charset="0"/>
@@ -45123,7 +44814,7 @@
         <p:spPr>
           <a:xfrm>
             <a:off x="693418" y="1287703"/>
-            <a:ext cx="10805163" cy="1048620"/>
+            <a:ext cx="10805163" cy="1039515"/>
           </a:xfrm>
           <a:prstGeom prst="rect">
             <a:avLst/>
@@ -45150,35 +44841,7 @@
                 <a:latin typeface="Arial" panose="020B0604020202020204" pitchFamily="34" charset="0"/>
                 <a:cs typeface="Arial" panose="020B0604020202020204" pitchFamily="34" charset="0"/>
               </a:rPr>
-              <a:t>Loops can have an </a:t>
-            </a:r>
-            <a:r>
-              <a:rPr lang="en" sz="2400" dirty="0">
-                <a:latin typeface="Consolas" panose="020B0609020204030204" pitchFamily="49" charset="0"/>
-                <a:cs typeface="Consolas" panose="020B0609020204030204" pitchFamily="49" charset="0"/>
-              </a:rPr>
-              <a:t>else</a:t>
-            </a:r>
-            <a:r>
-              <a:rPr lang="en" sz="2400" dirty="0">
-                <a:latin typeface="Arial" panose="020B0604020202020204" pitchFamily="34" charset="0"/>
-                <a:cs typeface="Arial" panose="020B0604020202020204" pitchFamily="34" charset="0"/>
-              </a:rPr>
-              <a:t> clause that is executed if the loop exits without </a:t>
-            </a:r>
-            <a:r>
-              <a:rPr lang="en" sz="2400" dirty="0">
-                <a:latin typeface="Consolas" panose="020B0609020204030204" pitchFamily="49" charset="0"/>
-                <a:cs typeface="Consolas" panose="020B0609020204030204" pitchFamily="49" charset="0"/>
-              </a:rPr>
-              <a:t>break</a:t>
-            </a:r>
-            <a:r>
-              <a:rPr lang="en" sz="2400" dirty="0">
-                <a:latin typeface="Arial" panose="020B0604020202020204" pitchFamily="34" charset="0"/>
-                <a:cs typeface="Arial" panose="020B0604020202020204" pitchFamily="34" charset="0"/>
-              </a:rPr>
-              <a:t>ing</a:t>
+              <a:t>Often, we need to iterate over a list while keeping track of the index</a:t>
             </a:r>
           </a:p>
         </p:txBody>
@@ -45285,1214 +44948,6 @@
                 </a:lnSpc>
               </a:pPr>
               <a:t>61</a:t>
-            </a:fld>
-            <a:endParaRPr dirty="0">
-              <a:solidFill>
-                <a:srgbClr val="000000"/>
-              </a:solidFill>
-            </a:endParaRPr>
-          </a:p>
-        </p:txBody>
-      </p:sp>
-      <p:sp>
-        <p:nvSpPr>
-          <p:cNvPr id="11" name="Text Placeholder 5">
-            <a:extLst>
-              <a:ext uri="{FF2B5EF4-FFF2-40B4-BE49-F238E27FC236}">
-                <a16:creationId xmlns:a16="http://schemas.microsoft.com/office/drawing/2014/main" id="{19FB9B5C-1737-0843-B3C9-F51749AEEC52}"/>
-              </a:ext>
-            </a:extLst>
-          </p:cNvPr>
-          <p:cNvSpPr>
-            <a:spLocks noGrp="1"/>
-          </p:cNvSpPr>
-          <p:nvPr/>
-        </p:nvSpPr>
-        <p:spPr>
-          <a:xfrm>
-            <a:off x="2362200" y="2514600"/>
-            <a:ext cx="9046846" cy="1905000"/>
-          </a:xfrm>
-          <a:prstGeom prst="rect">
-            <a:avLst/>
-          </a:prstGeom>
-          <a:solidFill>
-            <a:srgbClr val="EEF3F9"/>
-          </a:solidFill>
-          <a:ln w="12700">
-            <a:solidFill>
-              <a:srgbClr val="BBD2EE"/>
-            </a:solidFill>
-          </a:ln>
-          <a:effectLst>
-            <a:outerShdw blurRad="50800" dist="12700" dir="5400000" algn="t" rotWithShape="0">
-              <a:prstClr val="black">
-                <a:alpha val="20000"/>
-              </a:prstClr>
-            </a:outerShdw>
-          </a:effectLst>
-        </p:spPr>
-        <p:txBody>
-          <a:bodyPr wrap="square" lIns="144000" tIns="144000" rIns="144000" bIns="144000">
-            <a:noAutofit/>
-          </a:bodyPr>
-          <a:lstStyle>
-            <a:lvl1pPr marL="0">
-              <a:defRPr sz="1800" b="0" i="0">
-                <a:solidFill>
-                  <a:schemeClr val="tx1"/>
-                </a:solidFill>
-                <a:latin typeface="Consolas" panose="020B0609020204030204" pitchFamily="49" charset="0"/>
-                <a:ea typeface="+mn-ea"/>
-                <a:cs typeface="Consolas" panose="020B0609020204030204" pitchFamily="49" charset="0"/>
-              </a:defRPr>
-            </a:lvl1pPr>
-            <a:lvl2pPr marL="457200">
-              <a:defRPr>
-                <a:latin typeface="+mn-lt"/>
-                <a:ea typeface="+mn-ea"/>
-                <a:cs typeface="+mn-cs"/>
-              </a:defRPr>
-            </a:lvl2pPr>
-            <a:lvl3pPr marL="914400">
-              <a:defRPr>
-                <a:latin typeface="+mn-lt"/>
-                <a:ea typeface="+mn-ea"/>
-                <a:cs typeface="+mn-cs"/>
-              </a:defRPr>
-            </a:lvl3pPr>
-            <a:lvl4pPr marL="1371600">
-              <a:defRPr>
-                <a:latin typeface="+mn-lt"/>
-                <a:ea typeface="+mn-ea"/>
-                <a:cs typeface="+mn-cs"/>
-              </a:defRPr>
-            </a:lvl4pPr>
-            <a:lvl5pPr marL="1828800">
-              <a:defRPr>
-                <a:latin typeface="+mn-lt"/>
-                <a:ea typeface="+mn-ea"/>
-                <a:cs typeface="+mn-cs"/>
-              </a:defRPr>
-            </a:lvl5pPr>
-            <a:lvl6pPr marL="2286000">
-              <a:defRPr>
-                <a:latin typeface="+mn-lt"/>
-                <a:ea typeface="+mn-ea"/>
-                <a:cs typeface="+mn-cs"/>
-              </a:defRPr>
-            </a:lvl6pPr>
-            <a:lvl7pPr marL="2743200">
-              <a:defRPr>
-                <a:latin typeface="+mn-lt"/>
-                <a:ea typeface="+mn-ea"/>
-                <a:cs typeface="+mn-cs"/>
-              </a:defRPr>
-            </a:lvl7pPr>
-            <a:lvl8pPr marL="3200400">
-              <a:defRPr>
-                <a:latin typeface="+mn-lt"/>
-                <a:ea typeface="+mn-ea"/>
-                <a:cs typeface="+mn-cs"/>
-              </a:defRPr>
-            </a:lvl8pPr>
-            <a:lvl9pPr marL="3657600">
-              <a:defRPr>
-                <a:latin typeface="+mn-lt"/>
-                <a:ea typeface="+mn-ea"/>
-                <a:cs typeface="+mn-cs"/>
-              </a:defRPr>
-            </a:lvl9pPr>
-          </a:lstStyle>
-          <a:p>
-            <a:r>
-              <a:rPr lang="fr-FR" dirty="0"/>
-              <a:t>for n in [0, 2, 4, 5, 6]:</a:t>
-            </a:r>
-          </a:p>
-          <a:p>
-            <a:r>
-              <a:rPr lang="fr-FR" dirty="0"/>
-              <a:t>  if (n % 2) != 0:</a:t>
-            </a:r>
-          </a:p>
-          <a:p>
-            <a:r>
-              <a:rPr lang="fr-FR" dirty="0"/>
-              <a:t>    break</a:t>
-            </a:r>
-          </a:p>
-          <a:p>
-            <a:r>
-              <a:rPr lang="fr-FR" dirty="0"/>
-              <a:t>  </a:t>
-            </a:r>
-            <a:r>
-              <a:rPr lang="fr-FR" dirty="0" err="1"/>
-              <a:t>print</a:t>
-            </a:r>
-            <a:r>
-              <a:rPr lang="fr-FR" dirty="0"/>
-              <a:t>(f'{n} </a:t>
-            </a:r>
-            <a:r>
-              <a:rPr lang="fr-FR" dirty="0" err="1"/>
-              <a:t>is</a:t>
-            </a:r>
-            <a:r>
-              <a:rPr lang="fr-FR" dirty="0"/>
-              <a:t> </a:t>
-            </a:r>
-            <a:r>
-              <a:rPr lang="fr-FR" dirty="0" err="1"/>
-              <a:t>even</a:t>
-            </a:r>
-            <a:r>
-              <a:rPr lang="fr-FR" dirty="0"/>
-              <a:t>')</a:t>
-            </a:r>
-          </a:p>
-          <a:p>
-            <a:r>
-              <a:rPr lang="fr-FR" dirty="0" err="1"/>
-              <a:t>else</a:t>
-            </a:r>
-            <a:r>
-              <a:rPr lang="fr-FR" dirty="0"/>
-              <a:t>:</a:t>
-            </a:r>
-          </a:p>
-          <a:p>
-            <a:r>
-              <a:rPr lang="fr-FR" dirty="0"/>
-              <a:t>  </a:t>
-            </a:r>
-            <a:r>
-              <a:rPr lang="fr-FR" dirty="0" err="1"/>
-              <a:t>print</a:t>
-            </a:r>
-            <a:r>
-              <a:rPr lang="fr-FR" dirty="0"/>
-              <a:t>('All </a:t>
-            </a:r>
-            <a:r>
-              <a:rPr lang="fr-FR" dirty="0" err="1"/>
-              <a:t>numbers</a:t>
-            </a:r>
-            <a:r>
-              <a:rPr lang="fr-FR" dirty="0"/>
-              <a:t> are </a:t>
-            </a:r>
-            <a:r>
-              <a:rPr lang="fr-FR" dirty="0" err="1"/>
-              <a:t>even</a:t>
-            </a:r>
-            <a:r>
-              <a:rPr lang="fr-FR" dirty="0"/>
-              <a:t>')</a:t>
-            </a:r>
-          </a:p>
-        </p:txBody>
-      </p:sp>
-      <p:sp>
-        <p:nvSpPr>
-          <p:cNvPr id="12" name="Text Placeholder 6">
-            <a:extLst>
-              <a:ext uri="{FF2B5EF4-FFF2-40B4-BE49-F238E27FC236}">
-                <a16:creationId xmlns:a16="http://schemas.microsoft.com/office/drawing/2014/main" id="{A7413307-0BD1-6247-B8C0-7E07F740BCBD}"/>
-              </a:ext>
-            </a:extLst>
-          </p:cNvPr>
-          <p:cNvSpPr>
-            <a:spLocks noGrp="1"/>
-          </p:cNvSpPr>
-          <p:nvPr/>
-        </p:nvSpPr>
-        <p:spPr>
-          <a:xfrm>
-            <a:off x="2362200" y="4563399"/>
-            <a:ext cx="9046846" cy="1608801"/>
-          </a:xfrm>
-          <a:prstGeom prst="rect">
-            <a:avLst/>
-          </a:prstGeom>
-          <a:solidFill>
-            <a:srgbClr val="F9F8DF"/>
-          </a:solidFill>
-          <a:ln w="12700">
-            <a:solidFill>
-              <a:srgbClr val="F1ED86"/>
-            </a:solidFill>
-          </a:ln>
-          <a:effectLst>
-            <a:outerShdw blurRad="50800" dist="12700" dir="5400000" algn="t" rotWithShape="0">
-              <a:prstClr val="black">
-                <a:alpha val="20000"/>
-              </a:prstClr>
-            </a:outerShdw>
-          </a:effectLst>
-        </p:spPr>
-        <p:txBody>
-          <a:bodyPr wrap="square" lIns="144000" tIns="144000" rIns="144000" bIns="144000">
-            <a:noAutofit/>
-          </a:bodyPr>
-          <a:lstStyle>
-            <a:lvl1pPr marL="0">
-              <a:defRPr sz="1800" b="0" i="0">
-                <a:solidFill>
-                  <a:schemeClr val="tx1"/>
-                </a:solidFill>
-                <a:latin typeface="Consolas" panose="020B0609020204030204" pitchFamily="49" charset="0"/>
-                <a:ea typeface="+mn-ea"/>
-                <a:cs typeface="Consolas" panose="020B0609020204030204" pitchFamily="49" charset="0"/>
-              </a:defRPr>
-            </a:lvl1pPr>
-            <a:lvl2pPr marL="457200">
-              <a:defRPr>
-                <a:latin typeface="+mn-lt"/>
-                <a:ea typeface="+mn-ea"/>
-                <a:cs typeface="+mn-cs"/>
-              </a:defRPr>
-            </a:lvl2pPr>
-            <a:lvl3pPr marL="914400">
-              <a:defRPr>
-                <a:latin typeface="+mn-lt"/>
-                <a:ea typeface="+mn-ea"/>
-                <a:cs typeface="+mn-cs"/>
-              </a:defRPr>
-            </a:lvl3pPr>
-            <a:lvl4pPr marL="1371600">
-              <a:defRPr>
-                <a:latin typeface="+mn-lt"/>
-                <a:ea typeface="+mn-ea"/>
-                <a:cs typeface="+mn-cs"/>
-              </a:defRPr>
-            </a:lvl4pPr>
-            <a:lvl5pPr marL="1828800">
-              <a:defRPr>
-                <a:latin typeface="+mn-lt"/>
-                <a:ea typeface="+mn-ea"/>
-                <a:cs typeface="+mn-cs"/>
-              </a:defRPr>
-            </a:lvl5pPr>
-            <a:lvl6pPr marL="2286000">
-              <a:defRPr>
-                <a:latin typeface="+mn-lt"/>
-                <a:ea typeface="+mn-ea"/>
-                <a:cs typeface="+mn-cs"/>
-              </a:defRPr>
-            </a:lvl6pPr>
-            <a:lvl7pPr marL="2743200">
-              <a:defRPr>
-                <a:latin typeface="+mn-lt"/>
-                <a:ea typeface="+mn-ea"/>
-                <a:cs typeface="+mn-cs"/>
-              </a:defRPr>
-            </a:lvl7pPr>
-            <a:lvl8pPr marL="3200400">
-              <a:defRPr>
-                <a:latin typeface="+mn-lt"/>
-                <a:ea typeface="+mn-ea"/>
-                <a:cs typeface="+mn-cs"/>
-              </a:defRPr>
-            </a:lvl8pPr>
-            <a:lvl9pPr marL="3657600">
-              <a:defRPr>
-                <a:latin typeface="+mn-lt"/>
-                <a:ea typeface="+mn-ea"/>
-                <a:cs typeface="+mn-cs"/>
-              </a:defRPr>
-            </a:lvl9pPr>
-          </a:lstStyle>
-          <a:p>
-            <a:r>
-              <a:rPr lang="fr-FR" dirty="0"/>
-              <a:t>0 </a:t>
-            </a:r>
-            <a:r>
-              <a:rPr lang="fr-FR" dirty="0" err="1"/>
-              <a:t>is</a:t>
-            </a:r>
-            <a:r>
-              <a:rPr lang="fr-FR" dirty="0"/>
-              <a:t> </a:t>
-            </a:r>
-            <a:r>
-              <a:rPr lang="fr-FR" dirty="0" err="1"/>
-              <a:t>even</a:t>
-            </a:r>
-            <a:endParaRPr lang="fr-FR" dirty="0"/>
-          </a:p>
-          <a:p>
-            <a:r>
-              <a:rPr lang="fr-FR" dirty="0"/>
-              <a:t>2 </a:t>
-            </a:r>
-            <a:r>
-              <a:rPr lang="fr-FR" dirty="0" err="1"/>
-              <a:t>is</a:t>
-            </a:r>
-            <a:r>
-              <a:rPr lang="fr-FR" dirty="0"/>
-              <a:t> </a:t>
-            </a:r>
-            <a:r>
-              <a:rPr lang="fr-FR" dirty="0" err="1"/>
-              <a:t>even</a:t>
-            </a:r>
-            <a:endParaRPr lang="fr-FR" dirty="0"/>
-          </a:p>
-          <a:p>
-            <a:r>
-              <a:rPr lang="fr-FR" dirty="0"/>
-              <a:t>4 </a:t>
-            </a:r>
-            <a:r>
-              <a:rPr lang="fr-FR" dirty="0" err="1"/>
-              <a:t>is</a:t>
-            </a:r>
-            <a:r>
-              <a:rPr lang="fr-FR" dirty="0"/>
-              <a:t> </a:t>
-            </a:r>
-            <a:r>
-              <a:rPr lang="fr-FR" dirty="0" err="1"/>
-              <a:t>even</a:t>
-            </a:r>
-            <a:endParaRPr lang="fr-FR" dirty="0"/>
-          </a:p>
-        </p:txBody>
-      </p:sp>
-    </p:spTree>
-    <p:extLst>
-      <p:ext uri="{BB962C8B-B14F-4D97-AF65-F5344CB8AC3E}">
-        <p14:creationId xmlns:p14="http://schemas.microsoft.com/office/powerpoint/2010/main" val="2678531467"/>
-      </p:ext>
-    </p:extLst>
-  </p:cSld>
-  <p:clrMapOvr>
-    <a:masterClrMapping/>
-  </p:clrMapOvr>
-</p:sld>
-</file>
-
-<file path=ppt/slides/slide62.xml><?xml version="1.0" encoding="utf-8"?>
-<p:sld xmlns:a="http://schemas.openxmlformats.org/drawingml/2006/main" xmlns:r="http://schemas.openxmlformats.org/officeDocument/2006/relationships" xmlns:p="http://schemas.openxmlformats.org/presentationml/2006/main">
-  <p:cSld>
-    <p:spTree>
-      <p:nvGrpSpPr>
-        <p:cNvPr id="1" name=""/>
-        <p:cNvGrpSpPr/>
-        <p:nvPr/>
-      </p:nvGrpSpPr>
-      <p:grpSpPr>
-        <a:xfrm>
-          <a:off x="0" y="0"/>
-          <a:ext cx="0" cy="0"/>
-          <a:chOff x="0" y="0"/>
-          <a:chExt cx="0" cy="0"/>
-        </a:xfrm>
-      </p:grpSpPr>
-      <p:sp>
-        <p:nvSpPr>
-          <p:cNvPr id="2" name="object 2"/>
-          <p:cNvSpPr txBox="1"/>
-          <p:nvPr/>
-        </p:nvSpPr>
-        <p:spPr>
-          <a:xfrm>
-            <a:off x="150678" y="216496"/>
-            <a:ext cx="1659255" cy="492443"/>
-          </a:xfrm>
-          <a:prstGeom prst="rect">
-            <a:avLst/>
-          </a:prstGeom>
-        </p:spPr>
-        <p:txBody>
-          <a:bodyPr vert="horz" wrap="square" lIns="0" tIns="0" rIns="0" bIns="0" rtlCol="0">
-            <a:spAutoFit/>
-          </a:bodyPr>
-          <a:lstStyle/>
-          <a:p>
-            <a:pPr marL="12700" marR="5080">
-              <a:lnSpc>
-                <a:spcPct val="100000"/>
-              </a:lnSpc>
-            </a:pPr>
-            <a:r>
-              <a:rPr lang="en-US" sz="1600" spc="-10" dirty="0">
-                <a:solidFill>
-                  <a:srgbClr val="FFFFFF"/>
-                </a:solidFill>
-                <a:latin typeface="Arial"/>
-                <a:cs typeface="Arial"/>
-              </a:rPr>
-              <a:t>Python 3 Beginner</a:t>
-            </a:r>
-            <a:endParaRPr sz="1600" dirty="0">
-              <a:latin typeface="Arial"/>
-              <a:cs typeface="Arial"/>
-            </a:endParaRPr>
-          </a:p>
-        </p:txBody>
-      </p:sp>
-      <p:sp>
-        <p:nvSpPr>
-          <p:cNvPr id="3" name="object 3"/>
-          <p:cNvSpPr txBox="1">
-            <a:spLocks noGrp="1"/>
-          </p:cNvSpPr>
-          <p:nvPr>
-            <p:ph type="title"/>
-          </p:nvPr>
-        </p:nvSpPr>
-        <p:spPr>
-          <a:xfrm>
-            <a:off x="782953" y="378886"/>
-            <a:ext cx="10626093" cy="384721"/>
-          </a:xfrm>
-          <a:prstGeom prst="rect">
-            <a:avLst/>
-          </a:prstGeom>
-        </p:spPr>
-        <p:txBody>
-          <a:bodyPr vert="horz" wrap="square" lIns="0" tIns="0" rIns="0" bIns="0" rtlCol="0">
-            <a:spAutoFit/>
-          </a:bodyPr>
-          <a:lstStyle/>
-          <a:p>
-            <a:pPr marL="1564640">
-              <a:lnSpc>
-                <a:spcPct val="100000"/>
-              </a:lnSpc>
-            </a:pPr>
-            <a:r>
-              <a:rPr lang="en-US" spc="-15" dirty="0">
-                <a:latin typeface="Arial" panose="020B0604020202020204" pitchFamily="34" charset="0"/>
-                <a:cs typeface="Arial" panose="020B0604020202020204" pitchFamily="34" charset="0"/>
-              </a:rPr>
-              <a:t>Iterating over value and index</a:t>
-            </a:r>
-            <a:endParaRPr spc="-15" dirty="0">
-              <a:latin typeface="Arial" panose="020B0604020202020204" pitchFamily="34" charset="0"/>
-              <a:cs typeface="Arial" panose="020B0604020202020204" pitchFamily="34" charset="0"/>
-            </a:endParaRPr>
-          </a:p>
-        </p:txBody>
-      </p:sp>
-      <p:sp>
-        <p:nvSpPr>
-          <p:cNvPr id="4" name="object 4"/>
-          <p:cNvSpPr txBox="1">
-            <a:spLocks noGrp="1"/>
-          </p:cNvSpPr>
-          <p:nvPr>
-            <p:ph type="body" idx="1"/>
-          </p:nvPr>
-        </p:nvSpPr>
-        <p:spPr>
-          <a:xfrm>
-            <a:off x="693418" y="1287703"/>
-            <a:ext cx="10805163" cy="1039515"/>
-          </a:xfrm>
-          <a:prstGeom prst="rect">
-            <a:avLst/>
-          </a:prstGeom>
-        </p:spPr>
-        <p:txBody>
-          <a:bodyPr vert="horz" wrap="square" lIns="0" tIns="0" rIns="0" bIns="0" rtlCol="0">
-            <a:spAutoFit/>
-          </a:bodyPr>
-          <a:lstStyle/>
-          <a:p>
-            <a:pPr marL="2044700" marR="5080" indent="-390525">
-              <a:lnSpc>
-                <a:spcPct val="150000"/>
-              </a:lnSpc>
-              <a:spcBef>
-                <a:spcPts val="805"/>
-              </a:spcBef>
-              <a:buFont typeface="Zapf Dingbats"/>
-              <a:buChar char="➠"/>
-            </a:pPr>
-            <a:r>
-              <a:rPr lang="en" sz="2400" dirty="0">
-                <a:latin typeface="Arial" panose="020B0604020202020204" pitchFamily="34" charset="0"/>
-                <a:cs typeface="Arial" panose="020B0604020202020204" pitchFamily="34" charset="0"/>
-              </a:rPr>
-              <a:t>Often, we need to iterate over a list while keeping track of the index</a:t>
-            </a:r>
-          </a:p>
-        </p:txBody>
-      </p:sp>
-      <p:sp>
-        <p:nvSpPr>
-          <p:cNvPr id="7" name="Holder 6">
-            <a:extLst>
-              <a:ext uri="{FF2B5EF4-FFF2-40B4-BE49-F238E27FC236}">
-                <a16:creationId xmlns:a16="http://schemas.microsoft.com/office/drawing/2014/main" id="{278BF67D-BD17-4CD4-9C6F-CA2F6A282BE9}"/>
-              </a:ext>
-            </a:extLst>
-          </p:cNvPr>
-          <p:cNvSpPr>
-            <a:spLocks noGrp="1"/>
-          </p:cNvSpPr>
-          <p:nvPr>
-            <p:ph type="sldNum" sz="quarter" idx="7"/>
-          </p:nvPr>
-        </p:nvSpPr>
-        <p:spPr>
-          <a:xfrm>
-            <a:off x="10363205" y="6629400"/>
-            <a:ext cx="1573026" cy="123111"/>
-          </a:xfrm>
-          <a:prstGeom prst="rect">
-            <a:avLst/>
-          </a:prstGeom>
-        </p:spPr>
-        <p:txBody>
-          <a:bodyPr wrap="square" lIns="0" tIns="0" rIns="0" bIns="0">
-            <a:spAutoFit/>
-          </a:bodyPr>
-          <a:lstStyle>
-            <a:lvl1pPr>
-              <a:defRPr sz="800" b="0" i="0">
-                <a:solidFill>
-                  <a:srgbClr val="A4A4A4"/>
-                </a:solidFill>
-                <a:latin typeface="Arial"/>
-                <a:cs typeface="Arial"/>
-              </a:defRPr>
-            </a:lvl1pPr>
-          </a:lstStyle>
-          <a:p>
-            <a:pPr marL="12700">
-              <a:lnSpc>
-                <a:spcPct val="100000"/>
-              </a:lnSpc>
-            </a:pPr>
-            <a:r>
-              <a:rPr lang="fr-FR" spc="-5" dirty="0"/>
-              <a:t>Cop</a:t>
-            </a:r>
-            <a:r>
-              <a:rPr lang="fr-FR" spc="-10" dirty="0"/>
-              <a:t>y</a:t>
-            </a:r>
-            <a:r>
-              <a:rPr lang="fr-FR" spc="-5" dirty="0"/>
-              <a:t>r</a:t>
-            </a:r>
-            <a:r>
-              <a:rPr lang="fr-FR" dirty="0"/>
-              <a:t>ig</a:t>
-            </a:r>
-            <a:r>
-              <a:rPr lang="fr-FR" spc="-5" dirty="0"/>
-              <a:t>h</a:t>
-            </a:r>
-            <a:r>
-              <a:rPr lang="fr-FR" dirty="0"/>
-              <a:t>t</a:t>
-            </a:r>
-            <a:r>
-              <a:rPr lang="fr-FR" spc="20" dirty="0"/>
-              <a:t> </a:t>
-            </a:r>
-            <a:r>
-              <a:rPr lang="fr-FR" dirty="0"/>
-              <a:t>© </a:t>
-            </a:r>
-            <a:r>
-              <a:rPr lang="fr-FR" spc="-5" dirty="0"/>
-              <a:t>2020</a:t>
-            </a:r>
-            <a:r>
-              <a:rPr lang="fr-FR" dirty="0"/>
-              <a:t>  </a:t>
-            </a:r>
-            <a:r>
-              <a:rPr lang="fr-FR" spc="95" dirty="0"/>
-              <a:t> </a:t>
-            </a:r>
-            <a:fld id="{81D60167-4931-47E6-BA6A-407CBD079E47}" type="slidenum">
-              <a:rPr smtClean="0">
-                <a:solidFill>
-                  <a:srgbClr val="000000"/>
-                </a:solidFill>
-              </a:rPr>
-              <a:pPr marL="12700">
-                <a:lnSpc>
-                  <a:spcPct val="100000"/>
-                </a:lnSpc>
-              </a:pPr>
-              <a:t>62</a:t>
-            </a:fld>
-            <a:endParaRPr dirty="0">
-              <a:solidFill>
-                <a:srgbClr val="000000"/>
-              </a:solidFill>
-            </a:endParaRPr>
-          </a:p>
-        </p:txBody>
-      </p:sp>
-      <p:sp>
-        <p:nvSpPr>
-          <p:cNvPr id="11" name="Text Placeholder 5">
-            <a:extLst>
-              <a:ext uri="{FF2B5EF4-FFF2-40B4-BE49-F238E27FC236}">
-                <a16:creationId xmlns:a16="http://schemas.microsoft.com/office/drawing/2014/main" id="{19FB9B5C-1737-0843-B3C9-F51749AEEC52}"/>
-              </a:ext>
-            </a:extLst>
-          </p:cNvPr>
-          <p:cNvSpPr>
-            <a:spLocks noGrp="1"/>
-          </p:cNvSpPr>
-          <p:nvPr/>
-        </p:nvSpPr>
-        <p:spPr>
-          <a:xfrm>
-            <a:off x="2362200" y="2514600"/>
-            <a:ext cx="9046846" cy="1905000"/>
-          </a:xfrm>
-          <a:prstGeom prst="rect">
-            <a:avLst/>
-          </a:prstGeom>
-          <a:solidFill>
-            <a:srgbClr val="EEF3F9"/>
-          </a:solidFill>
-          <a:ln w="12700">
-            <a:solidFill>
-              <a:srgbClr val="BBD2EE"/>
-            </a:solidFill>
-          </a:ln>
-          <a:effectLst>
-            <a:outerShdw blurRad="50800" dist="12700" dir="5400000" algn="t" rotWithShape="0">
-              <a:prstClr val="black">
-                <a:alpha val="20000"/>
-              </a:prstClr>
-            </a:outerShdw>
-          </a:effectLst>
-        </p:spPr>
-        <p:txBody>
-          <a:bodyPr wrap="square" lIns="144000" tIns="144000" rIns="144000" bIns="144000">
-            <a:noAutofit/>
-          </a:bodyPr>
-          <a:lstStyle>
-            <a:lvl1pPr marL="0">
-              <a:defRPr sz="1800" b="0" i="0">
-                <a:solidFill>
-                  <a:schemeClr val="tx1"/>
-                </a:solidFill>
-                <a:latin typeface="Consolas" panose="020B0609020204030204" pitchFamily="49" charset="0"/>
-                <a:ea typeface="+mn-ea"/>
-                <a:cs typeface="Consolas" panose="020B0609020204030204" pitchFamily="49" charset="0"/>
-              </a:defRPr>
-            </a:lvl1pPr>
-            <a:lvl2pPr marL="457200">
-              <a:defRPr>
-                <a:latin typeface="+mn-lt"/>
-                <a:ea typeface="+mn-ea"/>
-                <a:cs typeface="+mn-cs"/>
-              </a:defRPr>
-            </a:lvl2pPr>
-            <a:lvl3pPr marL="914400">
-              <a:defRPr>
-                <a:latin typeface="+mn-lt"/>
-                <a:ea typeface="+mn-ea"/>
-                <a:cs typeface="+mn-cs"/>
-              </a:defRPr>
-            </a:lvl3pPr>
-            <a:lvl4pPr marL="1371600">
-              <a:defRPr>
-                <a:latin typeface="+mn-lt"/>
-                <a:ea typeface="+mn-ea"/>
-                <a:cs typeface="+mn-cs"/>
-              </a:defRPr>
-            </a:lvl4pPr>
-            <a:lvl5pPr marL="1828800">
-              <a:defRPr>
-                <a:latin typeface="+mn-lt"/>
-                <a:ea typeface="+mn-ea"/>
-                <a:cs typeface="+mn-cs"/>
-              </a:defRPr>
-            </a:lvl5pPr>
-            <a:lvl6pPr marL="2286000">
-              <a:defRPr>
-                <a:latin typeface="+mn-lt"/>
-                <a:ea typeface="+mn-ea"/>
-                <a:cs typeface="+mn-cs"/>
-              </a:defRPr>
-            </a:lvl6pPr>
-            <a:lvl7pPr marL="2743200">
-              <a:defRPr>
-                <a:latin typeface="+mn-lt"/>
-                <a:ea typeface="+mn-ea"/>
-                <a:cs typeface="+mn-cs"/>
-              </a:defRPr>
-            </a:lvl7pPr>
-            <a:lvl8pPr marL="3200400">
-              <a:defRPr>
-                <a:latin typeface="+mn-lt"/>
-                <a:ea typeface="+mn-ea"/>
-                <a:cs typeface="+mn-cs"/>
-              </a:defRPr>
-            </a:lvl8pPr>
-            <a:lvl9pPr marL="3657600">
-              <a:defRPr>
-                <a:latin typeface="+mn-lt"/>
-                <a:ea typeface="+mn-ea"/>
-                <a:cs typeface="+mn-cs"/>
-              </a:defRPr>
-            </a:lvl9pPr>
-          </a:lstStyle>
-          <a:p>
-            <a:r>
-              <a:rPr lang="fr-FR" dirty="0"/>
-              <a:t>l = [0, 4, 25]</a:t>
-            </a:r>
-          </a:p>
-          <a:p>
-            <a:r>
-              <a:rPr lang="fr-FR" dirty="0"/>
-              <a:t>for i in range(</a:t>
-            </a:r>
-            <a:r>
-              <a:rPr lang="fr-FR" dirty="0" err="1"/>
-              <a:t>len</a:t>
-            </a:r>
-            <a:r>
-              <a:rPr lang="fr-FR" dirty="0"/>
-              <a:t>(l)):</a:t>
-            </a:r>
-          </a:p>
-          <a:p>
-            <a:r>
-              <a:rPr lang="fr-FR" dirty="0"/>
-              <a:t>  </a:t>
-            </a:r>
-            <a:r>
-              <a:rPr lang="fr-FR" dirty="0" err="1"/>
-              <a:t>print</a:t>
-            </a:r>
-            <a:r>
-              <a:rPr lang="fr-FR" dirty="0"/>
-              <a:t>(</a:t>
-            </a:r>
-            <a:r>
-              <a:rPr lang="fr-FR" dirty="0" err="1"/>
-              <a:t>f'Item</a:t>
-            </a:r>
-            <a:r>
-              <a:rPr lang="fr-FR" dirty="0"/>
-              <a:t> at position {i} </a:t>
-            </a:r>
-            <a:r>
-              <a:rPr lang="fr-FR" dirty="0" err="1"/>
-              <a:t>is</a:t>
-            </a:r>
-            <a:r>
-              <a:rPr lang="fr-FR" dirty="0"/>
-              <a:t> {l[i]}')</a:t>
-            </a:r>
-          </a:p>
-        </p:txBody>
-      </p:sp>
-      <p:sp>
-        <p:nvSpPr>
-          <p:cNvPr id="12" name="Text Placeholder 6">
-            <a:extLst>
-              <a:ext uri="{FF2B5EF4-FFF2-40B4-BE49-F238E27FC236}">
-                <a16:creationId xmlns:a16="http://schemas.microsoft.com/office/drawing/2014/main" id="{A7413307-0BD1-6247-B8C0-7E07F740BCBD}"/>
-              </a:ext>
-            </a:extLst>
-          </p:cNvPr>
-          <p:cNvSpPr>
-            <a:spLocks noGrp="1"/>
-          </p:cNvSpPr>
-          <p:nvPr/>
-        </p:nvSpPr>
-        <p:spPr>
-          <a:xfrm>
-            <a:off x="2362200" y="4563399"/>
-            <a:ext cx="9046846" cy="1608801"/>
-          </a:xfrm>
-          <a:prstGeom prst="rect">
-            <a:avLst/>
-          </a:prstGeom>
-          <a:solidFill>
-            <a:srgbClr val="F9F8DF"/>
-          </a:solidFill>
-          <a:ln w="12700">
-            <a:solidFill>
-              <a:srgbClr val="F1ED86"/>
-            </a:solidFill>
-          </a:ln>
-          <a:effectLst>
-            <a:outerShdw blurRad="50800" dist="12700" dir="5400000" algn="t" rotWithShape="0">
-              <a:prstClr val="black">
-                <a:alpha val="20000"/>
-              </a:prstClr>
-            </a:outerShdw>
-          </a:effectLst>
-        </p:spPr>
-        <p:txBody>
-          <a:bodyPr wrap="square" lIns="144000" tIns="144000" rIns="144000" bIns="144000">
-            <a:noAutofit/>
-          </a:bodyPr>
-          <a:lstStyle>
-            <a:lvl1pPr marL="0">
-              <a:defRPr sz="1800" b="0" i="0">
-                <a:solidFill>
-                  <a:schemeClr val="tx1"/>
-                </a:solidFill>
-                <a:latin typeface="Consolas" panose="020B0609020204030204" pitchFamily="49" charset="0"/>
-                <a:ea typeface="+mn-ea"/>
-                <a:cs typeface="Consolas" panose="020B0609020204030204" pitchFamily="49" charset="0"/>
-              </a:defRPr>
-            </a:lvl1pPr>
-            <a:lvl2pPr marL="457200">
-              <a:defRPr>
-                <a:latin typeface="+mn-lt"/>
-                <a:ea typeface="+mn-ea"/>
-                <a:cs typeface="+mn-cs"/>
-              </a:defRPr>
-            </a:lvl2pPr>
-            <a:lvl3pPr marL="914400">
-              <a:defRPr>
-                <a:latin typeface="+mn-lt"/>
-                <a:ea typeface="+mn-ea"/>
-                <a:cs typeface="+mn-cs"/>
-              </a:defRPr>
-            </a:lvl3pPr>
-            <a:lvl4pPr marL="1371600">
-              <a:defRPr>
-                <a:latin typeface="+mn-lt"/>
-                <a:ea typeface="+mn-ea"/>
-                <a:cs typeface="+mn-cs"/>
-              </a:defRPr>
-            </a:lvl4pPr>
-            <a:lvl5pPr marL="1828800">
-              <a:defRPr>
-                <a:latin typeface="+mn-lt"/>
-                <a:ea typeface="+mn-ea"/>
-                <a:cs typeface="+mn-cs"/>
-              </a:defRPr>
-            </a:lvl5pPr>
-            <a:lvl6pPr marL="2286000">
-              <a:defRPr>
-                <a:latin typeface="+mn-lt"/>
-                <a:ea typeface="+mn-ea"/>
-                <a:cs typeface="+mn-cs"/>
-              </a:defRPr>
-            </a:lvl6pPr>
-            <a:lvl7pPr marL="2743200">
-              <a:defRPr>
-                <a:latin typeface="+mn-lt"/>
-                <a:ea typeface="+mn-ea"/>
-                <a:cs typeface="+mn-cs"/>
-              </a:defRPr>
-            </a:lvl7pPr>
-            <a:lvl8pPr marL="3200400">
-              <a:defRPr>
-                <a:latin typeface="+mn-lt"/>
-                <a:ea typeface="+mn-ea"/>
-                <a:cs typeface="+mn-cs"/>
-              </a:defRPr>
-            </a:lvl8pPr>
-            <a:lvl9pPr marL="3657600">
-              <a:defRPr>
-                <a:latin typeface="+mn-lt"/>
-                <a:ea typeface="+mn-ea"/>
-                <a:cs typeface="+mn-cs"/>
-              </a:defRPr>
-            </a:lvl9pPr>
-          </a:lstStyle>
-          <a:p>
-            <a:r>
-              <a:rPr lang="en" dirty="0"/>
-              <a:t>Item at position 0 is 0</a:t>
-            </a:r>
-          </a:p>
-          <a:p>
-            <a:r>
-              <a:rPr lang="en" dirty="0"/>
-              <a:t>Item at position 1 is 4</a:t>
-            </a:r>
-          </a:p>
-          <a:p>
-            <a:r>
-              <a:rPr lang="en" dirty="0"/>
-              <a:t>Item at position 2 is 25</a:t>
-            </a:r>
-            <a:endParaRPr lang="fr-FR" dirty="0"/>
-          </a:p>
-        </p:txBody>
-      </p:sp>
-    </p:spTree>
-    <p:extLst>
-      <p:ext uri="{BB962C8B-B14F-4D97-AF65-F5344CB8AC3E}">
-        <p14:creationId xmlns:p14="http://schemas.microsoft.com/office/powerpoint/2010/main" val="1925715086"/>
-      </p:ext>
-    </p:extLst>
-  </p:cSld>
-  <p:clrMapOvr>
-    <a:masterClrMapping/>
-  </p:clrMapOvr>
-</p:sld>
-</file>
-
-<file path=ppt/slides/slide63.xml><?xml version="1.0" encoding="utf-8"?>
-<p:sld xmlns:a="http://schemas.openxmlformats.org/drawingml/2006/main" xmlns:r="http://schemas.openxmlformats.org/officeDocument/2006/relationships" xmlns:p="http://schemas.openxmlformats.org/presentationml/2006/main">
-  <p:cSld>
-    <p:spTree>
-      <p:nvGrpSpPr>
-        <p:cNvPr id="1" name=""/>
-        <p:cNvGrpSpPr/>
-        <p:nvPr/>
-      </p:nvGrpSpPr>
-      <p:grpSpPr>
-        <a:xfrm>
-          <a:off x="0" y="0"/>
-          <a:ext cx="0" cy="0"/>
-          <a:chOff x="0" y="0"/>
-          <a:chExt cx="0" cy="0"/>
-        </a:xfrm>
-      </p:grpSpPr>
-      <p:sp>
-        <p:nvSpPr>
-          <p:cNvPr id="2" name="object 2"/>
-          <p:cNvSpPr txBox="1"/>
-          <p:nvPr/>
-        </p:nvSpPr>
-        <p:spPr>
-          <a:xfrm>
-            <a:off x="150678" y="216496"/>
-            <a:ext cx="1659255" cy="492443"/>
-          </a:xfrm>
-          <a:prstGeom prst="rect">
-            <a:avLst/>
-          </a:prstGeom>
-        </p:spPr>
-        <p:txBody>
-          <a:bodyPr vert="horz" wrap="square" lIns="0" tIns="0" rIns="0" bIns="0" rtlCol="0">
-            <a:spAutoFit/>
-          </a:bodyPr>
-          <a:lstStyle/>
-          <a:p>
-            <a:pPr marL="12700" marR="5080">
-              <a:lnSpc>
-                <a:spcPct val="100000"/>
-              </a:lnSpc>
-            </a:pPr>
-            <a:r>
-              <a:rPr lang="en-US" sz="1600" spc="-10" dirty="0">
-                <a:solidFill>
-                  <a:srgbClr val="FFFFFF"/>
-                </a:solidFill>
-                <a:latin typeface="Arial"/>
-                <a:cs typeface="Arial"/>
-              </a:rPr>
-              <a:t>Python 3 Beginner</a:t>
-            </a:r>
-            <a:endParaRPr sz="1600" dirty="0">
-              <a:latin typeface="Arial"/>
-              <a:cs typeface="Arial"/>
-            </a:endParaRPr>
-          </a:p>
-        </p:txBody>
-      </p:sp>
-      <p:sp>
-        <p:nvSpPr>
-          <p:cNvPr id="3" name="object 3"/>
-          <p:cNvSpPr txBox="1">
-            <a:spLocks noGrp="1"/>
-          </p:cNvSpPr>
-          <p:nvPr>
-            <p:ph type="title"/>
-          </p:nvPr>
-        </p:nvSpPr>
-        <p:spPr>
-          <a:xfrm>
-            <a:off x="782953" y="378886"/>
-            <a:ext cx="10626093" cy="384721"/>
-          </a:xfrm>
-          <a:prstGeom prst="rect">
-            <a:avLst/>
-          </a:prstGeom>
-        </p:spPr>
-        <p:txBody>
-          <a:bodyPr vert="horz" wrap="square" lIns="0" tIns="0" rIns="0" bIns="0" rtlCol="0">
-            <a:spAutoFit/>
-          </a:bodyPr>
-          <a:lstStyle/>
-          <a:p>
-            <a:pPr marL="1564640">
-              <a:lnSpc>
-                <a:spcPct val="100000"/>
-              </a:lnSpc>
-            </a:pPr>
-            <a:r>
-              <a:rPr lang="en-US" spc="-15" dirty="0">
-                <a:latin typeface="Arial" panose="020B0604020202020204" pitchFamily="34" charset="0"/>
-                <a:cs typeface="Arial" panose="020B0604020202020204" pitchFamily="34" charset="0"/>
-              </a:rPr>
-              <a:t>Iterating over value and index</a:t>
-            </a:r>
-            <a:endParaRPr spc="-15" dirty="0">
-              <a:latin typeface="Arial" panose="020B0604020202020204" pitchFamily="34" charset="0"/>
-              <a:cs typeface="Arial" panose="020B0604020202020204" pitchFamily="34" charset="0"/>
-            </a:endParaRPr>
-          </a:p>
-        </p:txBody>
-      </p:sp>
-      <p:sp>
-        <p:nvSpPr>
-          <p:cNvPr id="4" name="object 4"/>
-          <p:cNvSpPr txBox="1">
-            <a:spLocks noGrp="1"/>
-          </p:cNvSpPr>
-          <p:nvPr>
-            <p:ph type="body" idx="1"/>
-          </p:nvPr>
-        </p:nvSpPr>
-        <p:spPr>
-          <a:xfrm>
-            <a:off x="693418" y="1287703"/>
-            <a:ext cx="10805163" cy="1039515"/>
-          </a:xfrm>
-          <a:prstGeom prst="rect">
-            <a:avLst/>
-          </a:prstGeom>
-        </p:spPr>
-        <p:txBody>
-          <a:bodyPr vert="horz" wrap="square" lIns="0" tIns="0" rIns="0" bIns="0" rtlCol="0">
-            <a:spAutoFit/>
-          </a:bodyPr>
-          <a:lstStyle/>
-          <a:p>
-            <a:pPr marL="2044700" marR="5080" indent="-390525">
-              <a:lnSpc>
-                <a:spcPct val="150000"/>
-              </a:lnSpc>
-              <a:spcBef>
-                <a:spcPts val="805"/>
-              </a:spcBef>
-              <a:buFont typeface="Zapf Dingbats"/>
-              <a:buChar char="➠"/>
-            </a:pPr>
-            <a:r>
-              <a:rPr lang="en" sz="2400" dirty="0">
-                <a:latin typeface="Arial" panose="020B0604020202020204" pitchFamily="34" charset="0"/>
-                <a:cs typeface="Arial" panose="020B0604020202020204" pitchFamily="34" charset="0"/>
-              </a:rPr>
-              <a:t>Often, we need to iterate over a list while keeping track of the index</a:t>
-            </a:r>
-          </a:p>
-        </p:txBody>
-      </p:sp>
-      <p:sp>
-        <p:nvSpPr>
-          <p:cNvPr id="7" name="Holder 6">
-            <a:extLst>
-              <a:ext uri="{FF2B5EF4-FFF2-40B4-BE49-F238E27FC236}">
-                <a16:creationId xmlns:a16="http://schemas.microsoft.com/office/drawing/2014/main" id="{278BF67D-BD17-4CD4-9C6F-CA2F6A282BE9}"/>
-              </a:ext>
-            </a:extLst>
-          </p:cNvPr>
-          <p:cNvSpPr>
-            <a:spLocks noGrp="1"/>
-          </p:cNvSpPr>
-          <p:nvPr>
-            <p:ph type="sldNum" sz="quarter" idx="7"/>
-          </p:nvPr>
-        </p:nvSpPr>
-        <p:spPr>
-          <a:xfrm>
-            <a:off x="10363205" y="6629400"/>
-            <a:ext cx="1573026" cy="123111"/>
-          </a:xfrm>
-          <a:prstGeom prst="rect">
-            <a:avLst/>
-          </a:prstGeom>
-        </p:spPr>
-        <p:txBody>
-          <a:bodyPr wrap="square" lIns="0" tIns="0" rIns="0" bIns="0">
-            <a:spAutoFit/>
-          </a:bodyPr>
-          <a:lstStyle>
-            <a:lvl1pPr>
-              <a:defRPr sz="800" b="0" i="0">
-                <a:solidFill>
-                  <a:srgbClr val="A4A4A4"/>
-                </a:solidFill>
-                <a:latin typeface="Arial"/>
-                <a:cs typeface="Arial"/>
-              </a:defRPr>
-            </a:lvl1pPr>
-          </a:lstStyle>
-          <a:p>
-            <a:pPr marL="12700">
-              <a:lnSpc>
-                <a:spcPct val="100000"/>
-              </a:lnSpc>
-            </a:pPr>
-            <a:r>
-              <a:rPr lang="fr-FR" spc="-5" dirty="0"/>
-              <a:t>Cop</a:t>
-            </a:r>
-            <a:r>
-              <a:rPr lang="fr-FR" spc="-10" dirty="0"/>
-              <a:t>y</a:t>
-            </a:r>
-            <a:r>
-              <a:rPr lang="fr-FR" spc="-5" dirty="0"/>
-              <a:t>r</a:t>
-            </a:r>
-            <a:r>
-              <a:rPr lang="fr-FR" dirty="0"/>
-              <a:t>ig</a:t>
-            </a:r>
-            <a:r>
-              <a:rPr lang="fr-FR" spc="-5" dirty="0"/>
-              <a:t>h</a:t>
-            </a:r>
-            <a:r>
-              <a:rPr lang="fr-FR" dirty="0"/>
-              <a:t>t</a:t>
-            </a:r>
-            <a:r>
-              <a:rPr lang="fr-FR" spc="20" dirty="0"/>
-              <a:t> </a:t>
-            </a:r>
-            <a:r>
-              <a:rPr lang="fr-FR" dirty="0"/>
-              <a:t>© </a:t>
-            </a:r>
-            <a:r>
-              <a:rPr lang="fr-FR" spc="-5" dirty="0"/>
-              <a:t>2020</a:t>
-            </a:r>
-            <a:r>
-              <a:rPr lang="fr-FR" dirty="0"/>
-              <a:t>  </a:t>
-            </a:r>
-            <a:r>
-              <a:rPr lang="fr-FR" spc="95" dirty="0"/>
-              <a:t> </a:t>
-            </a:r>
-            <a:fld id="{81D60167-4931-47E6-BA6A-407CBD079E47}" type="slidenum">
-              <a:rPr smtClean="0">
-                <a:solidFill>
-                  <a:srgbClr val="000000"/>
-                </a:solidFill>
-              </a:rPr>
-              <a:pPr marL="12700">
-                <a:lnSpc>
-                  <a:spcPct val="100000"/>
-                </a:lnSpc>
-              </a:pPr>
-              <a:t>63</a:t>
             </a:fld>
             <a:endParaRPr dirty="0">
               <a:solidFill>
@@ -46864,7 +45319,7 @@
 </p:sld>
 </file>
 
-<file path=ppt/slides/slide64.xml><?xml version="1.0" encoding="utf-8"?>
+<file path=ppt/slides/slide62.xml><?xml version="1.0" encoding="utf-8"?>
 <p:sld xmlns:a="http://schemas.openxmlformats.org/drawingml/2006/main" xmlns:r="http://schemas.openxmlformats.org/officeDocument/2006/relationships" xmlns:p="http://schemas.openxmlformats.org/presentationml/2006/main">
   <p:cSld>
     <p:spTree>
@@ -47128,7 +45583,7 @@
                   <a:spcPct val="100000"/>
                 </a:lnSpc>
               </a:pPr>
-              <a:t>64</a:t>
+              <a:t>62</a:t>
             </a:fld>
             <a:endParaRPr dirty="0">
               <a:solidFill>
@@ -47444,7 +45899,7 @@
 </p:sld>
 </file>
 
-<file path=ppt/slides/slide65.xml><?xml version="1.0" encoding="utf-8"?>
+<file path=ppt/slides/slide63.xml><?xml version="1.0" encoding="utf-8"?>
 <p:sld xmlns:a="http://schemas.openxmlformats.org/drawingml/2006/main" xmlns:r="http://schemas.openxmlformats.org/officeDocument/2006/relationships" xmlns:p="http://schemas.openxmlformats.org/presentationml/2006/main">
   <p:cSld>
     <p:spTree>
@@ -47701,7 +46156,7 @@
                   <a:spcPct val="100000"/>
                 </a:lnSpc>
               </a:pPr>
-              <a:t>65</a:t>
+              <a:t>63</a:t>
             </a:fld>
             <a:endParaRPr dirty="0">
               <a:solidFill>
@@ -48007,7 +46462,7 @@
 </p:sld>
 </file>
 
-<file path=ppt/slides/slide66.xml><?xml version="1.0" encoding="utf-8"?>
+<file path=ppt/slides/slide64.xml><?xml version="1.0" encoding="utf-8"?>
 <p:sld xmlns:a="http://schemas.openxmlformats.org/drawingml/2006/main" xmlns:r="http://schemas.openxmlformats.org/officeDocument/2006/relationships" xmlns:p="http://schemas.openxmlformats.org/presentationml/2006/main">
   <p:cSld>
     <p:spTree>
@@ -48257,7 +46712,7 @@
                   <a:spcPct val="100000"/>
                 </a:lnSpc>
               </a:pPr>
-              <a:t>66</a:t>
+              <a:t>64</a:t>
             </a:fld>
             <a:endParaRPr dirty="0">
               <a:solidFill>
@@ -48386,7 +46841,7 @@
           <a:p>
             <a:r>
               <a:rPr lang="en" dirty="0"/>
-              <a:t>b = a / 2 if (a % 2) == 1 else 'odd'</a:t>
+              <a:t>b = a / 2 if (a % 2) == 0 else 'odd'</a:t>
             </a:r>
           </a:p>
           <a:p>
@@ -48529,7 +46984,7 @@
 </p:sld>
 </file>
 
-<file path=ppt/slides/slide67.xml><?xml version="1.0" encoding="utf-8"?>
+<file path=ppt/slides/slide65.xml><?xml version="1.0" encoding="utf-8"?>
 <p:sld xmlns:a="http://schemas.openxmlformats.org/drawingml/2006/main" xmlns:r="http://schemas.openxmlformats.org/officeDocument/2006/relationships" xmlns:p="http://schemas.openxmlformats.org/presentationml/2006/main">
   <p:cSld>
     <p:spTree>
@@ -48806,7 +47261,7 @@
                   <a:spcPct val="100000"/>
                 </a:lnSpc>
               </a:pPr>
-              <a:t>67</a:t>
+              <a:t>65</a:t>
             </a:fld>
             <a:endParaRPr dirty="0">
               <a:solidFill>
@@ -48829,7 +47284,7 @@
 </p:sld>
 </file>
 
-<file path=ppt/slides/slide68.xml><?xml version="1.0" encoding="utf-8"?>
+<file path=ppt/slides/slide66.xml><?xml version="1.0" encoding="utf-8"?>
 <p:sld xmlns:a="http://schemas.openxmlformats.org/drawingml/2006/main" xmlns:r="http://schemas.openxmlformats.org/officeDocument/2006/relationships" xmlns:p="http://schemas.openxmlformats.org/presentationml/2006/main">
   <p:cSld>
     <p:spTree>
@@ -49224,7 +47679,7 @@
                   <a:spcPct val="100000"/>
                 </a:lnSpc>
               </a:pPr>
-              <a:t>68</a:t>
+              <a:t>66</a:t>
             </a:fld>
             <a:endParaRPr dirty="0">
               <a:solidFill>
@@ -49247,7 +47702,7 @@
 </p:sld>
 </file>
 
-<file path=ppt/slides/slide69.xml><?xml version="1.0" encoding="utf-8"?>
+<file path=ppt/slides/slide67.xml><?xml version="1.0" encoding="utf-8"?>
 <p:sld xmlns:a="http://schemas.openxmlformats.org/drawingml/2006/main" xmlns:r="http://schemas.openxmlformats.org/officeDocument/2006/relationships" xmlns:p="http://schemas.openxmlformats.org/presentationml/2006/main">
   <p:cSld>
     <p:spTree>
@@ -50120,6 +48575,476 @@
                   <a:spcPct val="100000"/>
                 </a:lnSpc>
               </a:pPr>
+              <a:t>67</a:t>
+            </a:fld>
+            <a:endParaRPr dirty="0">
+              <a:solidFill>
+                <a:srgbClr val="000000"/>
+              </a:solidFill>
+            </a:endParaRPr>
+          </a:p>
+        </p:txBody>
+      </p:sp>
+    </p:spTree>
+    <p:extLst>
+      <p:ext uri="{BB962C8B-B14F-4D97-AF65-F5344CB8AC3E}">
+        <p14:creationId xmlns:p14="http://schemas.microsoft.com/office/powerpoint/2010/main" val="887342958"/>
+      </p:ext>
+    </p:extLst>
+  </p:cSld>
+  <p:clrMapOvr>
+    <a:masterClrMapping/>
+  </p:clrMapOvr>
+</p:sld>
+</file>
+
+<file path=ppt/slides/slide68.xml><?xml version="1.0" encoding="utf-8"?>
+<p:sld xmlns:a="http://schemas.openxmlformats.org/drawingml/2006/main" xmlns:r="http://schemas.openxmlformats.org/officeDocument/2006/relationships" xmlns:p="http://schemas.openxmlformats.org/presentationml/2006/main">
+  <p:cSld>
+    <p:spTree>
+      <p:nvGrpSpPr>
+        <p:cNvPr id="1" name=""/>
+        <p:cNvGrpSpPr/>
+        <p:nvPr/>
+      </p:nvGrpSpPr>
+      <p:grpSpPr>
+        <a:xfrm>
+          <a:off x="0" y="0"/>
+          <a:ext cx="0" cy="0"/>
+          <a:chOff x="0" y="0"/>
+          <a:chExt cx="0" cy="0"/>
+        </a:xfrm>
+      </p:grpSpPr>
+      <p:sp>
+        <p:nvSpPr>
+          <p:cNvPr id="4" name="object 4"/>
+          <p:cNvSpPr txBox="1">
+            <a:spLocks noGrp="1"/>
+          </p:cNvSpPr>
+          <p:nvPr>
+            <p:ph type="title"/>
+          </p:nvPr>
+        </p:nvSpPr>
+        <p:spPr>
+          <a:xfrm>
+            <a:off x="2209800" y="378886"/>
+            <a:ext cx="9199246" cy="384721"/>
+          </a:xfrm>
+          <a:prstGeom prst="rect">
+            <a:avLst/>
+          </a:prstGeom>
+        </p:spPr>
+        <p:txBody>
+          <a:bodyPr vert="horz" wrap="square" lIns="0" tIns="0" rIns="0" bIns="0" rtlCol="0">
+            <a:spAutoFit/>
+          </a:bodyPr>
+          <a:lstStyle/>
+          <a:p>
+            <a:pPr marL="1564640">
+              <a:lnSpc>
+                <a:spcPct val="100000"/>
+              </a:lnSpc>
+            </a:pPr>
+            <a:r>
+              <a:rPr lang="en-US" spc="-20" dirty="0"/>
+              <a:t>Workshop</a:t>
+            </a:r>
+            <a:endParaRPr spc="-20" dirty="0"/>
+          </a:p>
+        </p:txBody>
+      </p:sp>
+      <p:sp>
+        <p:nvSpPr>
+          <p:cNvPr id="7" name="object 2">
+            <a:extLst>
+              <a:ext uri="{FF2B5EF4-FFF2-40B4-BE49-F238E27FC236}">
+                <a16:creationId xmlns:a16="http://schemas.microsoft.com/office/drawing/2014/main" id="{9277B201-E278-DE48-98B0-34E967E6F14B}"/>
+              </a:ext>
+            </a:extLst>
+          </p:cNvPr>
+          <p:cNvSpPr txBox="1"/>
+          <p:nvPr/>
+        </p:nvSpPr>
+        <p:spPr>
+          <a:xfrm>
+            <a:off x="150678" y="216496"/>
+            <a:ext cx="1659255" cy="492443"/>
+          </a:xfrm>
+          <a:prstGeom prst="rect">
+            <a:avLst/>
+          </a:prstGeom>
+        </p:spPr>
+        <p:txBody>
+          <a:bodyPr vert="horz" wrap="square" lIns="0" tIns="0" rIns="0" bIns="0" rtlCol="0">
+            <a:spAutoFit/>
+          </a:bodyPr>
+          <a:lstStyle/>
+          <a:p>
+            <a:pPr marL="12700" marR="5080">
+              <a:lnSpc>
+                <a:spcPct val="100000"/>
+              </a:lnSpc>
+            </a:pPr>
+            <a:r>
+              <a:rPr lang="en-US" sz="1600" spc="-10" dirty="0">
+                <a:solidFill>
+                  <a:srgbClr val="FFFFFF"/>
+                </a:solidFill>
+                <a:latin typeface="Arial"/>
+                <a:cs typeface="Arial"/>
+              </a:rPr>
+              <a:t>Python 3 Beginner</a:t>
+            </a:r>
+            <a:endParaRPr sz="1600" dirty="0">
+              <a:latin typeface="Arial"/>
+              <a:cs typeface="Arial"/>
+            </a:endParaRPr>
+          </a:p>
+        </p:txBody>
+      </p:sp>
+      <p:sp>
+        <p:nvSpPr>
+          <p:cNvPr id="11" name="TextBox 10">
+            <a:extLst>
+              <a:ext uri="{FF2B5EF4-FFF2-40B4-BE49-F238E27FC236}">
+                <a16:creationId xmlns:a16="http://schemas.microsoft.com/office/drawing/2014/main" id="{26EAFB34-A7FD-EC44-9A84-87240194105D}"/>
+              </a:ext>
+            </a:extLst>
+          </p:cNvPr>
+          <p:cNvSpPr txBox="1"/>
+          <p:nvPr/>
+        </p:nvSpPr>
+        <p:spPr>
+          <a:xfrm>
+            <a:off x="3048001" y="5742956"/>
+            <a:ext cx="8204200" cy="369332"/>
+          </a:xfrm>
+          <a:prstGeom prst="rect">
+            <a:avLst/>
+          </a:prstGeom>
+          <a:noFill/>
+        </p:spPr>
+        <p:txBody>
+          <a:bodyPr wrap="square" rtlCol="0">
+            <a:spAutoFit/>
+          </a:bodyPr>
+          <a:lstStyle/>
+          <a:p>
+            <a:r>
+              <a:rPr lang="fr-FR" dirty="0">
+                <a:solidFill>
+                  <a:schemeClr val="accent1"/>
+                </a:solidFill>
+                <a:hlinkClick r:id="rId3">
+                  <a:extLst>
+                    <a:ext uri="{A12FA001-AC4F-418D-AE19-62706E023703}">
+                      <ahyp:hlinkClr xmlns:ahyp="http://schemas.microsoft.com/office/drawing/2018/hyperlinkcolor" val="tx"/>
+                    </a:ext>
+                  </a:extLst>
+                </a:hlinkClick>
+              </a:rPr>
+              <a:t>Session 02 Workshop </a:t>
+            </a:r>
+            <a:r>
+              <a:rPr lang="fr-FR" dirty="0" err="1"/>
+              <a:t>link</a:t>
+            </a:r>
+            <a:endParaRPr lang="fr-FR" dirty="0"/>
+          </a:p>
+        </p:txBody>
+      </p:sp>
+      <p:sp>
+        <p:nvSpPr>
+          <p:cNvPr id="8" name="Slide Number Placeholder 3">
+            <a:extLst>
+              <a:ext uri="{FF2B5EF4-FFF2-40B4-BE49-F238E27FC236}">
+                <a16:creationId xmlns:a16="http://schemas.microsoft.com/office/drawing/2014/main" id="{942BF141-D6DA-46B3-A9DD-8B633001DB63}"/>
+              </a:ext>
+            </a:extLst>
+          </p:cNvPr>
+          <p:cNvSpPr>
+            <a:spLocks noGrp="1"/>
+          </p:cNvSpPr>
+          <p:nvPr>
+            <p:ph type="sldNum" sz="quarter" idx="7"/>
+          </p:nvPr>
+        </p:nvSpPr>
+        <p:spPr>
+          <a:xfrm>
+            <a:off x="10363205" y="6629400"/>
+            <a:ext cx="1573026" cy="123111"/>
+          </a:xfrm>
+        </p:spPr>
+        <p:txBody>
+          <a:bodyPr/>
+          <a:lstStyle/>
+          <a:p>
+            <a:pPr marL="12700">
+              <a:lnSpc>
+                <a:spcPct val="100000"/>
+              </a:lnSpc>
+            </a:pPr>
+            <a:r>
+              <a:rPr lang="fr-FR" spc="-5" dirty="0"/>
+              <a:t>Cop</a:t>
+            </a:r>
+            <a:r>
+              <a:rPr lang="fr-FR" spc="-10" dirty="0"/>
+              <a:t>y</a:t>
+            </a:r>
+            <a:r>
+              <a:rPr lang="fr-FR" spc="-5" dirty="0"/>
+              <a:t>r</a:t>
+            </a:r>
+            <a:r>
+              <a:rPr lang="fr-FR" dirty="0"/>
+              <a:t>ig</a:t>
+            </a:r>
+            <a:r>
+              <a:rPr lang="fr-FR" spc="-5" dirty="0"/>
+              <a:t>h</a:t>
+            </a:r>
+            <a:r>
+              <a:rPr lang="fr-FR" dirty="0"/>
+              <a:t>t</a:t>
+            </a:r>
+            <a:r>
+              <a:rPr lang="fr-FR" spc="20" dirty="0"/>
+              <a:t> </a:t>
+            </a:r>
+            <a:r>
+              <a:rPr lang="fr-FR" dirty="0"/>
+              <a:t>© </a:t>
+            </a:r>
+            <a:r>
+              <a:rPr lang="fr-FR" spc="-5" dirty="0"/>
+              <a:t>2020</a:t>
+            </a:r>
+            <a:r>
+              <a:rPr lang="fr-FR" dirty="0"/>
+              <a:t>  </a:t>
+            </a:r>
+            <a:r>
+              <a:rPr lang="fr-FR" spc="95" dirty="0"/>
+              <a:t> </a:t>
+            </a:r>
+            <a:fld id="{81D60167-4931-47E6-BA6A-407CBD079E47}" type="slidenum">
+              <a:rPr smtClean="0">
+                <a:solidFill>
+                  <a:srgbClr val="000000"/>
+                </a:solidFill>
+              </a:rPr>
+              <a:pPr marL="12700">
+                <a:lnSpc>
+                  <a:spcPct val="100000"/>
+                </a:lnSpc>
+              </a:pPr>
+              <a:t>68</a:t>
+            </a:fld>
+            <a:endParaRPr dirty="0">
+              <a:solidFill>
+                <a:srgbClr val="000000"/>
+              </a:solidFill>
+            </a:endParaRPr>
+          </a:p>
+        </p:txBody>
+      </p:sp>
+      <p:pic>
+        <p:nvPicPr>
+          <p:cNvPr id="5" name="Picture 4">
+            <a:extLst>
+              <a:ext uri="{FF2B5EF4-FFF2-40B4-BE49-F238E27FC236}">
+                <a16:creationId xmlns:a16="http://schemas.microsoft.com/office/drawing/2014/main" id="{F1A22753-F098-6F46-BA4C-D1845678192C}"/>
+              </a:ext>
+            </a:extLst>
+          </p:cNvPr>
+          <p:cNvPicPr>
+            <a:picLocks noChangeAspect="1"/>
+          </p:cNvPicPr>
+          <p:nvPr/>
+        </p:nvPicPr>
+        <p:blipFill>
+          <a:blip r:embed="rId4">
+            <a:extLst>
+              <a:ext uri="{28A0092B-C50C-407E-A947-70E740481C1C}">
+                <a14:useLocalDpi xmlns:a14="http://schemas.microsoft.com/office/drawing/2010/main" val="0"/>
+              </a:ext>
+            </a:extLst>
+          </a:blip>
+          <a:stretch>
+            <a:fillRect/>
+          </a:stretch>
+        </p:blipFill>
+        <p:spPr>
+          <a:xfrm>
+            <a:off x="4648200" y="990600"/>
+            <a:ext cx="4572000" cy="4535714"/>
+          </a:xfrm>
+          <a:prstGeom prst="rect">
+            <a:avLst/>
+          </a:prstGeom>
+        </p:spPr>
+      </p:pic>
+    </p:spTree>
+    <p:extLst>
+      <p:ext uri="{BB962C8B-B14F-4D97-AF65-F5344CB8AC3E}">
+        <p14:creationId xmlns:p14="http://schemas.microsoft.com/office/powerpoint/2010/main" val="3437660582"/>
+      </p:ext>
+    </p:extLst>
+  </p:cSld>
+  <p:clrMapOvr>
+    <a:masterClrMapping/>
+  </p:clrMapOvr>
+</p:sld>
+</file>
+
+<file path=ppt/slides/slide69.xml><?xml version="1.0" encoding="utf-8"?>
+<p:sld xmlns:a="http://schemas.openxmlformats.org/drawingml/2006/main" xmlns:r="http://schemas.openxmlformats.org/officeDocument/2006/relationships" xmlns:p="http://schemas.openxmlformats.org/presentationml/2006/main">
+  <p:cSld>
+    <p:spTree>
+      <p:nvGrpSpPr>
+        <p:cNvPr id="1" name=""/>
+        <p:cNvGrpSpPr/>
+        <p:nvPr/>
+      </p:nvGrpSpPr>
+      <p:grpSpPr>
+        <a:xfrm>
+          <a:off x="0" y="0"/>
+          <a:ext cx="0" cy="0"/>
+          <a:chOff x="0" y="0"/>
+          <a:chExt cx="0" cy="0"/>
+        </a:xfrm>
+      </p:grpSpPr>
+      <p:sp>
+        <p:nvSpPr>
+          <p:cNvPr id="2" name="ZoneTexte 1"/>
+          <p:cNvSpPr txBox="1"/>
+          <p:nvPr/>
+        </p:nvSpPr>
+        <p:spPr>
+          <a:xfrm>
+            <a:off x="6400800" y="1676400"/>
+            <a:ext cx="5410200" cy="1754326"/>
+          </a:xfrm>
+          <a:prstGeom prst="rect">
+            <a:avLst/>
+          </a:prstGeom>
+          <a:noFill/>
+        </p:spPr>
+        <p:txBody>
+          <a:bodyPr wrap="square" rtlCol="0">
+            <a:spAutoFit/>
+          </a:bodyPr>
+          <a:lstStyle/>
+          <a:p>
+            <a:r>
+              <a:rPr lang="fr-FR" sz="5400" b="1" dirty="0" err="1"/>
+              <a:t>Thank</a:t>
+            </a:r>
+            <a:r>
+              <a:rPr lang="fr-FR" sz="5400" b="1" dirty="0"/>
+              <a:t> </a:t>
+            </a:r>
+            <a:r>
+              <a:rPr lang="fr-FR" sz="5400" b="1" dirty="0" err="1"/>
+              <a:t>you</a:t>
+            </a:r>
+            <a:r>
+              <a:rPr lang="fr-FR" sz="5400" b="1" dirty="0"/>
+              <a:t> for </a:t>
+            </a:r>
+            <a:r>
+              <a:rPr lang="fr-FR" sz="5400" b="1" dirty="0" err="1"/>
+              <a:t>your</a:t>
+            </a:r>
+            <a:r>
+              <a:rPr lang="fr-FR" sz="5400" b="1" dirty="0"/>
+              <a:t> attention! </a:t>
+            </a:r>
+          </a:p>
+        </p:txBody>
+      </p:sp>
+      <p:sp>
+        <p:nvSpPr>
+          <p:cNvPr id="3" name="Espace réservé du numéro de diapositive 2">
+            <a:extLst>
+              <a:ext uri="{FF2B5EF4-FFF2-40B4-BE49-F238E27FC236}">
+                <a16:creationId xmlns:a16="http://schemas.microsoft.com/office/drawing/2014/main" id="{EFAA9049-5DD4-4951-9673-46D406FF8D57}"/>
+              </a:ext>
+            </a:extLst>
+          </p:cNvPr>
+          <p:cNvSpPr>
+            <a:spLocks noGrp="1"/>
+          </p:cNvSpPr>
+          <p:nvPr>
+            <p:ph type="sldNum" sz="quarter" idx="7"/>
+          </p:nvPr>
+        </p:nvSpPr>
+        <p:spPr/>
+        <p:txBody>
+          <a:bodyPr/>
+          <a:lstStyle/>
+          <a:p>
+            <a:pPr marL="12700">
+              <a:lnSpc>
+                <a:spcPct val="100000"/>
+              </a:lnSpc>
+            </a:pPr>
+            <a:r>
+              <a:rPr lang="fr-FR" spc="-5"/>
+              <a:t>Cop</a:t>
+            </a:r>
+            <a:r>
+              <a:rPr lang="fr-FR" spc="-10"/>
+              <a:t>y</a:t>
+            </a:r>
+            <a:r>
+              <a:rPr lang="fr-FR" spc="-5"/>
+              <a:t>r</a:t>
+            </a:r>
+            <a:r>
+              <a:rPr lang="fr-FR"/>
+              <a:t>ig</a:t>
+            </a:r>
+            <a:r>
+              <a:rPr lang="fr-FR" spc="-5"/>
+              <a:t>h</a:t>
+            </a:r>
+            <a:r>
+              <a:rPr lang="fr-FR"/>
+              <a:t>t</a:t>
+            </a:r>
+            <a:r>
+              <a:rPr lang="fr-FR" spc="20"/>
+              <a:t> </a:t>
+            </a:r>
+            <a:r>
+              <a:rPr lang="fr-FR"/>
+              <a:t>© </a:t>
+            </a:r>
+            <a:r>
+              <a:rPr lang="fr-FR" spc="-5"/>
+              <a:t>2020</a:t>
+            </a:r>
+            <a:r>
+              <a:rPr lang="fr-FR"/>
+              <a:t>  </a:t>
+            </a:r>
+            <a:r>
+              <a:rPr lang="fr-FR" spc="95"/>
+              <a:t> </a:t>
+            </a:r>
+            <a:fld id="{81D60167-4931-47E6-BA6A-407CBD079E47}" type="slidenum">
+              <a:rPr smtClean="0">
+                <a:solidFill>
+                  <a:srgbClr val="000000"/>
+                </a:solidFill>
+              </a:rPr>
+              <a:pPr marL="12700">
+                <a:lnSpc>
+                  <a:spcPct val="100000"/>
+                </a:lnSpc>
+              </a:pPr>
               <a:t>69</a:t>
             </a:fld>
             <a:endParaRPr dirty="0">
@@ -50133,7 +49058,7 @@
     </p:spTree>
     <p:extLst>
       <p:ext uri="{BB962C8B-B14F-4D97-AF65-F5344CB8AC3E}">
-        <p14:creationId xmlns:p14="http://schemas.microsoft.com/office/powerpoint/2010/main" val="887342958"/>
+        <p14:creationId xmlns:p14="http://schemas.microsoft.com/office/powerpoint/2010/main" val="3354610790"/>
       </p:ext>
     </p:extLst>
   </p:cSld>
@@ -50651,476 +49576,6 @@
     <p:extLst>
       <p:ext uri="{BB962C8B-B14F-4D97-AF65-F5344CB8AC3E}">
         <p14:creationId xmlns:p14="http://schemas.microsoft.com/office/powerpoint/2010/main" val="808833073"/>
-      </p:ext>
-    </p:extLst>
-  </p:cSld>
-  <p:clrMapOvr>
-    <a:masterClrMapping/>
-  </p:clrMapOvr>
-</p:sld>
-</file>
-
-<file path=ppt/slides/slide70.xml><?xml version="1.0" encoding="utf-8"?>
-<p:sld xmlns:a="http://schemas.openxmlformats.org/drawingml/2006/main" xmlns:r="http://schemas.openxmlformats.org/officeDocument/2006/relationships" xmlns:p="http://schemas.openxmlformats.org/presentationml/2006/main">
-  <p:cSld>
-    <p:spTree>
-      <p:nvGrpSpPr>
-        <p:cNvPr id="1" name=""/>
-        <p:cNvGrpSpPr/>
-        <p:nvPr/>
-      </p:nvGrpSpPr>
-      <p:grpSpPr>
-        <a:xfrm>
-          <a:off x="0" y="0"/>
-          <a:ext cx="0" cy="0"/>
-          <a:chOff x="0" y="0"/>
-          <a:chExt cx="0" cy="0"/>
-        </a:xfrm>
-      </p:grpSpPr>
-      <p:sp>
-        <p:nvSpPr>
-          <p:cNvPr id="4" name="object 4"/>
-          <p:cNvSpPr txBox="1">
-            <a:spLocks noGrp="1"/>
-          </p:cNvSpPr>
-          <p:nvPr>
-            <p:ph type="title"/>
-          </p:nvPr>
-        </p:nvSpPr>
-        <p:spPr>
-          <a:xfrm>
-            <a:off x="2209800" y="378886"/>
-            <a:ext cx="9199246" cy="384721"/>
-          </a:xfrm>
-          <a:prstGeom prst="rect">
-            <a:avLst/>
-          </a:prstGeom>
-        </p:spPr>
-        <p:txBody>
-          <a:bodyPr vert="horz" wrap="square" lIns="0" tIns="0" rIns="0" bIns="0" rtlCol="0">
-            <a:spAutoFit/>
-          </a:bodyPr>
-          <a:lstStyle/>
-          <a:p>
-            <a:pPr marL="1564640">
-              <a:lnSpc>
-                <a:spcPct val="100000"/>
-              </a:lnSpc>
-            </a:pPr>
-            <a:r>
-              <a:rPr lang="en-US" spc="-20" dirty="0"/>
-              <a:t>Workshop</a:t>
-            </a:r>
-            <a:endParaRPr spc="-20" dirty="0"/>
-          </a:p>
-        </p:txBody>
-      </p:sp>
-      <p:sp>
-        <p:nvSpPr>
-          <p:cNvPr id="7" name="object 2">
-            <a:extLst>
-              <a:ext uri="{FF2B5EF4-FFF2-40B4-BE49-F238E27FC236}">
-                <a16:creationId xmlns:a16="http://schemas.microsoft.com/office/drawing/2014/main" id="{9277B201-E278-DE48-98B0-34E967E6F14B}"/>
-              </a:ext>
-            </a:extLst>
-          </p:cNvPr>
-          <p:cNvSpPr txBox="1"/>
-          <p:nvPr/>
-        </p:nvSpPr>
-        <p:spPr>
-          <a:xfrm>
-            <a:off x="150678" y="216496"/>
-            <a:ext cx="1659255" cy="492443"/>
-          </a:xfrm>
-          <a:prstGeom prst="rect">
-            <a:avLst/>
-          </a:prstGeom>
-        </p:spPr>
-        <p:txBody>
-          <a:bodyPr vert="horz" wrap="square" lIns="0" tIns="0" rIns="0" bIns="0" rtlCol="0">
-            <a:spAutoFit/>
-          </a:bodyPr>
-          <a:lstStyle/>
-          <a:p>
-            <a:pPr marL="12700" marR="5080">
-              <a:lnSpc>
-                <a:spcPct val="100000"/>
-              </a:lnSpc>
-            </a:pPr>
-            <a:r>
-              <a:rPr lang="en-US" sz="1600" spc="-10" dirty="0">
-                <a:solidFill>
-                  <a:srgbClr val="FFFFFF"/>
-                </a:solidFill>
-                <a:latin typeface="Arial"/>
-                <a:cs typeface="Arial"/>
-              </a:rPr>
-              <a:t>Python 3 Beginner</a:t>
-            </a:r>
-            <a:endParaRPr sz="1600" dirty="0">
-              <a:latin typeface="Arial"/>
-              <a:cs typeface="Arial"/>
-            </a:endParaRPr>
-          </a:p>
-        </p:txBody>
-      </p:sp>
-      <p:sp>
-        <p:nvSpPr>
-          <p:cNvPr id="11" name="TextBox 10">
-            <a:extLst>
-              <a:ext uri="{FF2B5EF4-FFF2-40B4-BE49-F238E27FC236}">
-                <a16:creationId xmlns:a16="http://schemas.microsoft.com/office/drawing/2014/main" id="{26EAFB34-A7FD-EC44-9A84-87240194105D}"/>
-              </a:ext>
-            </a:extLst>
-          </p:cNvPr>
-          <p:cNvSpPr txBox="1"/>
-          <p:nvPr/>
-        </p:nvSpPr>
-        <p:spPr>
-          <a:xfrm>
-            <a:off x="3048001" y="5742956"/>
-            <a:ext cx="8204200" cy="369332"/>
-          </a:xfrm>
-          <a:prstGeom prst="rect">
-            <a:avLst/>
-          </a:prstGeom>
-          <a:noFill/>
-        </p:spPr>
-        <p:txBody>
-          <a:bodyPr wrap="square" rtlCol="0">
-            <a:spAutoFit/>
-          </a:bodyPr>
-          <a:lstStyle/>
-          <a:p>
-            <a:r>
-              <a:rPr lang="fr-FR" dirty="0">
-                <a:solidFill>
-                  <a:schemeClr val="accent1"/>
-                </a:solidFill>
-                <a:hlinkClick r:id="rId3">
-                  <a:extLst>
-                    <a:ext uri="{A12FA001-AC4F-418D-AE19-62706E023703}">
-                      <ahyp:hlinkClr xmlns:ahyp="http://schemas.microsoft.com/office/drawing/2018/hyperlinkcolor" val="tx"/>
-                    </a:ext>
-                  </a:extLst>
-                </a:hlinkClick>
-              </a:rPr>
-              <a:t>Session 02 Workshop </a:t>
-            </a:r>
-            <a:r>
-              <a:rPr lang="fr-FR" dirty="0" err="1"/>
-              <a:t>link</a:t>
-            </a:r>
-            <a:endParaRPr lang="fr-FR" dirty="0"/>
-          </a:p>
-        </p:txBody>
-      </p:sp>
-      <p:sp>
-        <p:nvSpPr>
-          <p:cNvPr id="8" name="Slide Number Placeholder 3">
-            <a:extLst>
-              <a:ext uri="{FF2B5EF4-FFF2-40B4-BE49-F238E27FC236}">
-                <a16:creationId xmlns:a16="http://schemas.microsoft.com/office/drawing/2014/main" id="{942BF141-D6DA-46B3-A9DD-8B633001DB63}"/>
-              </a:ext>
-            </a:extLst>
-          </p:cNvPr>
-          <p:cNvSpPr>
-            <a:spLocks noGrp="1"/>
-          </p:cNvSpPr>
-          <p:nvPr>
-            <p:ph type="sldNum" sz="quarter" idx="7"/>
-          </p:nvPr>
-        </p:nvSpPr>
-        <p:spPr>
-          <a:xfrm>
-            <a:off x="10363205" y="6629400"/>
-            <a:ext cx="1573026" cy="123111"/>
-          </a:xfrm>
-        </p:spPr>
-        <p:txBody>
-          <a:bodyPr/>
-          <a:lstStyle/>
-          <a:p>
-            <a:pPr marL="12700">
-              <a:lnSpc>
-                <a:spcPct val="100000"/>
-              </a:lnSpc>
-            </a:pPr>
-            <a:r>
-              <a:rPr lang="fr-FR" spc="-5" dirty="0"/>
-              <a:t>Cop</a:t>
-            </a:r>
-            <a:r>
-              <a:rPr lang="fr-FR" spc="-10" dirty="0"/>
-              <a:t>y</a:t>
-            </a:r>
-            <a:r>
-              <a:rPr lang="fr-FR" spc="-5" dirty="0"/>
-              <a:t>r</a:t>
-            </a:r>
-            <a:r>
-              <a:rPr lang="fr-FR" dirty="0"/>
-              <a:t>ig</a:t>
-            </a:r>
-            <a:r>
-              <a:rPr lang="fr-FR" spc="-5" dirty="0"/>
-              <a:t>h</a:t>
-            </a:r>
-            <a:r>
-              <a:rPr lang="fr-FR" dirty="0"/>
-              <a:t>t</a:t>
-            </a:r>
-            <a:r>
-              <a:rPr lang="fr-FR" spc="20" dirty="0"/>
-              <a:t> </a:t>
-            </a:r>
-            <a:r>
-              <a:rPr lang="fr-FR" dirty="0"/>
-              <a:t>© </a:t>
-            </a:r>
-            <a:r>
-              <a:rPr lang="fr-FR" spc="-5" dirty="0"/>
-              <a:t>2020</a:t>
-            </a:r>
-            <a:r>
-              <a:rPr lang="fr-FR" dirty="0"/>
-              <a:t>  </a:t>
-            </a:r>
-            <a:r>
-              <a:rPr lang="fr-FR" spc="95" dirty="0"/>
-              <a:t> </a:t>
-            </a:r>
-            <a:fld id="{81D60167-4931-47E6-BA6A-407CBD079E47}" type="slidenum">
-              <a:rPr smtClean="0">
-                <a:solidFill>
-                  <a:srgbClr val="000000"/>
-                </a:solidFill>
-              </a:rPr>
-              <a:pPr marL="12700">
-                <a:lnSpc>
-                  <a:spcPct val="100000"/>
-                </a:lnSpc>
-              </a:pPr>
-              <a:t>70</a:t>
-            </a:fld>
-            <a:endParaRPr dirty="0">
-              <a:solidFill>
-                <a:srgbClr val="000000"/>
-              </a:solidFill>
-            </a:endParaRPr>
-          </a:p>
-        </p:txBody>
-      </p:sp>
-      <p:pic>
-        <p:nvPicPr>
-          <p:cNvPr id="5" name="Picture 4">
-            <a:extLst>
-              <a:ext uri="{FF2B5EF4-FFF2-40B4-BE49-F238E27FC236}">
-                <a16:creationId xmlns:a16="http://schemas.microsoft.com/office/drawing/2014/main" id="{F1A22753-F098-6F46-BA4C-D1845678192C}"/>
-              </a:ext>
-            </a:extLst>
-          </p:cNvPr>
-          <p:cNvPicPr>
-            <a:picLocks noChangeAspect="1"/>
-          </p:cNvPicPr>
-          <p:nvPr/>
-        </p:nvPicPr>
-        <p:blipFill>
-          <a:blip r:embed="rId4">
-            <a:extLst>
-              <a:ext uri="{28A0092B-C50C-407E-A947-70E740481C1C}">
-                <a14:useLocalDpi xmlns:a14="http://schemas.microsoft.com/office/drawing/2010/main" val="0"/>
-              </a:ext>
-            </a:extLst>
-          </a:blip>
-          <a:stretch>
-            <a:fillRect/>
-          </a:stretch>
-        </p:blipFill>
-        <p:spPr>
-          <a:xfrm>
-            <a:off x="4648200" y="990600"/>
-            <a:ext cx="4572000" cy="4535714"/>
-          </a:xfrm>
-          <a:prstGeom prst="rect">
-            <a:avLst/>
-          </a:prstGeom>
-        </p:spPr>
-      </p:pic>
-    </p:spTree>
-    <p:extLst>
-      <p:ext uri="{BB962C8B-B14F-4D97-AF65-F5344CB8AC3E}">
-        <p14:creationId xmlns:p14="http://schemas.microsoft.com/office/powerpoint/2010/main" val="3437660582"/>
-      </p:ext>
-    </p:extLst>
-  </p:cSld>
-  <p:clrMapOvr>
-    <a:masterClrMapping/>
-  </p:clrMapOvr>
-</p:sld>
-</file>
-
-<file path=ppt/slides/slide71.xml><?xml version="1.0" encoding="utf-8"?>
-<p:sld xmlns:a="http://schemas.openxmlformats.org/drawingml/2006/main" xmlns:r="http://schemas.openxmlformats.org/officeDocument/2006/relationships" xmlns:p="http://schemas.openxmlformats.org/presentationml/2006/main">
-  <p:cSld>
-    <p:spTree>
-      <p:nvGrpSpPr>
-        <p:cNvPr id="1" name=""/>
-        <p:cNvGrpSpPr/>
-        <p:nvPr/>
-      </p:nvGrpSpPr>
-      <p:grpSpPr>
-        <a:xfrm>
-          <a:off x="0" y="0"/>
-          <a:ext cx="0" cy="0"/>
-          <a:chOff x="0" y="0"/>
-          <a:chExt cx="0" cy="0"/>
-        </a:xfrm>
-      </p:grpSpPr>
-      <p:sp>
-        <p:nvSpPr>
-          <p:cNvPr id="2" name="ZoneTexte 1"/>
-          <p:cNvSpPr txBox="1"/>
-          <p:nvPr/>
-        </p:nvSpPr>
-        <p:spPr>
-          <a:xfrm>
-            <a:off x="6400800" y="1676400"/>
-            <a:ext cx="5410200" cy="1754326"/>
-          </a:xfrm>
-          <a:prstGeom prst="rect">
-            <a:avLst/>
-          </a:prstGeom>
-          <a:noFill/>
-        </p:spPr>
-        <p:txBody>
-          <a:bodyPr wrap="square" rtlCol="0">
-            <a:spAutoFit/>
-          </a:bodyPr>
-          <a:lstStyle/>
-          <a:p>
-            <a:r>
-              <a:rPr lang="fr-FR" sz="5400" b="1" dirty="0" err="1"/>
-              <a:t>Thank</a:t>
-            </a:r>
-            <a:r>
-              <a:rPr lang="fr-FR" sz="5400" b="1" dirty="0"/>
-              <a:t> </a:t>
-            </a:r>
-            <a:r>
-              <a:rPr lang="fr-FR" sz="5400" b="1" dirty="0" err="1"/>
-              <a:t>you</a:t>
-            </a:r>
-            <a:r>
-              <a:rPr lang="fr-FR" sz="5400" b="1" dirty="0"/>
-              <a:t> for </a:t>
-            </a:r>
-            <a:r>
-              <a:rPr lang="fr-FR" sz="5400" b="1" dirty="0" err="1"/>
-              <a:t>your</a:t>
-            </a:r>
-            <a:r>
-              <a:rPr lang="fr-FR" sz="5400" b="1" dirty="0"/>
-              <a:t> attention! </a:t>
-            </a:r>
-          </a:p>
-        </p:txBody>
-      </p:sp>
-      <p:sp>
-        <p:nvSpPr>
-          <p:cNvPr id="3" name="Espace réservé du numéro de diapositive 2">
-            <a:extLst>
-              <a:ext uri="{FF2B5EF4-FFF2-40B4-BE49-F238E27FC236}">
-                <a16:creationId xmlns:a16="http://schemas.microsoft.com/office/drawing/2014/main" id="{EFAA9049-5DD4-4951-9673-46D406FF8D57}"/>
-              </a:ext>
-            </a:extLst>
-          </p:cNvPr>
-          <p:cNvSpPr>
-            <a:spLocks noGrp="1"/>
-          </p:cNvSpPr>
-          <p:nvPr>
-            <p:ph type="sldNum" sz="quarter" idx="7"/>
-          </p:nvPr>
-        </p:nvSpPr>
-        <p:spPr/>
-        <p:txBody>
-          <a:bodyPr/>
-          <a:lstStyle/>
-          <a:p>
-            <a:pPr marL="12700">
-              <a:lnSpc>
-                <a:spcPct val="100000"/>
-              </a:lnSpc>
-            </a:pPr>
-            <a:r>
-              <a:rPr lang="fr-FR" spc="-5"/>
-              <a:t>Cop</a:t>
-            </a:r>
-            <a:r>
-              <a:rPr lang="fr-FR" spc="-10"/>
-              <a:t>y</a:t>
-            </a:r>
-            <a:r>
-              <a:rPr lang="fr-FR" spc="-5"/>
-              <a:t>r</a:t>
-            </a:r>
-            <a:r>
-              <a:rPr lang="fr-FR"/>
-              <a:t>ig</a:t>
-            </a:r>
-            <a:r>
-              <a:rPr lang="fr-FR" spc="-5"/>
-              <a:t>h</a:t>
-            </a:r>
-            <a:r>
-              <a:rPr lang="fr-FR"/>
-              <a:t>t</a:t>
-            </a:r>
-            <a:r>
-              <a:rPr lang="fr-FR" spc="20"/>
-              <a:t> </a:t>
-            </a:r>
-            <a:r>
-              <a:rPr lang="fr-FR"/>
-              <a:t>© </a:t>
-            </a:r>
-            <a:r>
-              <a:rPr lang="fr-FR" spc="-5"/>
-              <a:t>2020</a:t>
-            </a:r>
-            <a:r>
-              <a:rPr lang="fr-FR"/>
-              <a:t>  </a:t>
-            </a:r>
-            <a:r>
-              <a:rPr lang="fr-FR" spc="95"/>
-              <a:t> </a:t>
-            </a:r>
-            <a:fld id="{81D60167-4931-47E6-BA6A-407CBD079E47}" type="slidenum">
-              <a:rPr smtClean="0">
-                <a:solidFill>
-                  <a:srgbClr val="000000"/>
-                </a:solidFill>
-              </a:rPr>
-              <a:pPr marL="12700">
-                <a:lnSpc>
-                  <a:spcPct val="100000"/>
-                </a:lnSpc>
-              </a:pPr>
-              <a:t>71</a:t>
-            </a:fld>
-            <a:endParaRPr dirty="0">
-              <a:solidFill>
-                <a:srgbClr val="000000"/>
-              </a:solidFill>
-            </a:endParaRPr>
-          </a:p>
-        </p:txBody>
-      </p:sp>
-    </p:spTree>
-    <p:extLst>
-      <p:ext uri="{BB962C8B-B14F-4D97-AF65-F5344CB8AC3E}">
-        <p14:creationId xmlns:p14="http://schemas.microsoft.com/office/powerpoint/2010/main" val="3354610790"/>
       </p:ext>
     </p:extLst>
   </p:cSld>
